--- a/Docs/TIU_Tracking_Poster_v1.pptx
+++ b/Docs/TIU_Tracking_Poster_v1.pptx
@@ -293,25 +293,25 @@
           </c:val>
         </c:ser>
         <c:shape val="box"/>
-        <c:axId val="82319616"/>
-        <c:axId val="82329600"/>
+        <c:axId val="83605376"/>
+        <c:axId val="83606912"/>
         <c:axId val="0"/>
       </c:bar3DChart>
       <c:catAx>
-        <c:axId val="82319616"/>
+        <c:axId val="83605376"/>
         <c:scaling>
           <c:orientation val="minMax"/>
         </c:scaling>
         <c:axPos val="b"/>
         <c:tickLblPos val="nextTo"/>
-        <c:crossAx val="82329600"/>
+        <c:crossAx val="83606912"/>
         <c:crosses val="autoZero"/>
         <c:auto val="1"/>
         <c:lblAlgn val="ctr"/>
         <c:lblOffset val="100"/>
       </c:catAx>
       <c:valAx>
-        <c:axId val="82329600"/>
+        <c:axId val="83606912"/>
         <c:scaling>
           <c:orientation val="minMax"/>
         </c:scaling>
@@ -319,7 +319,7 @@
         <c:majorGridlines/>
         <c:numFmt formatCode="0%" sourceLinked="1"/>
         <c:tickLblPos val="nextTo"/>
-        <c:crossAx val="82319616"/>
+        <c:crossAx val="83605376"/>
         <c:crosses val="autoZero"/>
         <c:crossBetween val="between"/>
       </c:valAx>
@@ -2719,7 +2719,7 @@
   <dgm:whole/>
   <dgm:extLst>
     <a:ext uri="http://schemas.microsoft.com/office/drawing/2008/diagram">
-      <dsp:dataModelExt xmlns="" xmlns:dsp="http://schemas.microsoft.com/office/drawing/2008/diagram" relId="rId10" minVer="http://schemas.openxmlformats.org/drawingml/2006/diagram"/>
+      <dsp:dataModelExt xmlns:dsp="http://schemas.microsoft.com/office/drawing/2008/diagram" xmlns="" relId="rId10" minVer="http://schemas.openxmlformats.org/drawingml/2006/diagram"/>
     </a:ext>
   </dgm:extLst>
 </dgm:dataModel>
@@ -2828,7 +2828,7 @@
   <dgm:whole/>
   <dgm:extLst>
     <a:ext uri="http://schemas.microsoft.com/office/drawing/2008/diagram">
-      <dsp:dataModelExt xmlns="" xmlns:dsp="http://schemas.microsoft.com/office/drawing/2008/diagram" relId="rId15" minVer="http://schemas.openxmlformats.org/drawingml/2006/diagram"/>
+      <dsp:dataModelExt xmlns:dsp="http://schemas.microsoft.com/office/drawing/2008/diagram" xmlns="" relId="rId15" minVer="http://schemas.openxmlformats.org/drawingml/2006/diagram"/>
     </a:ext>
   </dgm:extLst>
 </dgm:dataModel>
@@ -2968,7 +2968,7 @@
   <dgm:whole/>
   <dgm:extLst>
     <a:ext uri="http://schemas.microsoft.com/office/drawing/2008/diagram">
-      <dsp:dataModelExt xmlns="" xmlns:dsp="http://schemas.microsoft.com/office/drawing/2008/diagram" relId="rId20" minVer="http://schemas.openxmlformats.org/drawingml/2006/diagram"/>
+      <dsp:dataModelExt xmlns:dsp="http://schemas.microsoft.com/office/drawing/2008/diagram" xmlns="" relId="rId20" minVer="http://schemas.openxmlformats.org/drawingml/2006/diagram"/>
     </a:ext>
   </dgm:extLst>
 </dgm:dataModel>
@@ -11208,7 +11208,7 @@
           <p:nvPr/>
         </p:nvGraphicFramePr>
         <p:xfrm>
-          <a:off x="1828800" y="15398889"/>
+          <a:off x="1828800" y="13716000"/>
           <a:ext cx="7315200" cy="838200"/>
         </p:xfrm>
         <a:graphic>
@@ -11225,7 +11225,7 @@
         </p:nvSpPr>
         <p:spPr>
           <a:xfrm>
-            <a:off x="1752600" y="16313289"/>
+            <a:off x="1752600" y="14630400"/>
             <a:ext cx="7315200" cy="5016758"/>
           </a:xfrm>
           <a:prstGeom prst="rect">
@@ -11655,7 +11655,7 @@
         <p:spPr>
           <a:xfrm>
             <a:off x="1752600" y="5715000"/>
-            <a:ext cx="7391400" cy="7325082"/>
+            <a:ext cx="7391400" cy="7632859"/>
           </a:xfrm>
           <a:prstGeom prst="rect">
             <a:avLst/>
@@ -11682,44 +11682,13 @@
                 <a:ea typeface="Ebrima" pitchFamily="2" charset="0"/>
                 <a:cs typeface="Ebrima" pitchFamily="2" charset="0"/>
               </a:rPr>
-              <a:t>TIU tracking system is a capstone project conducted by Portland State University students and sponsored by Intel Corp. The system will be used to track locations of Test Interface Units (TIUs) in the Intel Validation Lab..</a:t>
+              <a:t>This system uses an RF transceiver network to track mobile assets indoors, where more obvious solutions, such as GPS, are unable to function. The system determines an assets current location by matching the RF fingerprint of its periodic broadcasts with previously collected fingerprints stored in a database</a:t>
             </a:r>
-          </a:p>
-          <a:p>
-            <a:pPr lvl="0" algn="just">
-              <a:spcBef>
-                <a:spcPts val="600"/>
-              </a:spcBef>
-              <a:spcAft>
-                <a:spcPts val="600"/>
-              </a:spcAft>
-            </a:pPr>
-            <a:r>
-              <a:rPr lang="en-US" sz="4000" dirty="0" smtClean="0">
-                <a:latin typeface="Ebrima" pitchFamily="2" charset="0"/>
-                <a:ea typeface="Ebrima" pitchFamily="2" charset="0"/>
-                <a:cs typeface="Ebrima" pitchFamily="2" charset="0"/>
-              </a:rPr>
-              <a:t>…………………………</a:t>
-            </a:r>
-          </a:p>
-          <a:p>
-            <a:pPr lvl="0" algn="just">
-              <a:spcBef>
-                <a:spcPts val="600"/>
-              </a:spcBef>
-              <a:spcAft>
-                <a:spcPts val="600"/>
-              </a:spcAft>
-            </a:pPr>
-            <a:r>
-              <a:rPr lang="en-US" sz="4000" dirty="0" smtClean="0">
-                <a:latin typeface="Ebrima" pitchFamily="2" charset="0"/>
-                <a:ea typeface="Ebrima" pitchFamily="2" charset="0"/>
-                <a:cs typeface="Ebrima" pitchFamily="2" charset="0"/>
-              </a:rPr>
-              <a:t>…………………………</a:t>
-            </a:r>
+            <a:endParaRPr lang="en-US" sz="4000" dirty="0" smtClean="0">
+              <a:latin typeface="Ebrima" pitchFamily="2" charset="0"/>
+              <a:ea typeface="Ebrima" pitchFamily="2" charset="0"/>
+              <a:cs typeface="Ebrima" pitchFamily="2" charset="0"/>
+            </a:endParaRPr>
           </a:p>
           <a:p>
             <a:pPr lvl="0" algn="just">

--- a/Docs/TIU_Tracking_Poster_v1.pptx
+++ b/Docs/TIU_Tracking_Poster_v1.pptx
@@ -293,25 +293,25 @@
           </c:val>
         </c:ser>
         <c:shape val="box"/>
-        <c:axId val="83605376"/>
-        <c:axId val="83606912"/>
+        <c:axId val="38975744"/>
+        <c:axId val="38981632"/>
         <c:axId val="0"/>
       </c:bar3DChart>
       <c:catAx>
-        <c:axId val="83605376"/>
+        <c:axId val="38975744"/>
         <c:scaling>
           <c:orientation val="minMax"/>
         </c:scaling>
         <c:axPos val="b"/>
         <c:tickLblPos val="nextTo"/>
-        <c:crossAx val="83606912"/>
+        <c:crossAx val="38981632"/>
         <c:crosses val="autoZero"/>
         <c:auto val="1"/>
         <c:lblAlgn val="ctr"/>
         <c:lblOffset val="100"/>
       </c:catAx>
       <c:valAx>
-        <c:axId val="83606912"/>
+        <c:axId val="38981632"/>
         <c:scaling>
           <c:orientation val="minMax"/>
         </c:scaling>
@@ -319,7 +319,7 @@
         <c:majorGridlines/>
         <c:numFmt formatCode="0%" sourceLinked="1"/>
         <c:tickLblPos val="nextTo"/>
-        <c:crossAx val="83605376"/>
+        <c:crossAx val="38975744"/>
         <c:crosses val="autoZero"/>
         <c:crossBetween val="between"/>
       </c:valAx>
@@ -2719,7 +2719,7 @@
   <dgm:whole/>
   <dgm:extLst>
     <a:ext uri="http://schemas.microsoft.com/office/drawing/2008/diagram">
-      <dsp:dataModelExt xmlns:dsp="http://schemas.microsoft.com/office/drawing/2008/diagram" xmlns="" relId="rId10" minVer="http://schemas.openxmlformats.org/drawingml/2006/diagram"/>
+      <dsp:dataModelExt xmlns="" xmlns:dsp="http://schemas.microsoft.com/office/drawing/2008/diagram" relId="rId10" minVer="http://schemas.openxmlformats.org/drawingml/2006/diagram"/>
     </a:ext>
   </dgm:extLst>
 </dgm:dataModel>
@@ -2828,7 +2828,7 @@
   <dgm:whole/>
   <dgm:extLst>
     <a:ext uri="http://schemas.microsoft.com/office/drawing/2008/diagram">
-      <dsp:dataModelExt xmlns:dsp="http://schemas.microsoft.com/office/drawing/2008/diagram" xmlns="" relId="rId15" minVer="http://schemas.openxmlformats.org/drawingml/2006/diagram"/>
+      <dsp:dataModelExt xmlns="" xmlns:dsp="http://schemas.microsoft.com/office/drawing/2008/diagram" relId="rId15" minVer="http://schemas.openxmlformats.org/drawingml/2006/diagram"/>
     </a:ext>
   </dgm:extLst>
 </dgm:dataModel>
@@ -2968,7 +2968,7 @@
   <dgm:whole/>
   <dgm:extLst>
     <a:ext uri="http://schemas.microsoft.com/office/drawing/2008/diagram">
-      <dsp:dataModelExt xmlns:dsp="http://schemas.microsoft.com/office/drawing/2008/diagram" xmlns="" relId="rId20" minVer="http://schemas.openxmlformats.org/drawingml/2006/diagram"/>
+      <dsp:dataModelExt xmlns="" xmlns:dsp="http://schemas.microsoft.com/office/drawing/2008/diagram" relId="rId20" minVer="http://schemas.openxmlformats.org/drawingml/2006/diagram"/>
     </a:ext>
   </dgm:extLst>
 </dgm:dataModel>
@@ -7051,7 +7051,7 @@
             <a:fld id="{1647A96E-796C-4EB3-8EAD-EAB33AF58E9F}" type="datetimeFigureOut">
               <a:rPr lang="en-US" smtClean="0"/>
               <a:pPr/>
-              <a:t>5/13/2011</a:t>
+              <a:t>5/16/2011</a:t>
             </a:fld>
             <a:endParaRPr lang="en-US"/>
           </a:p>
@@ -7581,7 +7581,7 @@
             <a:fld id="{D9D26CB9-01E4-44B8-8084-BCC418CF4A2D}" type="datetimeFigureOut">
               <a:rPr lang="en-US" smtClean="0"/>
               <a:pPr/>
-              <a:t>5/13/2011</a:t>
+              <a:t>5/16/2011</a:t>
             </a:fld>
             <a:endParaRPr lang="en-US"/>
           </a:p>
@@ -7748,7 +7748,7 @@
             <a:fld id="{D9D26CB9-01E4-44B8-8084-BCC418CF4A2D}" type="datetimeFigureOut">
               <a:rPr lang="en-US" smtClean="0"/>
               <a:pPr/>
-              <a:t>5/13/2011</a:t>
+              <a:t>5/16/2011</a:t>
             </a:fld>
             <a:endParaRPr lang="en-US"/>
           </a:p>
@@ -7925,7 +7925,7 @@
             <a:fld id="{D9D26CB9-01E4-44B8-8084-BCC418CF4A2D}" type="datetimeFigureOut">
               <a:rPr lang="en-US" smtClean="0"/>
               <a:pPr/>
-              <a:t>5/13/2011</a:t>
+              <a:t>5/16/2011</a:t>
             </a:fld>
             <a:endParaRPr lang="en-US"/>
           </a:p>
@@ -8092,7 +8092,7 @@
             <a:fld id="{D9D26CB9-01E4-44B8-8084-BCC418CF4A2D}" type="datetimeFigureOut">
               <a:rPr lang="en-US" smtClean="0"/>
               <a:pPr/>
-              <a:t>5/13/2011</a:t>
+              <a:t>5/16/2011</a:t>
             </a:fld>
             <a:endParaRPr lang="en-US"/>
           </a:p>
@@ -8335,7 +8335,7 @@
             <a:fld id="{D9D26CB9-01E4-44B8-8084-BCC418CF4A2D}" type="datetimeFigureOut">
               <a:rPr lang="en-US" smtClean="0"/>
               <a:pPr/>
-              <a:t>5/13/2011</a:t>
+              <a:t>5/16/2011</a:t>
             </a:fld>
             <a:endParaRPr lang="en-US"/>
           </a:p>
@@ -8620,7 +8620,7 @@
             <a:fld id="{D9D26CB9-01E4-44B8-8084-BCC418CF4A2D}" type="datetimeFigureOut">
               <a:rPr lang="en-US" smtClean="0"/>
               <a:pPr/>
-              <a:t>5/13/2011</a:t>
+              <a:t>5/16/2011</a:t>
             </a:fld>
             <a:endParaRPr lang="en-US"/>
           </a:p>
@@ -9039,7 +9039,7 @@
             <a:fld id="{D9D26CB9-01E4-44B8-8084-BCC418CF4A2D}" type="datetimeFigureOut">
               <a:rPr lang="en-US" smtClean="0"/>
               <a:pPr/>
-              <a:t>5/13/2011</a:t>
+              <a:t>5/16/2011</a:t>
             </a:fld>
             <a:endParaRPr lang="en-US"/>
           </a:p>
@@ -9154,7 +9154,7 @@
             <a:fld id="{D9D26CB9-01E4-44B8-8084-BCC418CF4A2D}" type="datetimeFigureOut">
               <a:rPr lang="en-US" smtClean="0"/>
               <a:pPr/>
-              <a:t>5/13/2011</a:t>
+              <a:t>5/16/2011</a:t>
             </a:fld>
             <a:endParaRPr lang="en-US"/>
           </a:p>
@@ -9246,7 +9246,7 @@
             <a:fld id="{D9D26CB9-01E4-44B8-8084-BCC418CF4A2D}" type="datetimeFigureOut">
               <a:rPr lang="en-US" smtClean="0"/>
               <a:pPr/>
-              <a:t>5/13/2011</a:t>
+              <a:t>5/16/2011</a:t>
             </a:fld>
             <a:endParaRPr lang="en-US"/>
           </a:p>
@@ -9520,7 +9520,7 @@
             <a:fld id="{D9D26CB9-01E4-44B8-8084-BCC418CF4A2D}" type="datetimeFigureOut">
               <a:rPr lang="en-US" smtClean="0"/>
               <a:pPr/>
-              <a:t>5/13/2011</a:t>
+              <a:t>5/16/2011</a:t>
             </a:fld>
             <a:endParaRPr lang="en-US"/>
           </a:p>
@@ -9770,7 +9770,7 @@
             <a:fld id="{D9D26CB9-01E4-44B8-8084-BCC418CF4A2D}" type="datetimeFigureOut">
               <a:rPr lang="en-US" smtClean="0"/>
               <a:pPr/>
-              <a:t>5/13/2011</a:t>
+              <a:t>5/16/2011</a:t>
             </a:fld>
             <a:endParaRPr lang="en-US"/>
           </a:p>
@@ -9980,7 +9980,7 @@
             <a:fld id="{D9D26CB9-01E4-44B8-8084-BCC418CF4A2D}" type="datetimeFigureOut">
               <a:rPr lang="en-US" smtClean="0"/>
               <a:pPr/>
-              <a:t>5/13/2011</a:t>
+              <a:t>5/16/2011</a:t>
             </a:fld>
             <a:endParaRPr lang="en-US"/>
           </a:p>
@@ -10904,7 +10904,7 @@
         <p:spPr>
           <a:xfrm>
             <a:off x="7086600" y="838200"/>
-            <a:ext cx="30861000" cy="2554545"/>
+            <a:ext cx="30861000" cy="1938992"/>
           </a:xfrm>
           <a:prstGeom prst="rect">
             <a:avLst/>
@@ -10919,7 +10919,7 @@
           <a:p>
             <a:pPr algn="ctr"/>
             <a:r>
-              <a:rPr lang="en-US" sz="16000" b="1" cap="none" spc="300" dirty="0" smtClean="0">
+              <a:rPr lang="en-US" sz="12000" b="1" cap="none" spc="300" dirty="0" smtClean="0">
                 <a:ln w="11430" cmpd="sng">
                   <a:solidFill>
                     <a:schemeClr val="accent1">
@@ -10960,7 +10960,7 @@
               </a:rPr>
               <a:t>TIU TRACKING SYSTEM</a:t>
             </a:r>
-            <a:endParaRPr lang="en-US" sz="16000" b="1" cap="none" spc="300" dirty="0">
+            <a:endParaRPr lang="en-US" sz="12000" b="1" cap="none" spc="300" dirty="0">
               <a:ln w="11430" cmpd="sng">
                 <a:solidFill>
                   <a:schemeClr val="accent1">
@@ -11009,7 +11009,7 @@
           <p:nvPr/>
         </p:nvGraphicFramePr>
         <p:xfrm>
-          <a:off x="1828800" y="22860000"/>
+          <a:off x="1828800" y="22479000"/>
           <a:ext cx="7315200" cy="923865"/>
         </p:xfrm>
         <a:graphic>
@@ -11026,8 +11026,8 @@
         </p:nvSpPr>
         <p:spPr>
           <a:xfrm>
-            <a:off x="1828800" y="23850600"/>
-            <a:ext cx="7010400" cy="5324535"/>
+            <a:off x="1828800" y="23622000"/>
+            <a:ext cx="7543800" cy="5324535"/>
           </a:xfrm>
           <a:prstGeom prst="rect">
             <a:avLst/>
@@ -11054,8 +11054,21 @@
                 <a:ea typeface="Ebrima" pitchFamily="2" charset="0"/>
                 <a:cs typeface="Ebrima" pitchFamily="2" charset="0"/>
               </a:rPr>
-              <a:t>Sponsor: Intel</a:t>
+              <a:t>Sponsor: </a:t>
             </a:r>
+            <a:r>
+              <a:rPr lang="en-US" sz="4000" dirty="0" smtClean="0">
+                <a:latin typeface="Ebrima" pitchFamily="2" charset="0"/>
+                <a:ea typeface="Ebrima" pitchFamily="2" charset="0"/>
+                <a:cs typeface="Ebrima" pitchFamily="2" charset="0"/>
+              </a:rPr>
+              <a:t>   Intel</a:t>
+            </a:r>
+            <a:endParaRPr lang="en-US" sz="4000" dirty="0" smtClean="0">
+              <a:latin typeface="Ebrima" pitchFamily="2" charset="0"/>
+              <a:ea typeface="Ebrima" pitchFamily="2" charset="0"/>
+              <a:cs typeface="Ebrima" pitchFamily="2" charset="0"/>
+            </a:endParaRPr>
           </a:p>
           <a:p>
             <a:pPr lvl="0">
@@ -11072,7 +11085,23 @@
                 <a:ea typeface="Ebrima" pitchFamily="2" charset="0"/>
                 <a:cs typeface="Ebrima" pitchFamily="2" charset="0"/>
               </a:rPr>
-              <a:t>Advisor: Prof. Robert </a:t>
+              <a:t>Advisor: </a:t>
+            </a:r>
+            <a:r>
+              <a:rPr lang="en-US" sz="4000" dirty="0" smtClean="0">
+                <a:latin typeface="Ebrima" pitchFamily="2" charset="0"/>
+                <a:ea typeface="Ebrima" pitchFamily="2" charset="0"/>
+                <a:cs typeface="Ebrima" pitchFamily="2" charset="0"/>
+              </a:rPr>
+              <a:t>    Prof</a:t>
+            </a:r>
+            <a:r>
+              <a:rPr lang="en-US" sz="4000" dirty="0" smtClean="0">
+                <a:latin typeface="Ebrima" pitchFamily="2" charset="0"/>
+                <a:ea typeface="Ebrima" pitchFamily="2" charset="0"/>
+                <a:cs typeface="Ebrima" pitchFamily="2" charset="0"/>
+              </a:rPr>
+              <a:t>. Robert </a:t>
             </a:r>
             <a:r>
               <a:rPr lang="en-US" sz="4000" dirty="0" err="1" smtClean="0">
@@ -11103,7 +11132,23 @@
                 <a:ea typeface="Ebrima" pitchFamily="2" charset="0"/>
                 <a:cs typeface="Ebrima" pitchFamily="2" charset="0"/>
               </a:rPr>
-              <a:t>Members: Dung Le</a:t>
+              <a:t>Members: </a:t>
+            </a:r>
+            <a:r>
+              <a:rPr lang="en-US" sz="4000" dirty="0" smtClean="0">
+                <a:latin typeface="Ebrima" pitchFamily="2" charset="0"/>
+                <a:ea typeface="Ebrima" pitchFamily="2" charset="0"/>
+                <a:cs typeface="Ebrima" pitchFamily="2" charset="0"/>
+              </a:rPr>
+              <a:t> Dung </a:t>
+            </a:r>
+            <a:r>
+              <a:rPr lang="en-US" sz="4000" dirty="0" smtClean="0">
+                <a:latin typeface="Ebrima" pitchFamily="2" charset="0"/>
+                <a:ea typeface="Ebrima" pitchFamily="2" charset="0"/>
+                <a:cs typeface="Ebrima" pitchFamily="2" charset="0"/>
+              </a:rPr>
+              <a:t>Le</a:t>
             </a:r>
           </a:p>
           <a:p>
@@ -11208,7 +11253,7 @@
           <p:nvPr/>
         </p:nvGraphicFramePr>
         <p:xfrm>
-          <a:off x="1828800" y="13716000"/>
+          <a:off x="1828800" y="14173200"/>
           <a:ext cx="7315200" cy="838200"/>
         </p:xfrm>
         <a:graphic>
@@ -11225,8 +11270,8 @@
         </p:nvSpPr>
         <p:spPr>
           <a:xfrm>
-            <a:off x="1752600" y="14630400"/>
-            <a:ext cx="7315200" cy="5016758"/>
+            <a:off x="1752600" y="15252442"/>
+            <a:ext cx="7315200" cy="6093976"/>
           </a:xfrm>
           <a:prstGeom prst="rect">
             <a:avLst/>
@@ -11240,6 +11285,12 @@
           <a:lstStyle/>
           <a:p>
             <a:pPr algn="just">
+              <a:spcBef>
+                <a:spcPts val="600"/>
+              </a:spcBef>
+              <a:spcAft>
+                <a:spcPts val="600"/>
+              </a:spcAft>
               <a:buFont typeface="Arial" pitchFamily="34" charset="0"/>
               <a:buChar char="•"/>
             </a:pPr>
@@ -11261,6 +11312,12 @@
           </a:p>
           <a:p>
             <a:pPr lvl="0" algn="just">
+              <a:spcBef>
+                <a:spcPts val="600"/>
+              </a:spcBef>
+              <a:spcAft>
+                <a:spcPts val="600"/>
+              </a:spcAft>
               <a:buFont typeface="Arial" pitchFamily="34" charset="0"/>
               <a:buChar char="•"/>
             </a:pPr>
@@ -11279,6 +11336,12 @@
           </a:p>
           <a:p>
             <a:pPr lvl="0" algn="just">
+              <a:spcBef>
+                <a:spcPts val="600"/>
+              </a:spcBef>
+              <a:spcAft>
+                <a:spcPts val="600"/>
+              </a:spcAft>
               <a:buFont typeface="Arial" pitchFamily="34" charset="0"/>
               <a:buChar char="•"/>
             </a:pPr>
@@ -11297,6 +11360,12 @@
           </a:p>
           <a:p>
             <a:pPr lvl="0" algn="just">
+              <a:spcBef>
+                <a:spcPts val="600"/>
+              </a:spcBef>
+              <a:spcAft>
+                <a:spcPts val="600"/>
+              </a:spcAft>
               <a:buFont typeface="Arial" pitchFamily="34" charset="0"/>
               <a:buChar char="•"/>
             </a:pPr>
@@ -11310,7 +11379,14 @@
             </a:r>
           </a:p>
           <a:p>
-            <a:pPr lvl="0" algn="just"/>
+            <a:pPr lvl="0" algn="just">
+              <a:spcBef>
+                <a:spcPts val="600"/>
+              </a:spcBef>
+              <a:spcAft>
+                <a:spcPts val="600"/>
+              </a:spcAft>
+            </a:pPr>
             <a:r>
               <a:rPr lang="en-US" sz="4000" dirty="0" smtClean="0">
                 <a:latin typeface="Ebrima" pitchFamily="2" charset="0"/>
@@ -11322,6 +11398,12 @@
           </a:p>
           <a:p>
             <a:pPr lvl="0" algn="just">
+              <a:spcBef>
+                <a:spcPts val="600"/>
+              </a:spcBef>
+              <a:spcAft>
+                <a:spcPts val="600"/>
+              </a:spcAft>
               <a:buFont typeface="Arial" pitchFamily="34" charset="0"/>
               <a:buChar char="•"/>
             </a:pPr>
@@ -11336,6 +11418,12 @@
           </a:p>
           <a:p>
             <a:pPr lvl="0" algn="just">
+              <a:spcBef>
+                <a:spcPts val="600"/>
+              </a:spcBef>
+              <a:spcAft>
+                <a:spcPts val="600"/>
+              </a:spcAft>
               <a:buFont typeface="Arial" pitchFamily="34" charset="0"/>
               <a:buChar char="•"/>
             </a:pPr>
@@ -11355,6 +11443,12 @@
           </a:p>
           <a:p>
             <a:pPr lvl="0">
+              <a:spcBef>
+                <a:spcPts val="600"/>
+              </a:spcBef>
+              <a:spcAft>
+                <a:spcPts val="600"/>
+              </a:spcAft>
               <a:buFont typeface="Arial" pitchFamily="34" charset="0"/>
               <a:buChar char="•"/>
             </a:pPr>
@@ -11499,7 +11593,7 @@
         </p:nvGrpSpPr>
         <p:grpSpPr>
           <a:xfrm>
-            <a:off x="26593800" y="24688800"/>
+            <a:off x="26593800" y="25492301"/>
             <a:ext cx="16383000" cy="914400"/>
             <a:chOff x="0" y="1199"/>
             <a:chExt cx="7315200" cy="1216800"/>
@@ -11654,7 +11748,7 @@
         </p:nvSpPr>
         <p:spPr>
           <a:xfrm>
-            <a:off x="1752600" y="5715000"/>
+            <a:off x="1752600" y="5854541"/>
             <a:ext cx="7391400" cy="7632859"/>
           </a:xfrm>
           <a:prstGeom prst="rect">
@@ -11684,11 +11778,6 @@
               </a:rPr>
               <a:t>This system uses an RF transceiver network to track mobile assets indoors, where more obvious solutions, such as GPS, are unable to function. The system determines an assets current location by matching the RF fingerprint of its periodic broadcasts with previously collected fingerprints stored in a database</a:t>
             </a:r>
-            <a:endParaRPr lang="en-US" sz="4000" dirty="0" smtClean="0">
-              <a:latin typeface="Ebrima" pitchFamily="2" charset="0"/>
-              <a:ea typeface="Ebrima" pitchFamily="2" charset="0"/>
-              <a:cs typeface="Ebrima" pitchFamily="2" charset="0"/>
-            </a:endParaRPr>
           </a:p>
           <a:p>
             <a:pPr lvl="0" algn="just">
@@ -12628,7 +12717,7 @@
           <p:nvPr/>
         </p:nvGraphicFramePr>
         <p:xfrm>
-          <a:off x="35737800" y="14249400"/>
+          <a:off x="35737800" y="14554200"/>
           <a:ext cx="7391400" cy="5638800"/>
         </p:xfrm>
         <a:graphic>
@@ -12729,7 +12818,7 @@
         </p:blipFill>
         <p:spPr bwMode="auto">
           <a:xfrm>
-            <a:off x="35280600" y="8382000"/>
+            <a:off x="35280600" y="8534400"/>
             <a:ext cx="2082800" cy="2082800"/>
           </a:xfrm>
           <a:prstGeom prst="rect">
@@ -12804,7 +12893,7 @@
         </p:blipFill>
         <p:spPr bwMode="auto">
           <a:xfrm>
-            <a:off x="41071800" y="11125200"/>
+            <a:off x="41071800" y="11353800"/>
             <a:ext cx="1785258" cy="1785258"/>
           </a:xfrm>
           <a:prstGeom prst="rect">
@@ -12869,8 +12958,8 @@
         </p:nvSpPr>
         <p:spPr>
           <a:xfrm>
-            <a:off x="26517600" y="25690286"/>
-            <a:ext cx="16383000" cy="3323987"/>
+            <a:off x="26517600" y="26493787"/>
+            <a:ext cx="16383000" cy="2462213"/>
           </a:xfrm>
           <a:prstGeom prst="rect">
             <a:avLst/>
@@ -12892,7 +12981,7 @@
               </a:spcAft>
             </a:pPr>
             <a:r>
-              <a:rPr lang="en-US" sz="4000" dirty="0" smtClean="0">
+              <a:rPr lang="en-US" sz="3600" dirty="0" smtClean="0">
                 <a:latin typeface="Ebrima" pitchFamily="2" charset="0"/>
                 <a:ea typeface="Ebrima" pitchFamily="2" charset="0"/>
                 <a:cs typeface="Ebrima" pitchFamily="2" charset="0"/>
@@ -12900,7 +12989,7 @@
               <a:t>The tracking system consists of two primary parts: hardware and software. The hardware infrastructure is built upon RF technology. The number of detectors will be scaled in order to achieve the desired accuracy and efficiency</a:t>
             </a:r>
             <a:r>
-              <a:rPr lang="en-US" sz="4000" dirty="0" smtClean="0"/>
+              <a:rPr lang="en-US" sz="3600" dirty="0" smtClean="0"/>
               <a:t>..</a:t>
             </a:r>
           </a:p>
@@ -12914,13 +13003,13 @@
               </a:spcAft>
             </a:pPr>
             <a:r>
-              <a:rPr lang="en-US" sz="4000" dirty="0" smtClean="0">
+              <a:rPr lang="en-US" sz="3600" dirty="0" smtClean="0">
                 <a:latin typeface="Arial" pitchFamily="34" charset="0"/>
                 <a:cs typeface="Arial" pitchFamily="34" charset="0"/>
               </a:rPr>
               <a:t>……………………………….</a:t>
             </a:r>
-            <a:endParaRPr lang="en-US" sz="4000" dirty="0">
+            <a:endParaRPr lang="en-US" sz="3600" dirty="0">
               <a:latin typeface="Arial" pitchFamily="34" charset="0"/>
               <a:cs typeface="Arial" pitchFamily="34" charset="0"/>
             </a:endParaRPr>
@@ -12944,7 +13033,7 @@
         </p:blipFill>
         <p:spPr bwMode="auto">
           <a:xfrm>
-            <a:off x="26517600" y="14249400"/>
+            <a:off x="26517600" y="14554200"/>
             <a:ext cx="9144000" cy="5410200"/>
           </a:xfrm>
           <a:prstGeom prst="rect">
@@ -12996,15 +13085,14 @@
         </p:nvPicPr>
         <p:blipFill>
           <a:blip r:embed="rId29" cstate="print"/>
-          <a:srcRect/>
           <a:stretch>
             <a:fillRect/>
           </a:stretch>
         </p:blipFill>
         <p:spPr bwMode="auto">
           <a:xfrm>
-            <a:off x="26607767" y="9169852"/>
-            <a:ext cx="3746828" cy="812348"/>
+            <a:off x="26625731" y="9067800"/>
+            <a:ext cx="3778069" cy="1219200"/>
           </a:xfrm>
           <a:prstGeom prst="rect">
             <a:avLst/>
@@ -13022,7 +13110,6 @@
         </p:nvPicPr>
         <p:blipFill>
           <a:blip r:embed="rId30" cstate="print"/>
-          <a:srcRect/>
           <a:stretch>
             <a:fillRect/>
           </a:stretch>
@@ -13030,7 +13117,7 @@
         <p:spPr bwMode="auto">
           <a:xfrm>
             <a:off x="32440024" y="11963400"/>
-            <a:ext cx="2002376" cy="1566922"/>
+            <a:ext cx="2002376" cy="1566921"/>
           </a:xfrm>
           <a:prstGeom prst="rect">
             <a:avLst/>
@@ -13432,141 +13519,686 @@
       </p:grpSp>
       <p:grpSp>
         <p:nvGrpSpPr>
-          <p:cNvPr id="208" name="Group 207"/>
+          <p:cNvPr id="202" name="Group 201"/>
           <p:cNvGrpSpPr/>
           <p:nvPr/>
         </p:nvGrpSpPr>
         <p:grpSpPr>
           <a:xfrm>
-            <a:off x="10134600" y="12877800"/>
-            <a:ext cx="15354300" cy="9144000"/>
-            <a:chOff x="10134600" y="12877800"/>
-            <a:chExt cx="15354300" cy="9144000"/>
+            <a:off x="12659802" y="19755626"/>
+            <a:ext cx="3267408" cy="1732774"/>
+            <a:chOff x="12659802" y="18451002"/>
+            <a:chExt cx="3267408" cy="1732774"/>
           </a:xfrm>
         </p:grpSpPr>
-        <p:grpSp>
-          <p:nvGrpSpPr>
-            <p:cNvPr id="202" name="Group 201"/>
-            <p:cNvGrpSpPr/>
-            <p:nvPr/>
-          </p:nvGrpSpPr>
-          <p:grpSpPr>
-            <a:xfrm>
-              <a:off x="12659802" y="18451002"/>
-              <a:ext cx="3267408" cy="1732774"/>
-              <a:chOff x="12659802" y="18451002"/>
-              <a:chExt cx="3267408" cy="1732774"/>
-            </a:xfrm>
-          </p:grpSpPr>
-          <p:pic>
-            <p:nvPicPr>
-              <p:cNvPr id="141" name="Picture 140" descr="istockphoto_12865598-wireless-network-wifi-icon.jpg"/>
-              <p:cNvPicPr>
-                <a:picLocks noChangeAspect="1"/>
-              </p:cNvPicPr>
-              <p:nvPr/>
-            </p:nvPicPr>
-            <p:blipFill>
-              <a:blip r:embed="rId33" cstate="print"/>
-              <a:stretch>
-                <a:fillRect/>
-              </a:stretch>
-            </p:blipFill>
-            <p:spPr>
-              <a:xfrm>
-                <a:off x="13639800" y="19050000"/>
-                <a:ext cx="1337996" cy="1133776"/>
-              </a:xfrm>
-              <a:prstGeom prst="rect">
-                <a:avLst/>
-              </a:prstGeom>
-              <a:ln>
-                <a:noFill/>
-              </a:ln>
-              <a:effectLst>
-                <a:softEdge rad="112500"/>
-              </a:effectLst>
-            </p:spPr>
-          </p:pic>
-          <p:pic>
-            <p:nvPicPr>
-              <p:cNvPr id="139" name="Picture 138" descr="200712811334187778024.png"/>
-              <p:cNvPicPr>
-                <a:picLocks noChangeAspect="1"/>
-              </p:cNvPicPr>
-              <p:nvPr/>
-            </p:nvPicPr>
-            <p:blipFill>
-              <a:blip r:embed="rId34" cstate="print">
-                <a:duotone>
-                  <a:schemeClr val="accent6">
-                    <a:shade val="45000"/>
-                    <a:satMod val="135000"/>
-                  </a:schemeClr>
-                  <a:prstClr val="white"/>
-                </a:duotone>
-                <a:lum bright="-11000" contrast="33000"/>
-              </a:blip>
-              <a:stretch>
-                <a:fillRect/>
-              </a:stretch>
-            </p:blipFill>
-            <p:spPr>
-              <a:xfrm rot="14944043">
-                <a:off x="12659802" y="18451002"/>
-                <a:ext cx="1119246" cy="1119246"/>
-              </a:xfrm>
-              <a:prstGeom prst="rect">
-                <a:avLst/>
-              </a:prstGeom>
-              <a:noFill/>
-            </p:spPr>
-          </p:pic>
-          <p:pic>
-            <p:nvPicPr>
-              <p:cNvPr id="144" name="Picture 143" descr="200712811334187778024.png"/>
-              <p:cNvPicPr>
-                <a:picLocks noChangeAspect="1"/>
-              </p:cNvPicPr>
-              <p:nvPr/>
-            </p:nvPicPr>
-            <p:blipFill>
-              <a:blip r:embed="rId34" cstate="print">
-                <a:duotone>
-                  <a:schemeClr val="accent6">
-                    <a:shade val="45000"/>
-                    <a:satMod val="135000"/>
-                  </a:schemeClr>
-                  <a:prstClr val="white"/>
-                </a:duotone>
-                <a:lum bright="-11000" contrast="33000"/>
-              </a:blip>
-              <a:stretch>
-                <a:fillRect/>
-              </a:stretch>
-            </p:blipFill>
-            <p:spPr>
-              <a:xfrm rot="10254293">
-                <a:off x="14860410" y="18594210"/>
-                <a:ext cx="1066800" cy="1066800"/>
-              </a:xfrm>
-              <a:prstGeom prst="rect">
-                <a:avLst/>
-              </a:prstGeom>
-              <a:noFill/>
-            </p:spPr>
-          </p:pic>
-        </p:grpSp>
         <p:pic>
           <p:nvPicPr>
-            <p:cNvPr id="174" name="Picture 173" descr="1209193.png"/>
+            <p:cNvPr id="141" name="Picture 140" descr="istockphoto_12865598-wireless-network-wifi-icon.jpg"/>
             <p:cNvPicPr>
               <a:picLocks noChangeAspect="1"/>
             </p:cNvPicPr>
             <p:nvPr/>
           </p:nvPicPr>
           <p:blipFill>
-            <a:blip r:embed="rId35" cstate="print">
+            <a:blip r:embed="rId33" cstate="print"/>
+            <a:stretch>
+              <a:fillRect/>
+            </a:stretch>
+          </p:blipFill>
+          <p:spPr>
+            <a:xfrm>
+              <a:off x="13639800" y="19050000"/>
+              <a:ext cx="1337996" cy="1133776"/>
+            </a:xfrm>
+            <a:prstGeom prst="rect">
+              <a:avLst/>
+            </a:prstGeom>
+            <a:ln>
+              <a:noFill/>
+            </a:ln>
+            <a:effectLst>
+              <a:softEdge rad="112500"/>
+            </a:effectLst>
+          </p:spPr>
+        </p:pic>
+        <p:pic>
+          <p:nvPicPr>
+            <p:cNvPr id="139" name="Picture 138" descr="200712811334187778024.png"/>
+            <p:cNvPicPr>
+              <a:picLocks noChangeAspect="1"/>
+            </p:cNvPicPr>
+            <p:nvPr/>
+          </p:nvPicPr>
+          <p:blipFill>
+            <a:blip r:embed="rId34" cstate="print">
+              <a:duotone>
+                <a:schemeClr val="accent6">
+                  <a:shade val="45000"/>
+                  <a:satMod val="135000"/>
+                </a:schemeClr>
+                <a:prstClr val="white"/>
+              </a:duotone>
+              <a:lum bright="-11000" contrast="33000"/>
+            </a:blip>
+            <a:stretch>
+              <a:fillRect/>
+            </a:stretch>
+          </p:blipFill>
+          <p:spPr>
+            <a:xfrm rot="14944043">
+              <a:off x="12659802" y="18451002"/>
+              <a:ext cx="1119246" cy="1119246"/>
+            </a:xfrm>
+            <a:prstGeom prst="rect">
+              <a:avLst/>
+            </a:prstGeom>
+            <a:noFill/>
+          </p:spPr>
+        </p:pic>
+        <p:pic>
+          <p:nvPicPr>
+            <p:cNvPr id="144" name="Picture 143" descr="200712811334187778024.png"/>
+            <p:cNvPicPr>
+              <a:picLocks noChangeAspect="1"/>
+            </p:cNvPicPr>
+            <p:nvPr/>
+          </p:nvPicPr>
+          <p:blipFill>
+            <a:blip r:embed="rId34" cstate="print">
+              <a:duotone>
+                <a:schemeClr val="accent6">
+                  <a:shade val="45000"/>
+                  <a:satMod val="135000"/>
+                </a:schemeClr>
+                <a:prstClr val="white"/>
+              </a:duotone>
+              <a:lum bright="-11000" contrast="33000"/>
+            </a:blip>
+            <a:stretch>
+              <a:fillRect/>
+            </a:stretch>
+          </p:blipFill>
+          <p:spPr>
+            <a:xfrm rot="10254293">
+              <a:off x="14860410" y="18594210"/>
+              <a:ext cx="1066800" cy="1066800"/>
+            </a:xfrm>
+            <a:prstGeom prst="rect">
+              <a:avLst/>
+            </a:prstGeom>
+            <a:noFill/>
+          </p:spPr>
+        </p:pic>
+      </p:grpSp>
+      <p:pic>
+        <p:nvPicPr>
+          <p:cNvPr id="174" name="Picture 173" descr="1209193.png"/>
+          <p:cNvPicPr>
+            <a:picLocks noChangeAspect="1"/>
+          </p:cNvPicPr>
+          <p:nvPr/>
+        </p:nvPicPr>
+        <p:blipFill>
+          <a:blip r:embed="rId35" cstate="print">
+            <a:duotone>
+              <a:prstClr val="black"/>
+              <a:schemeClr val="accent1">
+                <a:tint val="45000"/>
+                <a:satMod val="400000"/>
+              </a:schemeClr>
+            </a:duotone>
+            <a:lum bright="40000" contrast="40000"/>
+          </a:blip>
+          <a:stretch>
+            <a:fillRect/>
+          </a:stretch>
+        </p:blipFill>
+        <p:spPr>
+          <a:xfrm>
+            <a:off x="23317200" y="20672013"/>
+            <a:ext cx="1121186" cy="1121187"/>
+          </a:xfrm>
+          <a:prstGeom prst="rect">
+            <a:avLst/>
+          </a:prstGeom>
+        </p:spPr>
+      </p:pic>
+      <p:pic>
+        <p:nvPicPr>
+          <p:cNvPr id="175" name="Picture 174" descr="15342238.png"/>
+          <p:cNvPicPr>
+            <a:picLocks noChangeAspect="1"/>
+          </p:cNvPicPr>
+          <p:nvPr/>
+        </p:nvPicPr>
+        <p:blipFill>
+          <a:blip r:embed="rId36" cstate="print"/>
+          <a:stretch>
+            <a:fillRect/>
+          </a:stretch>
+        </p:blipFill>
+        <p:spPr>
+          <a:xfrm rot="15128252">
+            <a:off x="23288448" y="20621448"/>
+            <a:ext cx="1148352" cy="1148352"/>
+          </a:xfrm>
+          <a:prstGeom prst="rect">
+            <a:avLst/>
+          </a:prstGeom>
+        </p:spPr>
+      </p:pic>
+      <p:sp>
+        <p:nvSpPr>
+          <p:cNvPr id="176" name="TextBox 175"/>
+          <p:cNvSpPr txBox="1"/>
+          <p:nvPr/>
+        </p:nvSpPr>
+        <p:spPr>
+          <a:xfrm>
+            <a:off x="21640800" y="21259800"/>
+            <a:ext cx="1752600" cy="584775"/>
+          </a:xfrm>
+          <a:prstGeom prst="rect">
+            <a:avLst/>
+          </a:prstGeom>
+          <a:noFill/>
+        </p:spPr>
+        <p:txBody>
+          <a:bodyPr wrap="square" rtlCol="0">
+            <a:spAutoFit/>
+          </a:bodyPr>
+          <a:lstStyle/>
+          <a:p>
+            <a:r>
+              <a:rPr lang="en-US" sz="3200" dirty="0" smtClean="0">
+                <a:solidFill>
+                  <a:schemeClr val="accent2"/>
+                </a:solidFill>
+                <a:latin typeface="Ebrima" pitchFamily="2" charset="0"/>
+                <a:ea typeface="Ebrima" pitchFamily="2" charset="0"/>
+                <a:cs typeface="Ebrima" pitchFamily="2" charset="0"/>
+              </a:rPr>
+              <a:t>Detector</a:t>
+            </a:r>
+            <a:endParaRPr lang="en-US" sz="3200" dirty="0">
+              <a:solidFill>
+                <a:schemeClr val="accent2"/>
+              </a:solidFill>
+              <a:latin typeface="Ebrima" pitchFamily="2" charset="0"/>
+              <a:ea typeface="Ebrima" pitchFamily="2" charset="0"/>
+              <a:cs typeface="Ebrima" pitchFamily="2" charset="0"/>
+            </a:endParaRPr>
+          </a:p>
+        </p:txBody>
+      </p:sp>
+      <p:sp>
+        <p:nvSpPr>
+          <p:cNvPr id="186" name="Rounded Rectangle 185"/>
+          <p:cNvSpPr/>
+          <p:nvPr/>
+        </p:nvSpPr>
+        <p:spPr>
+          <a:xfrm>
+            <a:off x="10134600" y="12877800"/>
+            <a:ext cx="15354300" cy="9144000"/>
+          </a:xfrm>
+          <a:prstGeom prst="roundRect">
+            <a:avLst/>
+          </a:prstGeom>
+          <a:noFill/>
+          <a:ln w="76200">
+            <a:solidFill>
+              <a:schemeClr val="tx2">
+                <a:lumMod val="60000"/>
+                <a:lumOff val="40000"/>
+              </a:schemeClr>
+            </a:solidFill>
+          </a:ln>
+          <a:effectLst/>
+        </p:spPr>
+        <p:style>
+          <a:lnRef idx="2">
+            <a:schemeClr val="accent1">
+              <a:shade val="50000"/>
+            </a:schemeClr>
+          </a:lnRef>
+          <a:fillRef idx="1">
+            <a:schemeClr val="accent1"/>
+          </a:fillRef>
+          <a:effectRef idx="0">
+            <a:schemeClr val="accent1"/>
+          </a:effectRef>
+          <a:fontRef idx="minor">
+            <a:schemeClr val="lt1"/>
+          </a:fontRef>
+        </p:style>
+        <p:txBody>
+          <a:bodyPr rtlCol="0" anchor="ctr"/>
+          <a:lstStyle/>
+          <a:p>
+            <a:pPr algn="ctr"/>
+            <a:endParaRPr lang="en-US"/>
+          </a:p>
+        </p:txBody>
+      </p:sp>
+      <p:grpSp>
+        <p:nvGrpSpPr>
+          <p:cNvPr id="13" name="Group 39"/>
+          <p:cNvGrpSpPr/>
+          <p:nvPr/>
+        </p:nvGrpSpPr>
+        <p:grpSpPr>
+          <a:xfrm>
+            <a:off x="11658600" y="12877800"/>
+            <a:ext cx="12344400" cy="762000"/>
+            <a:chOff x="0" y="1199"/>
+            <a:chExt cx="7315200" cy="1216800"/>
+          </a:xfrm>
+          <a:gradFill>
+            <a:gsLst>
+              <a:gs pos="0">
+                <a:schemeClr val="tx2">
+                  <a:lumMod val="40000"/>
+                  <a:lumOff val="60000"/>
+                </a:schemeClr>
+              </a:gs>
+              <a:gs pos="80000">
+                <a:schemeClr val="accent1">
+                  <a:hueOff val="0"/>
+                  <a:satOff val="0"/>
+                  <a:lumOff val="0"/>
+                  <a:alphaOff val="0"/>
+                  <a:shade val="93000"/>
+                  <a:satMod val="130000"/>
+                </a:schemeClr>
+              </a:gs>
+              <a:gs pos="100000">
+                <a:schemeClr val="accent1">
+                  <a:hueOff val="0"/>
+                  <a:satOff val="0"/>
+                  <a:lumOff val="0"/>
+                  <a:alphaOff val="0"/>
+                  <a:shade val="94000"/>
+                  <a:satMod val="135000"/>
+                </a:schemeClr>
+              </a:gs>
+            </a:gsLst>
+            <a:lin ang="16200000" scaled="0"/>
+          </a:gradFill>
+        </p:grpSpPr>
+        <p:sp>
+          <p:nvSpPr>
+            <p:cNvPr id="188" name="Rounded Rectangle 187"/>
+            <p:cNvSpPr/>
+            <p:nvPr/>
+          </p:nvSpPr>
+          <p:spPr>
+            <a:xfrm>
+              <a:off x="0" y="1199"/>
+              <a:ext cx="7315200" cy="1216800"/>
+            </a:xfrm>
+            <a:prstGeom prst="roundRect">
+              <a:avLst/>
+            </a:prstGeom>
+            <a:grpFill/>
+          </p:spPr>
+          <p:style>
+            <a:lnRef idx="0">
+              <a:schemeClr val="lt1">
+                <a:hueOff val="0"/>
+                <a:satOff val="0"/>
+                <a:lumOff val="0"/>
+                <a:alphaOff val="0"/>
+              </a:schemeClr>
+            </a:lnRef>
+            <a:fillRef idx="3">
+              <a:schemeClr val="accent1">
+                <a:hueOff val="0"/>
+                <a:satOff val="0"/>
+                <a:lumOff val="0"/>
+                <a:alphaOff val="0"/>
+              </a:schemeClr>
+            </a:fillRef>
+            <a:effectRef idx="3">
+              <a:schemeClr val="accent1">
+                <a:hueOff val="0"/>
+                <a:satOff val="0"/>
+                <a:lumOff val="0"/>
+                <a:alphaOff val="0"/>
+              </a:schemeClr>
+            </a:effectRef>
+            <a:fontRef idx="minor">
+              <a:schemeClr val="lt1"/>
+            </a:fontRef>
+          </p:style>
+        </p:sp>
+        <p:sp>
+          <p:nvSpPr>
+            <p:cNvPr id="189" name="Rounded Rectangle 4"/>
+            <p:cNvSpPr/>
+            <p:nvPr/>
+          </p:nvSpPr>
+          <p:spPr>
+            <a:xfrm>
+              <a:off x="59399" y="60598"/>
+              <a:ext cx="7196402" cy="1098002"/>
+            </a:xfrm>
+            <a:prstGeom prst="rect">
+              <a:avLst/>
+            </a:prstGeom>
+            <a:grpFill/>
+          </p:spPr>
+          <p:style>
+            <a:lnRef idx="0">
+              <a:scrgbClr r="0" g="0" b="0"/>
+            </a:lnRef>
+            <a:fillRef idx="0">
+              <a:scrgbClr r="0" g="0" b="0"/>
+            </a:fillRef>
+            <a:effectRef idx="0">
+              <a:scrgbClr r="0" g="0" b="0"/>
+            </a:effectRef>
+            <a:fontRef idx="minor">
+              <a:schemeClr val="lt1"/>
+            </a:fontRef>
+          </p:style>
+          <p:txBody>
+            <a:bodyPr spcFirstLastPara="0" vert="horz" wrap="square" lIns="167640" tIns="167640" rIns="167640" bIns="167640" numCol="1" spcCol="1270" anchor="ctr" anchorCtr="0">
+              <a:noAutofit/>
+            </a:bodyPr>
+            <a:lstStyle/>
+            <a:p>
+              <a:pPr lvl="0" algn="ctr" defTabSz="1955800">
+                <a:lnSpc>
+                  <a:spcPct val="90000"/>
+                </a:lnSpc>
+                <a:spcBef>
+                  <a:spcPct val="0"/>
+                </a:spcBef>
+                <a:spcAft>
+                  <a:spcPct val="35000"/>
+                </a:spcAft>
+              </a:pPr>
+              <a:r>
+                <a:rPr lang="en-US" sz="4000" b="1" kern="1200" dirty="0" smtClean="0">
+                  <a:latin typeface="Ebrima" pitchFamily="2" charset="0"/>
+                  <a:ea typeface="Ebrima" pitchFamily="2" charset="0"/>
+                  <a:cs typeface="Ebrima" pitchFamily="2" charset="0"/>
+                </a:rPr>
+                <a:t>TIU Tracking System</a:t>
+              </a:r>
+              <a:endParaRPr lang="en-US" sz="4000" b="1" kern="1200" dirty="0">
+                <a:latin typeface="Ebrima" pitchFamily="2" charset="0"/>
+                <a:ea typeface="Ebrima" pitchFamily="2" charset="0"/>
+                <a:cs typeface="Ebrima" pitchFamily="2" charset="0"/>
+              </a:endParaRPr>
+            </a:p>
+          </p:txBody>
+        </p:sp>
+      </p:grpSp>
+      <p:pic>
+        <p:nvPicPr>
+          <p:cNvPr id="113" name="Picture 112" descr="1209193.png"/>
+          <p:cNvPicPr>
+            <a:picLocks noChangeAspect="1"/>
+          </p:cNvPicPr>
+          <p:nvPr/>
+        </p:nvPicPr>
+        <p:blipFill>
+          <a:blip r:embed="rId35" cstate="print">
+            <a:duotone>
+              <a:prstClr val="black"/>
+              <a:schemeClr val="accent1">
+                <a:tint val="45000"/>
+                <a:satMod val="400000"/>
+              </a:schemeClr>
+            </a:duotone>
+            <a:lum bright="40000" contrast="40000"/>
+          </a:blip>
+          <a:stretch>
+            <a:fillRect/>
+          </a:stretch>
+        </p:blipFill>
+        <p:spPr>
+          <a:xfrm>
+            <a:off x="23317200" y="15087600"/>
+            <a:ext cx="1121186" cy="1121187"/>
+          </a:xfrm>
+          <a:prstGeom prst="rect">
+            <a:avLst/>
+          </a:prstGeom>
+        </p:spPr>
+      </p:pic>
+      <p:sp>
+        <p:nvSpPr>
+          <p:cNvPr id="115" name="TextBox 114"/>
+          <p:cNvSpPr txBox="1"/>
+          <p:nvPr/>
+        </p:nvSpPr>
+        <p:spPr>
+          <a:xfrm>
+            <a:off x="21640800" y="15087600"/>
+            <a:ext cx="1752600" cy="584775"/>
+          </a:xfrm>
+          <a:prstGeom prst="rect">
+            <a:avLst/>
+          </a:prstGeom>
+          <a:noFill/>
+        </p:spPr>
+        <p:txBody>
+          <a:bodyPr wrap="square" rtlCol="0">
+            <a:spAutoFit/>
+          </a:bodyPr>
+          <a:lstStyle/>
+          <a:p>
+            <a:r>
+              <a:rPr lang="en-US" sz="3200" dirty="0" smtClean="0">
+                <a:solidFill>
+                  <a:schemeClr val="accent2"/>
+                </a:solidFill>
+                <a:latin typeface="Ebrima" pitchFamily="2" charset="0"/>
+                <a:ea typeface="Ebrima" pitchFamily="2" charset="0"/>
+                <a:cs typeface="Ebrima" pitchFamily="2" charset="0"/>
+              </a:rPr>
+              <a:t>Detector</a:t>
+            </a:r>
+            <a:endParaRPr lang="en-US" sz="3200" dirty="0">
+              <a:solidFill>
+                <a:schemeClr val="accent2"/>
+              </a:solidFill>
+              <a:latin typeface="Ebrima" pitchFamily="2" charset="0"/>
+              <a:ea typeface="Ebrima" pitchFamily="2" charset="0"/>
+              <a:cs typeface="Ebrima" pitchFamily="2" charset="0"/>
+            </a:endParaRPr>
+          </a:p>
+        </p:txBody>
+      </p:sp>
+      <p:sp>
+        <p:nvSpPr>
+          <p:cNvPr id="137" name="TextBox 136"/>
+          <p:cNvSpPr txBox="1"/>
+          <p:nvPr/>
+        </p:nvSpPr>
+        <p:spPr>
+          <a:xfrm>
+            <a:off x="20650200" y="13831669"/>
+            <a:ext cx="2743200" cy="646331"/>
+          </a:xfrm>
+          <a:prstGeom prst="rect">
+            <a:avLst/>
+          </a:prstGeom>
+          <a:noFill/>
+        </p:spPr>
+        <p:txBody>
+          <a:bodyPr wrap="square" rtlCol="0">
+            <a:spAutoFit/>
+          </a:bodyPr>
+          <a:lstStyle/>
+          <a:p>
+            <a:pPr algn="ctr"/>
+            <a:r>
+              <a:rPr lang="en-US" sz="3600" dirty="0" smtClean="0">
+                <a:solidFill>
+                  <a:schemeClr val="tx2">
+                    <a:lumMod val="60000"/>
+                    <a:lumOff val="40000"/>
+                  </a:schemeClr>
+                </a:solidFill>
+                <a:latin typeface="Ebrima" pitchFamily="2" charset="0"/>
+                <a:ea typeface="Ebrima" pitchFamily="2" charset="0"/>
+                <a:cs typeface="Ebrima" pitchFamily="2" charset="0"/>
+              </a:rPr>
+              <a:t>Front-end</a:t>
+            </a:r>
+            <a:endParaRPr lang="en-US" sz="3600" dirty="0">
+              <a:solidFill>
+                <a:schemeClr val="tx2">
+                  <a:lumMod val="60000"/>
+                  <a:lumOff val="40000"/>
+                </a:schemeClr>
+              </a:solidFill>
+              <a:latin typeface="Ebrima" pitchFamily="2" charset="0"/>
+              <a:ea typeface="Ebrima" pitchFamily="2" charset="0"/>
+              <a:cs typeface="Ebrima" pitchFamily="2" charset="0"/>
+            </a:endParaRPr>
+          </a:p>
+        </p:txBody>
+      </p:sp>
+      <p:pic>
+        <p:nvPicPr>
+          <p:cNvPr id="2050" name="Picture 2" descr="D:\Study\Capstone Proj\Docs\Photos\20482970.png"/>
+          <p:cNvPicPr>
+            <a:picLocks noChangeAspect="1" noChangeArrowheads="1"/>
+          </p:cNvPicPr>
+          <p:nvPr/>
+        </p:nvPicPr>
+        <p:blipFill>
+          <a:blip r:embed="rId37" cstate="print"/>
+          <a:srcRect/>
+          <a:stretch>
+            <a:fillRect/>
+          </a:stretch>
+        </p:blipFill>
+        <p:spPr bwMode="auto">
+          <a:xfrm>
+            <a:off x="13792200" y="16333789"/>
+            <a:ext cx="1981200" cy="1981200"/>
+          </a:xfrm>
+          <a:prstGeom prst="rect">
+            <a:avLst/>
+          </a:prstGeom>
+          <a:noFill/>
+        </p:spPr>
+      </p:pic>
+      <p:sp>
+        <p:nvSpPr>
+          <p:cNvPr id="129" name="TextBox 128"/>
+          <p:cNvSpPr txBox="1"/>
+          <p:nvPr/>
+        </p:nvSpPr>
+        <p:spPr>
+          <a:xfrm>
+            <a:off x="13639800" y="17933989"/>
+            <a:ext cx="2362200" cy="523220"/>
+          </a:xfrm>
+          <a:prstGeom prst="rect">
+            <a:avLst/>
+          </a:prstGeom>
+          <a:noFill/>
+        </p:spPr>
+        <p:txBody>
+          <a:bodyPr wrap="square" rtlCol="0">
+            <a:spAutoFit/>
+          </a:bodyPr>
+          <a:lstStyle/>
+          <a:p>
+            <a:pPr algn="ctr"/>
+            <a:r>
+              <a:rPr lang="en-US" sz="2800" dirty="0" smtClean="0">
+                <a:solidFill>
+                  <a:schemeClr val="tx2">
+                    <a:lumMod val="60000"/>
+                    <a:lumOff val="40000"/>
+                  </a:schemeClr>
+                </a:solidFill>
+                <a:latin typeface="Ebrima" pitchFamily="2" charset="0"/>
+                <a:ea typeface="Ebrima" pitchFamily="2" charset="0"/>
+                <a:cs typeface="Ebrima" pitchFamily="2" charset="0"/>
+              </a:rPr>
+              <a:t>Internet</a:t>
+            </a:r>
+            <a:endParaRPr lang="en-US" sz="2800" dirty="0">
+              <a:solidFill>
+                <a:schemeClr val="tx2">
+                  <a:lumMod val="60000"/>
+                  <a:lumOff val="40000"/>
+                </a:schemeClr>
+              </a:solidFill>
+              <a:latin typeface="Ebrima" pitchFamily="2" charset="0"/>
+              <a:ea typeface="Ebrima" pitchFamily="2" charset="0"/>
+              <a:cs typeface="Ebrima" pitchFamily="2" charset="0"/>
+            </a:endParaRPr>
+          </a:p>
+        </p:txBody>
+      </p:sp>
+      <p:pic>
+        <p:nvPicPr>
+          <p:cNvPr id="148" name="Picture 147" descr="200712811334187778024.png"/>
+          <p:cNvPicPr>
+            <a:picLocks noChangeAspect="1"/>
+          </p:cNvPicPr>
+          <p:nvPr/>
+        </p:nvPicPr>
+        <p:blipFill>
+          <a:blip r:embed="rId34" cstate="print">
+            <a:duotone>
+              <a:schemeClr val="accent6">
+                <a:shade val="45000"/>
+                <a:satMod val="135000"/>
+              </a:schemeClr>
+              <a:prstClr val="white"/>
+            </a:duotone>
+            <a:lum bright="-11000" contrast="33000"/>
+          </a:blip>
+          <a:stretch>
+            <a:fillRect/>
+          </a:stretch>
+        </p:blipFill>
+        <p:spPr>
+          <a:xfrm rot="10646144">
+            <a:off x="12955411" y="17782999"/>
+            <a:ext cx="1066800" cy="1066800"/>
+          </a:xfrm>
+          <a:prstGeom prst="rect">
+            <a:avLst/>
+          </a:prstGeom>
+          <a:noFill/>
+        </p:spPr>
+      </p:pic>
+      <p:grpSp>
+        <p:nvGrpSpPr>
+          <p:cNvPr id="204" name="Group 203"/>
+          <p:cNvGrpSpPr/>
+          <p:nvPr/>
+        </p:nvGrpSpPr>
+        <p:grpSpPr>
+          <a:xfrm>
+            <a:off x="15849600" y="18543589"/>
+            <a:ext cx="1811548" cy="2057400"/>
+            <a:chOff x="15773400" y="17754600"/>
+            <a:chExt cx="1811548" cy="2057400"/>
+          </a:xfrm>
+        </p:grpSpPr>
+        <p:pic>
+          <p:nvPicPr>
+            <p:cNvPr id="143" name="Picture 142" descr="wifi_router.png"/>
+            <p:cNvPicPr>
+              <a:picLocks noChangeAspect="1"/>
+            </p:cNvPicPr>
+            <p:nvPr/>
+          </p:nvPicPr>
+          <p:blipFill>
+            <a:blip r:embed="rId38" cstate="print">
               <a:duotone>
                 <a:prstClr val="black"/>
                 <a:schemeClr val="accent1">
@@ -13574,7 +14206,7 @@
                   <a:satMod val="400000"/>
                 </a:schemeClr>
               </a:duotone>
-              <a:lum bright="40000" contrast="40000"/>
+              <a:lum bright="10000" contrast="-10000"/>
             </a:blip>
             <a:stretch>
               <a:fillRect/>
@@ -13582,32 +14214,8 @@
           </p:blipFill>
           <p:spPr>
             <a:xfrm>
-              <a:off x="23450494" y="19895180"/>
-              <a:ext cx="1121186" cy="1121187"/>
-            </a:xfrm>
-            <a:prstGeom prst="rect">
-              <a:avLst/>
-            </a:prstGeom>
-          </p:spPr>
-        </p:pic>
-        <p:pic>
-          <p:nvPicPr>
-            <p:cNvPr id="175" name="Picture 174" descr="15342238.png"/>
-            <p:cNvPicPr>
-              <a:picLocks noChangeAspect="1"/>
-            </p:cNvPicPr>
-            <p:nvPr/>
-          </p:nvPicPr>
-          <p:blipFill>
-            <a:blip r:embed="rId36" cstate="print"/>
-            <a:stretch>
-              <a:fillRect/>
-            </a:stretch>
-          </p:blipFill>
-          <p:spPr>
-            <a:xfrm rot="14755922">
-              <a:off x="23447532" y="19812001"/>
-              <a:ext cx="1148352" cy="1148352"/>
+              <a:off x="15773400" y="17754600"/>
+              <a:ext cx="1811548" cy="1600200"/>
             </a:xfrm>
             <a:prstGeom prst="rect">
               <a:avLst/>
@@ -13616,14 +14224,89 @@
         </p:pic>
         <p:sp>
           <p:nvSpPr>
-            <p:cNvPr id="176" name="TextBox 175"/>
+            <p:cNvPr id="147" name="TextBox 146"/>
             <p:cNvSpPr txBox="1"/>
             <p:nvPr/>
           </p:nvSpPr>
           <p:spPr>
             <a:xfrm>
-              <a:off x="23241000" y="20802600"/>
-              <a:ext cx="1290398" cy="430211"/>
+              <a:off x="16078200" y="19227225"/>
+              <a:ext cx="1295400" cy="584775"/>
+            </a:xfrm>
+            <a:prstGeom prst="rect">
+              <a:avLst/>
+            </a:prstGeom>
+            <a:noFill/>
+          </p:spPr>
+          <p:txBody>
+            <a:bodyPr wrap="square" rtlCol="0">
+              <a:spAutoFit/>
+            </a:bodyPr>
+            <a:lstStyle/>
+            <a:p>
+              <a:r>
+                <a:rPr lang="en-US" sz="3200" dirty="0" smtClean="0">
+                  <a:solidFill>
+                    <a:schemeClr val="accent2"/>
+                  </a:solidFill>
+                  <a:latin typeface="Ebrima" pitchFamily="2" charset="0"/>
+                  <a:ea typeface="Ebrima" pitchFamily="2" charset="0"/>
+                  <a:cs typeface="Ebrima" pitchFamily="2" charset="0"/>
+                </a:rPr>
+                <a:t>Proxy</a:t>
+              </a:r>
+            </a:p>
+          </p:txBody>
+        </p:sp>
+      </p:grpSp>
+      <p:grpSp>
+        <p:nvGrpSpPr>
+          <p:cNvPr id="7" name="Group 125"/>
+          <p:cNvGrpSpPr/>
+          <p:nvPr/>
+        </p:nvGrpSpPr>
+        <p:grpSpPr>
+          <a:xfrm>
+            <a:off x="10363200" y="18086389"/>
+            <a:ext cx="2514600" cy="2927925"/>
+            <a:chOff x="10439400" y="16383000"/>
+            <a:chExt cx="2514600" cy="2927925"/>
+          </a:xfrm>
+        </p:grpSpPr>
+        <p:pic>
+          <p:nvPicPr>
+            <p:cNvPr id="180" name="Picture 179" descr="1914499.png"/>
+            <p:cNvPicPr>
+              <a:picLocks noChangeAspect="1"/>
+            </p:cNvPicPr>
+            <p:nvPr/>
+          </p:nvPicPr>
+          <p:blipFill>
+            <a:blip r:embed="rId39" cstate="print"/>
+            <a:stretch>
+              <a:fillRect/>
+            </a:stretch>
+          </p:blipFill>
+          <p:spPr>
+            <a:xfrm>
+              <a:off x="10439400" y="16383000"/>
+              <a:ext cx="2514600" cy="2514600"/>
+            </a:xfrm>
+            <a:prstGeom prst="rect">
+              <a:avLst/>
+            </a:prstGeom>
+          </p:spPr>
+        </p:pic>
+        <p:sp>
+          <p:nvSpPr>
+            <p:cNvPr id="181" name="TextBox 180"/>
+            <p:cNvSpPr txBox="1"/>
+            <p:nvPr/>
+          </p:nvSpPr>
+          <p:spPr>
+            <a:xfrm>
+              <a:off x="10591800" y="18726150"/>
+              <a:ext cx="1991251" cy="584775"/>
             </a:xfrm>
             <a:prstGeom prst="rect">
               <a:avLst/>
@@ -13645,7 +14328,7 @@
                   <a:ea typeface="Ebrima" pitchFamily="2" charset="0"/>
                   <a:cs typeface="Ebrima" pitchFamily="2" charset="0"/>
                 </a:rPr>
-                <a:t>Detector</a:t>
+                <a:t>Controller</a:t>
               </a:r>
               <a:endParaRPr lang="en-US" sz="3200" dirty="0">
                 <a:solidFill>
@@ -13658,203 +14341,135 @@
             </a:p>
           </p:txBody>
         </p:sp>
-        <p:sp>
-          <p:nvSpPr>
-            <p:cNvPr id="186" name="Rounded Rectangle 185"/>
-            <p:cNvSpPr/>
-            <p:nvPr/>
-          </p:nvSpPr>
-          <p:spPr>
-            <a:xfrm>
-              <a:off x="10134600" y="12877800"/>
-              <a:ext cx="15354300" cy="9144000"/>
-            </a:xfrm>
-            <a:prstGeom prst="roundRect">
-              <a:avLst/>
-            </a:prstGeom>
-            <a:noFill/>
-            <a:ln w="76200">
-              <a:solidFill>
-                <a:schemeClr val="tx2">
-                  <a:lumMod val="60000"/>
-                  <a:lumOff val="40000"/>
-                </a:schemeClr>
-              </a:solidFill>
-            </a:ln>
-            <a:effectLst/>
-          </p:spPr>
-          <p:style>
-            <a:lnRef idx="2">
-              <a:schemeClr val="accent1">
-                <a:shade val="50000"/>
-              </a:schemeClr>
-            </a:lnRef>
-            <a:fillRef idx="1">
-              <a:schemeClr val="accent1"/>
-            </a:fillRef>
-            <a:effectRef idx="0">
-              <a:schemeClr val="accent1"/>
-            </a:effectRef>
-            <a:fontRef idx="minor">
-              <a:schemeClr val="lt1"/>
-            </a:fontRef>
-          </p:style>
-          <p:txBody>
-            <a:bodyPr rtlCol="0" anchor="ctr"/>
-            <a:lstStyle/>
-            <a:p>
-              <a:pPr algn="ctr"/>
-              <a:endParaRPr lang="en-US"/>
-            </a:p>
-          </p:txBody>
-        </p:sp>
+      </p:grpSp>
+      <p:grpSp>
+        <p:nvGrpSpPr>
+          <p:cNvPr id="187" name="Group 186"/>
+          <p:cNvGrpSpPr/>
+          <p:nvPr/>
+        </p:nvGrpSpPr>
+        <p:grpSpPr>
+          <a:xfrm>
+            <a:off x="15658145" y="14809789"/>
+            <a:ext cx="3910402" cy="2323144"/>
+            <a:chOff x="15658145" y="14020800"/>
+            <a:chExt cx="3910402" cy="2323144"/>
+          </a:xfrm>
+        </p:grpSpPr>
         <p:grpSp>
           <p:nvGrpSpPr>
-            <p:cNvPr id="13" name="Group 39"/>
+            <p:cNvPr id="11" name="Group 132"/>
             <p:cNvGrpSpPr/>
             <p:nvPr/>
           </p:nvGrpSpPr>
           <p:grpSpPr>
             <a:xfrm>
-              <a:off x="11658600" y="12877800"/>
-              <a:ext cx="12344400" cy="762000"/>
-              <a:chOff x="0" y="1199"/>
-              <a:chExt cx="7315200" cy="1216800"/>
+              <a:off x="16154400" y="14020800"/>
+              <a:ext cx="3414147" cy="2209800"/>
+              <a:chOff x="18683853" y="13639800"/>
+              <a:chExt cx="3414147" cy="2209800"/>
             </a:xfrm>
-            <a:gradFill>
-              <a:gsLst>
-                <a:gs pos="0">
-                  <a:schemeClr val="tx2">
-                    <a:lumMod val="40000"/>
-                    <a:lumOff val="60000"/>
-                  </a:schemeClr>
-                </a:gs>
-                <a:gs pos="80000">
-                  <a:schemeClr val="accent1">
-                    <a:hueOff val="0"/>
-                    <a:satOff val="0"/>
-                    <a:lumOff val="0"/>
-                    <a:alphaOff val="0"/>
-                    <a:shade val="93000"/>
-                    <a:satMod val="130000"/>
-                  </a:schemeClr>
-                </a:gs>
-                <a:gs pos="100000">
-                  <a:schemeClr val="accent1">
-                    <a:hueOff val="0"/>
-                    <a:satOff val="0"/>
-                    <a:lumOff val="0"/>
-                    <a:alphaOff val="0"/>
-                    <a:shade val="94000"/>
-                    <a:satMod val="135000"/>
-                  </a:schemeClr>
-                </a:gs>
-              </a:gsLst>
-              <a:lin ang="16200000" scaled="0"/>
-            </a:gradFill>
           </p:grpSpPr>
+          <p:grpSp>
+            <p:nvGrpSpPr>
+              <p:cNvPr id="12" name="Group 103"/>
+              <p:cNvGrpSpPr/>
+              <p:nvPr/>
+            </p:nvGrpSpPr>
+            <p:grpSpPr>
+              <a:xfrm>
+                <a:off x="19507200" y="13639800"/>
+                <a:ext cx="2590800" cy="2209800"/>
+                <a:chOff x="21336000" y="13868400"/>
+                <a:chExt cx="2590800" cy="2209800"/>
+              </a:xfrm>
+            </p:grpSpPr>
+            <p:pic>
+              <p:nvPicPr>
+                <p:cNvPr id="157" name="Picture 156" descr="1914496.png"/>
+                <p:cNvPicPr>
+                  <a:picLocks noChangeAspect="1"/>
+                </p:cNvPicPr>
+                <p:nvPr/>
+              </p:nvPicPr>
+              <p:blipFill>
+                <a:blip r:embed="rId40" cstate="print"/>
+                <a:stretch>
+                  <a:fillRect/>
+                </a:stretch>
+              </p:blipFill>
+              <p:spPr>
+                <a:xfrm>
+                  <a:off x="21717000" y="13868400"/>
+                  <a:ext cx="2209800" cy="2209800"/>
+                </a:xfrm>
+                <a:prstGeom prst="rect">
+                  <a:avLst/>
+                </a:prstGeom>
+              </p:spPr>
+            </p:pic>
+            <p:pic>
+              <p:nvPicPr>
+                <p:cNvPr id="158" name="Picture 157" descr="20071261846318777805.png"/>
+                <p:cNvPicPr>
+                  <a:picLocks noChangeAspect="1"/>
+                </p:cNvPicPr>
+                <p:nvPr/>
+              </p:nvPicPr>
+              <p:blipFill>
+                <a:blip r:embed="rId41" cstate="print"/>
+                <a:stretch>
+                  <a:fillRect/>
+                </a:stretch>
+              </p:blipFill>
+              <p:spPr>
+                <a:xfrm>
+                  <a:off x="21336000" y="14325600"/>
+                  <a:ext cx="1295400" cy="1295400"/>
+                </a:xfrm>
+                <a:prstGeom prst="rect">
+                  <a:avLst/>
+                </a:prstGeom>
+              </p:spPr>
+            </p:pic>
+          </p:grpSp>
           <p:sp>
             <p:nvSpPr>
-              <p:cNvPr id="188" name="Rounded Rectangle 187"/>
-              <p:cNvSpPr/>
+              <p:cNvPr id="156" name="TextBox 155"/>
+              <p:cNvSpPr txBox="1"/>
               <p:nvPr/>
             </p:nvSpPr>
             <p:spPr>
               <a:xfrm>
-                <a:off x="0" y="1199"/>
-                <a:ext cx="7315200" cy="1216800"/>
-              </a:xfrm>
-              <a:prstGeom prst="roundRect">
-                <a:avLst/>
-              </a:prstGeom>
-              <a:grpFill/>
-            </p:spPr>
-            <p:style>
-              <a:lnRef idx="0">
-                <a:schemeClr val="lt1">
-                  <a:hueOff val="0"/>
-                  <a:satOff val="0"/>
-                  <a:lumOff val="0"/>
-                  <a:alphaOff val="0"/>
-                </a:schemeClr>
-              </a:lnRef>
-              <a:fillRef idx="3">
-                <a:schemeClr val="accent1">
-                  <a:hueOff val="0"/>
-                  <a:satOff val="0"/>
-                  <a:lumOff val="0"/>
-                  <a:alphaOff val="0"/>
-                </a:schemeClr>
-              </a:fillRef>
-              <a:effectRef idx="3">
-                <a:schemeClr val="accent1">
-                  <a:hueOff val="0"/>
-                  <a:satOff val="0"/>
-                  <a:lumOff val="0"/>
-                  <a:alphaOff val="0"/>
-                </a:schemeClr>
-              </a:effectRef>
-              <a:fontRef idx="minor">
-                <a:schemeClr val="lt1"/>
-              </a:fontRef>
-            </p:style>
-          </p:sp>
-          <p:sp>
-            <p:nvSpPr>
-              <p:cNvPr id="189" name="Rounded Rectangle 4"/>
-              <p:cNvSpPr/>
-              <p:nvPr/>
-            </p:nvSpPr>
-            <p:spPr>
-              <a:xfrm>
-                <a:off x="59399" y="60598"/>
-                <a:ext cx="7196402" cy="1098002"/>
+                <a:off x="18683853" y="14020800"/>
+                <a:ext cx="1173719" cy="584775"/>
               </a:xfrm>
               <a:prstGeom prst="rect">
                 <a:avLst/>
               </a:prstGeom>
-              <a:grpFill/>
+              <a:noFill/>
             </p:spPr>
-            <p:style>
-              <a:lnRef idx="0">
-                <a:scrgbClr r="0" g="0" b="0"/>
-              </a:lnRef>
-              <a:fillRef idx="0">
-                <a:scrgbClr r="0" g="0" b="0"/>
-              </a:fillRef>
-              <a:effectRef idx="0">
-                <a:scrgbClr r="0" g="0" b="0"/>
-              </a:effectRef>
-              <a:fontRef idx="minor">
-                <a:schemeClr val="lt1"/>
-              </a:fontRef>
-            </p:style>
             <p:txBody>
-              <a:bodyPr spcFirstLastPara="0" vert="horz" wrap="square" lIns="167640" tIns="167640" rIns="167640" bIns="167640" numCol="1" spcCol="1270" anchor="ctr" anchorCtr="0">
-                <a:noAutofit/>
+              <a:bodyPr wrap="none" rtlCol="0">
+                <a:spAutoFit/>
               </a:bodyPr>
               <a:lstStyle/>
               <a:p>
-                <a:pPr lvl="0" algn="ctr" defTabSz="1955800">
-                  <a:lnSpc>
-                    <a:spcPct val="90000"/>
-                  </a:lnSpc>
-                  <a:spcBef>
-                    <a:spcPct val="0"/>
-                  </a:spcBef>
-                  <a:spcAft>
-                    <a:spcPct val="35000"/>
-                  </a:spcAft>
-                </a:pPr>
                 <a:r>
-                  <a:rPr lang="en-US" sz="4000" b="1" kern="1200" dirty="0" smtClean="0">
+                  <a:rPr lang="en-US" sz="3200" dirty="0" smtClean="0">
+                    <a:solidFill>
+                      <a:schemeClr val="accent2"/>
+                    </a:solidFill>
                     <a:latin typeface="Ebrima" pitchFamily="2" charset="0"/>
                     <a:ea typeface="Ebrima" pitchFamily="2" charset="0"/>
                     <a:cs typeface="Ebrima" pitchFamily="2" charset="0"/>
                   </a:rPr>
-                  <a:t>TIU Tracking System</a:t>
+                  <a:t>Users</a:t>
                 </a:r>
-                <a:endParaRPr lang="en-US" sz="4000" b="1" kern="1200" dirty="0">
+                <a:endParaRPr lang="en-US" sz="3200" dirty="0">
+                  <a:solidFill>
+                    <a:schemeClr val="accent2"/>
+                  </a:solidFill>
                   <a:latin typeface="Ebrima" pitchFamily="2" charset="0"/>
                   <a:ea typeface="Ebrima" pitchFamily="2" charset="0"/>
                   <a:cs typeface="Ebrima" pitchFamily="2" charset="0"/>
@@ -13865,285 +14480,31 @@
         </p:grpSp>
         <p:pic>
           <p:nvPicPr>
-            <p:cNvPr id="109" name="Picture 108" descr="1209193.png"/>
+            <p:cNvPr id="146" name="Picture 145" descr="200712811334187778024.png"/>
             <p:cNvPicPr>
               <a:picLocks noChangeAspect="1"/>
             </p:cNvPicPr>
             <p:nvPr/>
           </p:nvPicPr>
           <p:blipFill>
-            <a:blip r:embed="rId35" cstate="print">
+            <a:blip r:embed="rId34" cstate="print">
               <a:duotone>
-                <a:prstClr val="black"/>
-                <a:schemeClr val="accent1">
-                  <a:tint val="45000"/>
-                  <a:satMod val="400000"/>
+                <a:schemeClr val="accent6">
+                  <a:shade val="45000"/>
+                  <a:satMod val="135000"/>
                 </a:schemeClr>
+                <a:prstClr val="white"/>
               </a:duotone>
-              <a:lum bright="40000" contrast="40000"/>
+              <a:lum bright="-11000" contrast="33000"/>
             </a:blip>
             <a:stretch>
               <a:fillRect/>
             </a:stretch>
           </p:blipFill>
           <p:spPr>
-            <a:xfrm>
-              <a:off x="20824414" y="20367213"/>
-              <a:ext cx="1121186" cy="1121187"/>
-            </a:xfrm>
-            <a:prstGeom prst="rect">
-              <a:avLst/>
-            </a:prstGeom>
-          </p:spPr>
-        </p:pic>
-        <p:pic>
-          <p:nvPicPr>
-            <p:cNvPr id="110" name="Picture 109" descr="15342238.png"/>
-            <p:cNvPicPr>
-              <a:picLocks noChangeAspect="1"/>
-            </p:cNvPicPr>
-            <p:nvPr/>
-          </p:nvPicPr>
-          <p:blipFill>
-            <a:blip r:embed="rId36" cstate="print"/>
-            <a:stretch>
-              <a:fillRect/>
-            </a:stretch>
-          </p:blipFill>
-          <p:spPr>
-            <a:xfrm rot="15322988">
-              <a:off x="20844505" y="20298143"/>
-              <a:ext cx="1148352" cy="1148352"/>
-            </a:xfrm>
-            <a:prstGeom prst="rect">
-              <a:avLst/>
-            </a:prstGeom>
-          </p:spPr>
-        </p:pic>
-        <p:sp>
-          <p:nvSpPr>
-            <p:cNvPr id="111" name="TextBox 110"/>
-            <p:cNvSpPr txBox="1"/>
-            <p:nvPr/>
-          </p:nvSpPr>
-          <p:spPr>
-            <a:xfrm>
-              <a:off x="20579002" y="21286789"/>
-              <a:ext cx="1290398" cy="430211"/>
-            </a:xfrm>
-            <a:prstGeom prst="rect">
-              <a:avLst/>
-            </a:prstGeom>
-            <a:noFill/>
-          </p:spPr>
-          <p:txBody>
-            <a:bodyPr wrap="none" rtlCol="0">
-              <a:spAutoFit/>
-            </a:bodyPr>
-            <a:lstStyle/>
-            <a:p>
-              <a:r>
-                <a:rPr lang="en-US" sz="3200" dirty="0" smtClean="0">
-                  <a:solidFill>
-                    <a:schemeClr val="accent2"/>
-                  </a:solidFill>
-                  <a:latin typeface="Ebrima" pitchFamily="2" charset="0"/>
-                  <a:ea typeface="Ebrima" pitchFamily="2" charset="0"/>
-                  <a:cs typeface="Ebrima" pitchFamily="2" charset="0"/>
-                </a:rPr>
-                <a:t>Detector</a:t>
-              </a:r>
-              <a:endParaRPr lang="en-US" sz="3200" dirty="0">
-                <a:solidFill>
-                  <a:schemeClr val="accent2"/>
-                </a:solidFill>
-                <a:latin typeface="Ebrima" pitchFamily="2" charset="0"/>
-                <a:ea typeface="Ebrima" pitchFamily="2" charset="0"/>
-                <a:cs typeface="Ebrima" pitchFamily="2" charset="0"/>
-              </a:endParaRPr>
-            </a:p>
-          </p:txBody>
-        </p:sp>
-        <p:pic>
-          <p:nvPicPr>
-            <p:cNvPr id="113" name="Picture 112" descr="1209193.png"/>
-            <p:cNvPicPr>
-              <a:picLocks noChangeAspect="1"/>
-            </p:cNvPicPr>
-            <p:nvPr/>
-          </p:nvPicPr>
-          <p:blipFill>
-            <a:blip r:embed="rId35" cstate="print">
-              <a:duotone>
-                <a:prstClr val="black"/>
-                <a:schemeClr val="accent1">
-                  <a:tint val="45000"/>
-                  <a:satMod val="400000"/>
-                </a:schemeClr>
-              </a:duotone>
-              <a:lum bright="40000" contrast="40000"/>
-            </a:blip>
-            <a:stretch>
-              <a:fillRect/>
-            </a:stretch>
-          </p:blipFill>
-          <p:spPr>
-            <a:xfrm>
-              <a:off x="23907694" y="14401800"/>
-              <a:ext cx="1121186" cy="1121187"/>
-            </a:xfrm>
-            <a:prstGeom prst="rect">
-              <a:avLst/>
-            </a:prstGeom>
-          </p:spPr>
-        </p:pic>
-        <p:sp>
-          <p:nvSpPr>
-            <p:cNvPr id="115" name="TextBox 114"/>
-            <p:cNvSpPr txBox="1"/>
-            <p:nvPr/>
-          </p:nvSpPr>
-          <p:spPr>
-            <a:xfrm>
-              <a:off x="23622000" y="15316200"/>
-              <a:ext cx="1290398" cy="430211"/>
-            </a:xfrm>
-            <a:prstGeom prst="rect">
-              <a:avLst/>
-            </a:prstGeom>
-            <a:noFill/>
-          </p:spPr>
-          <p:txBody>
-            <a:bodyPr wrap="none" rtlCol="0">
-              <a:spAutoFit/>
-            </a:bodyPr>
-            <a:lstStyle/>
-            <a:p>
-              <a:r>
-                <a:rPr lang="en-US" sz="3200" dirty="0" smtClean="0">
-                  <a:solidFill>
-                    <a:schemeClr val="accent2"/>
-                  </a:solidFill>
-                  <a:latin typeface="Ebrima" pitchFamily="2" charset="0"/>
-                  <a:ea typeface="Ebrima" pitchFamily="2" charset="0"/>
-                  <a:cs typeface="Ebrima" pitchFamily="2" charset="0"/>
-                </a:rPr>
-                <a:t>Detector</a:t>
-              </a:r>
-              <a:endParaRPr lang="en-US" sz="3200" dirty="0">
-                <a:solidFill>
-                  <a:schemeClr val="accent2"/>
-                </a:solidFill>
-                <a:latin typeface="Ebrima" pitchFamily="2" charset="0"/>
-                <a:ea typeface="Ebrima" pitchFamily="2" charset="0"/>
-                <a:cs typeface="Ebrima" pitchFamily="2" charset="0"/>
-              </a:endParaRPr>
-            </a:p>
-          </p:txBody>
-        </p:sp>
-        <p:pic>
-          <p:nvPicPr>
-            <p:cNvPr id="117" name="Picture 116" descr="1209193.png"/>
-            <p:cNvPicPr>
-              <a:picLocks noChangeAspect="1"/>
-            </p:cNvPicPr>
-            <p:nvPr/>
-          </p:nvPicPr>
-          <p:blipFill>
-            <a:blip r:embed="rId35" cstate="print">
-              <a:duotone>
-                <a:prstClr val="black"/>
-                <a:schemeClr val="accent1">
-                  <a:tint val="45000"/>
-                  <a:satMod val="400000"/>
-                </a:schemeClr>
-              </a:duotone>
-              <a:lum bright="40000" contrast="40000"/>
-            </a:blip>
-            <a:stretch>
-              <a:fillRect/>
-            </a:stretch>
-          </p:blipFill>
-          <p:spPr>
-            <a:xfrm>
-              <a:off x="20729005" y="14413060"/>
-              <a:ext cx="1121186" cy="1121187"/>
-            </a:xfrm>
-            <a:prstGeom prst="rect">
-              <a:avLst/>
-            </a:prstGeom>
-          </p:spPr>
-        </p:pic>
-        <p:sp>
-          <p:nvSpPr>
-            <p:cNvPr id="137" name="TextBox 136"/>
-            <p:cNvSpPr txBox="1"/>
-            <p:nvPr/>
-          </p:nvSpPr>
-          <p:spPr>
-            <a:xfrm>
-              <a:off x="21412200" y="13639800"/>
-              <a:ext cx="2743200" cy="584775"/>
-            </a:xfrm>
-            <a:prstGeom prst="rect">
-              <a:avLst/>
-            </a:prstGeom>
-            <a:noFill/>
-          </p:spPr>
-          <p:txBody>
-            <a:bodyPr wrap="square" rtlCol="0">
-              <a:spAutoFit/>
-            </a:bodyPr>
-            <a:lstStyle/>
-            <a:p>
-              <a:pPr algn="ctr"/>
-              <a:r>
-                <a:rPr lang="en-US" sz="3200" dirty="0" smtClean="0">
-                  <a:solidFill>
-                    <a:schemeClr val="tx2">
-                      <a:lumMod val="60000"/>
-                      <a:lumOff val="40000"/>
-                    </a:schemeClr>
-                  </a:solidFill>
-                  <a:latin typeface="Ebrima" pitchFamily="2" charset="0"/>
-                  <a:ea typeface="Ebrima" pitchFamily="2" charset="0"/>
-                  <a:cs typeface="Ebrima" pitchFamily="2" charset="0"/>
-                </a:rPr>
-                <a:t>Tracking area</a:t>
-              </a:r>
-              <a:endParaRPr lang="en-US" sz="3200" dirty="0">
-                <a:solidFill>
-                  <a:schemeClr val="tx2">
-                    <a:lumMod val="60000"/>
-                    <a:lumOff val="40000"/>
-                  </a:schemeClr>
-                </a:solidFill>
-                <a:latin typeface="Ebrima" pitchFamily="2" charset="0"/>
-                <a:ea typeface="Ebrima" pitchFamily="2" charset="0"/>
-                <a:cs typeface="Ebrima" pitchFamily="2" charset="0"/>
-              </a:endParaRPr>
-            </a:p>
-          </p:txBody>
-        </p:sp>
-        <p:pic>
-          <p:nvPicPr>
-            <p:cNvPr id="2050" name="Picture 2" descr="D:\Study\Capstone Proj\Docs\Photos\20482970.png"/>
-            <p:cNvPicPr>
-              <a:picLocks noChangeAspect="1" noChangeArrowheads="1"/>
-            </p:cNvPicPr>
-            <p:nvPr/>
-          </p:nvPicPr>
-          <p:blipFill>
-            <a:blip r:embed="rId37" cstate="print"/>
-            <a:srcRect/>
-            <a:stretch>
-              <a:fillRect/>
-            </a:stretch>
-          </p:blipFill>
-          <p:spPr bwMode="auto">
-            <a:xfrm>
-              <a:off x="13792200" y="15544800"/>
-              <a:ext cx="1981200" cy="1981200"/>
+            <a:xfrm rot="11048592">
+              <a:off x="15658145" y="15277144"/>
+              <a:ext cx="1066800" cy="1066800"/>
             </a:xfrm>
             <a:prstGeom prst="rect">
               <a:avLst/>
@@ -14151,74 +14512,95 @@
             <a:noFill/>
           </p:spPr>
         </p:pic>
-        <p:sp>
-          <p:nvSpPr>
-            <p:cNvPr id="129" name="TextBox 128"/>
-            <p:cNvSpPr txBox="1"/>
-            <p:nvPr/>
-          </p:nvSpPr>
-          <p:spPr>
-            <a:xfrm>
-              <a:off x="13639800" y="17145000"/>
-              <a:ext cx="2362200" cy="523220"/>
-            </a:xfrm>
-            <a:prstGeom prst="rect">
-              <a:avLst/>
-            </a:prstGeom>
-            <a:noFill/>
-          </p:spPr>
-          <p:txBody>
-            <a:bodyPr wrap="square" rtlCol="0">
-              <a:spAutoFit/>
-            </a:bodyPr>
-            <a:lstStyle/>
-            <a:p>
-              <a:pPr algn="ctr"/>
-              <a:r>
-                <a:rPr lang="en-US" sz="2800" dirty="0" smtClean="0">
-                  <a:solidFill>
-                    <a:schemeClr val="tx2">
-                      <a:lumMod val="60000"/>
-                      <a:lumOff val="40000"/>
-                    </a:schemeClr>
-                  </a:solidFill>
-                  <a:latin typeface="Ebrima" pitchFamily="2" charset="0"/>
-                  <a:ea typeface="Ebrima" pitchFamily="2" charset="0"/>
-                  <a:cs typeface="Ebrima" pitchFamily="2" charset="0"/>
-                </a:rPr>
-                <a:t>Internet</a:t>
-              </a:r>
-              <a:endParaRPr lang="en-US" sz="2800" dirty="0">
-                <a:solidFill>
-                  <a:schemeClr val="tx2">
-                    <a:lumMod val="60000"/>
-                    <a:lumOff val="40000"/>
-                  </a:schemeClr>
-                </a:solidFill>
-                <a:latin typeface="Ebrima" pitchFamily="2" charset="0"/>
-                <a:ea typeface="Ebrima" pitchFamily="2" charset="0"/>
-                <a:cs typeface="Ebrima" pitchFamily="2" charset="0"/>
-              </a:endParaRPr>
-            </a:p>
-          </p:txBody>
-        </p:sp>
+      </p:grpSp>
+      <p:pic>
+        <p:nvPicPr>
+          <p:cNvPr id="154" name="Picture 153" descr="15342238.png"/>
+          <p:cNvPicPr>
+            <a:picLocks noChangeAspect="1"/>
+          </p:cNvPicPr>
+          <p:nvPr/>
+        </p:nvPicPr>
+        <p:blipFill>
+          <a:blip r:embed="rId36" cstate="print"/>
+          <a:stretch>
+            <a:fillRect/>
+          </a:stretch>
+        </p:blipFill>
+        <p:spPr>
+          <a:xfrm rot="11014167">
+            <a:off x="23275633" y="15046033"/>
+            <a:ext cx="1148352" cy="1148352"/>
+          </a:xfrm>
+          <a:prstGeom prst="rect">
+            <a:avLst/>
+          </a:prstGeom>
+        </p:spPr>
+      </p:pic>
+      <p:grpSp>
+        <p:nvGrpSpPr>
+          <p:cNvPr id="205" name="Group 204"/>
+          <p:cNvGrpSpPr/>
+          <p:nvPr/>
+        </p:nvGrpSpPr>
+        <p:grpSpPr>
+          <a:xfrm>
+            <a:off x="17611245" y="18238787"/>
+            <a:ext cx="2652953" cy="1739531"/>
+            <a:chOff x="17611245" y="17449798"/>
+            <a:chExt cx="2652953" cy="1739531"/>
+          </a:xfrm>
+        </p:grpSpPr>
         <p:grpSp>
           <p:nvGrpSpPr>
-            <p:cNvPr id="206" name="Group 205"/>
+            <p:cNvPr id="23" name="Group 128"/>
             <p:cNvGrpSpPr/>
             <p:nvPr/>
           </p:nvGrpSpPr>
           <p:grpSpPr>
             <a:xfrm>
-              <a:off x="20040600" y="14325243"/>
-              <a:ext cx="2743200" cy="2819757"/>
-              <a:chOff x="20040600" y="14325243"/>
-              <a:chExt cx="2743200" cy="2819757"/>
+              <a:off x="18973800" y="17449798"/>
+              <a:ext cx="1290398" cy="1484663"/>
+              <a:chOff x="19581994" y="20003736"/>
+              <a:chExt cx="1754006" cy="2018064"/>
             </a:xfrm>
           </p:grpSpPr>
           <p:pic>
             <p:nvPicPr>
-              <p:cNvPr id="118" name="Picture 117" descr="15342238.png"/>
+              <p:cNvPr id="192" name="Picture 191" descr="1209193.png"/>
+              <p:cNvPicPr>
+                <a:picLocks noChangeAspect="1"/>
+              </p:cNvPicPr>
+              <p:nvPr/>
+            </p:nvPicPr>
+            <p:blipFill>
+              <a:blip r:embed="rId35" cstate="print">
+                <a:duotone>
+                  <a:prstClr val="black"/>
+                  <a:schemeClr val="accent1">
+                    <a:tint val="45000"/>
+                    <a:satMod val="400000"/>
+                  </a:schemeClr>
+                </a:duotone>
+                <a:lum bright="40000" contrast="40000"/>
+              </a:blip>
+              <a:stretch>
+                <a:fillRect/>
+              </a:stretch>
+            </p:blipFill>
+            <p:spPr>
+              <a:xfrm>
+                <a:off x="19659600" y="20116800"/>
+                <a:ext cx="1524000" cy="1524000"/>
+              </a:xfrm>
+              <a:prstGeom prst="rect">
+                <a:avLst/>
+              </a:prstGeom>
+            </p:spPr>
+          </p:pic>
+          <p:pic>
+            <p:nvPicPr>
+              <p:cNvPr id="193" name="Picture 192" descr="15342238.png"/>
               <p:cNvPicPr>
                 <a:picLocks noChangeAspect="1"/>
               </p:cNvPicPr>
@@ -14231,9 +14613,9 @@
               </a:stretch>
             </p:blipFill>
             <p:spPr>
-              <a:xfrm rot="10309280">
-                <a:off x="20726043" y="14325243"/>
-                <a:ext cx="1148352" cy="1148352"/>
+              <a:xfrm rot="12482044">
+                <a:off x="19655574" y="20003736"/>
+                <a:ext cx="1560926" cy="1560925"/>
               </a:xfrm>
               <a:prstGeom prst="rect">
                 <a:avLst/>
@@ -14242,14 +14624,14 @@
           </p:pic>
           <p:sp>
             <p:nvSpPr>
-              <p:cNvPr id="119" name="TextBox 118"/>
+              <p:cNvPr id="194" name="TextBox 193"/>
               <p:cNvSpPr txBox="1"/>
               <p:nvPr/>
             </p:nvSpPr>
             <p:spPr>
               <a:xfrm>
-                <a:off x="20502802" y="15316200"/>
-                <a:ext cx="1290398" cy="430211"/>
+                <a:off x="19581994" y="21437025"/>
+                <a:ext cx="1754006" cy="584775"/>
               </a:xfrm>
               <a:prstGeom prst="rect">
                 <a:avLst/>
@@ -14284,85 +14666,321 @@
               </a:p>
             </p:txBody>
           </p:sp>
+        </p:grpSp>
+        <p:pic>
+          <p:nvPicPr>
+            <p:cNvPr id="200" name="Picture 2" descr="C:\Users\WOODY\Desktop\Image\123GoTV-transmitter-icon.jpg"/>
+            <p:cNvPicPr>
+              <a:picLocks noChangeAspect="1" noChangeArrowheads="1"/>
+            </p:cNvPicPr>
+            <p:nvPr/>
+          </p:nvPicPr>
+          <p:blipFill>
+            <a:blip r:embed="rId42" cstate="print"/>
+            <a:srcRect/>
+            <a:stretch>
+              <a:fillRect/>
+            </a:stretch>
+          </p:blipFill>
+          <p:spPr bwMode="auto">
+            <a:xfrm rot="10183872">
+              <a:off x="17611245" y="18103208"/>
+              <a:ext cx="1443976" cy="1086121"/>
+            </a:xfrm>
+            <a:prstGeom prst="rect">
+              <a:avLst/>
+            </a:prstGeom>
+            <a:noFill/>
+          </p:spPr>
+        </p:pic>
+      </p:grpSp>
+      <p:grpSp>
+        <p:nvGrpSpPr>
+          <p:cNvPr id="9" name="Group 130"/>
+          <p:cNvGrpSpPr/>
+          <p:nvPr/>
+        </p:nvGrpSpPr>
+        <p:grpSpPr>
+          <a:xfrm>
+            <a:off x="22174200" y="17526000"/>
+            <a:ext cx="2185988" cy="2057399"/>
+            <a:chOff x="22860005" y="16611601"/>
+            <a:chExt cx="2590800" cy="2438399"/>
+          </a:xfrm>
+        </p:grpSpPr>
+        <p:grpSp>
+          <p:nvGrpSpPr>
+            <p:cNvPr id="10" name="Group 113"/>
+            <p:cNvGrpSpPr/>
+            <p:nvPr/>
+          </p:nvGrpSpPr>
+          <p:grpSpPr>
+            <a:xfrm>
+              <a:off x="22860005" y="16611601"/>
+              <a:ext cx="2590800" cy="2438399"/>
+              <a:chOff x="22860005" y="16611601"/>
+              <a:chExt cx="2590800" cy="2438399"/>
+            </a:xfrm>
+          </p:grpSpPr>
           <p:pic>
             <p:nvPicPr>
-              <p:cNvPr id="134" name="Picture 133" descr="12091911.png"/>
+              <p:cNvPr id="169" name="Picture 168" descr="15342246.png"/>
               <p:cNvPicPr>
                 <a:picLocks noChangeAspect="1"/>
               </p:cNvPicPr>
               <p:nvPr/>
             </p:nvPicPr>
             <p:blipFill>
-              <a:blip r:embed="rId38"/>
+              <a:blip r:embed="rId43" cstate="print"/>
               <a:stretch>
                 <a:fillRect/>
               </a:stretch>
             </p:blipFill>
             <p:spPr>
               <a:xfrm>
-                <a:off x="20040600" y="15773400"/>
-                <a:ext cx="2743200" cy="1371600"/>
+                <a:off x="23622005" y="17221200"/>
+                <a:ext cx="1828800" cy="1828800"/>
               </a:xfrm>
               <a:prstGeom prst="rect">
                 <a:avLst/>
               </a:prstGeom>
             </p:spPr>
           </p:pic>
-          <p:sp>
-            <p:nvSpPr>
-              <p:cNvPr id="195" name="TextBox 194"/>
-              <p:cNvSpPr txBox="1"/>
+          <p:pic>
+            <p:nvPicPr>
+              <p:cNvPr id="170" name="Picture 169" descr="15342234.png"/>
+              <p:cNvPicPr>
+                <a:picLocks noChangeAspect="1"/>
+              </p:cNvPicPr>
               <p:nvPr/>
-            </p:nvSpPr>
+            </p:nvPicPr>
+            <p:blipFill>
+              <a:blip r:embed="rId44" cstate="print"/>
+              <a:stretch>
+                <a:fillRect/>
+              </a:stretch>
+            </p:blipFill>
             <p:spPr>
               <a:xfrm>
-                <a:off x="20269200" y="16056114"/>
-                <a:ext cx="2286000" cy="707886"/>
+                <a:off x="22860005" y="16611601"/>
+                <a:ext cx="1828800" cy="1828800"/>
               </a:xfrm>
               <a:prstGeom prst="rect">
                 <a:avLst/>
               </a:prstGeom>
-              <a:noFill/>
             </p:spPr>
-            <p:txBody>
-              <a:bodyPr wrap="square" rtlCol="0">
-                <a:spAutoFit/>
-              </a:bodyPr>
-              <a:lstStyle/>
-              <a:p>
-                <a:pPr algn="ctr"/>
-                <a:r>
-                  <a:rPr lang="en-US" sz="2000" dirty="0" smtClean="0">
-                    <a:solidFill>
-                      <a:schemeClr val="tx2">
-                        <a:lumMod val="60000"/>
-                        <a:lumOff val="40000"/>
-                      </a:schemeClr>
-                    </a:solidFill>
-                    <a:latin typeface="Ebrima" pitchFamily="2" charset="0"/>
-                    <a:ea typeface="Ebrima" pitchFamily="2" charset="0"/>
-                    <a:cs typeface="Ebrima" pitchFamily="2" charset="0"/>
-                  </a:rPr>
-                  <a:t>Receive tag’s info and measure RSSI</a:t>
-                </a:r>
-                <a:endParaRPr lang="en-US" sz="2000" dirty="0">
+          </p:pic>
+        </p:grpSp>
+        <p:sp>
+          <p:nvSpPr>
+            <p:cNvPr id="168" name="TextBox 167"/>
+            <p:cNvSpPr txBox="1"/>
+            <p:nvPr/>
+          </p:nvSpPr>
+          <p:spPr>
+            <a:xfrm>
+              <a:off x="23943738" y="17695334"/>
+              <a:ext cx="849913" cy="584775"/>
+            </a:xfrm>
+            <a:prstGeom prst="rect">
+              <a:avLst/>
+            </a:prstGeom>
+            <a:noFill/>
+          </p:spPr>
+          <p:txBody>
+            <a:bodyPr wrap="none" rtlCol="0">
+              <a:spAutoFit/>
+            </a:bodyPr>
+            <a:lstStyle/>
+            <a:p>
+              <a:r>
+                <a:rPr lang="en-US" sz="3200" dirty="0" smtClean="0">
                   <a:solidFill>
-                    <a:schemeClr val="tx2">
-                      <a:lumMod val="60000"/>
-                      <a:lumOff val="40000"/>
-                    </a:schemeClr>
+                    <a:schemeClr val="accent2"/>
                   </a:solidFill>
                   <a:latin typeface="Ebrima" pitchFamily="2" charset="0"/>
                   <a:ea typeface="Ebrima" pitchFamily="2" charset="0"/>
                   <a:cs typeface="Ebrima" pitchFamily="2" charset="0"/>
-                </a:endParaRPr>
-              </a:p>
-            </p:txBody>
-          </p:sp>
-        </p:grpSp>
+                </a:rPr>
+                <a:t>Tag</a:t>
+              </a:r>
+              <a:endParaRPr lang="en-US" sz="3200" dirty="0">
+                <a:solidFill>
+                  <a:schemeClr val="accent2"/>
+                </a:solidFill>
+                <a:latin typeface="Ebrima" pitchFamily="2" charset="0"/>
+                <a:ea typeface="Ebrima" pitchFamily="2" charset="0"/>
+                <a:cs typeface="Ebrima" pitchFamily="2" charset="0"/>
+              </a:endParaRPr>
+            </a:p>
+          </p:txBody>
+        </p:sp>
+      </p:grpSp>
+      <p:pic>
+        <p:nvPicPr>
+          <p:cNvPr id="1026" name="Picture 2" descr="C:\Users\WOODY\Desktop\Image\123GoTV-transmitter-icon.jpg"/>
+          <p:cNvPicPr>
+            <a:picLocks noChangeAspect="1" noChangeArrowheads="1"/>
+          </p:cNvPicPr>
+          <p:nvPr/>
+        </p:nvPicPr>
+        <p:blipFill>
+          <a:blip r:embed="rId42" cstate="print"/>
+          <a:srcRect/>
+          <a:stretch>
+            <a:fillRect/>
+          </a:stretch>
+        </p:blipFill>
+        <p:spPr bwMode="auto">
+          <a:xfrm rot="17462436">
+            <a:off x="22815024" y="16556365"/>
+            <a:ext cx="1443976" cy="1086121"/>
+          </a:xfrm>
+          <a:prstGeom prst="rect">
+            <a:avLst/>
+          </a:prstGeom>
+          <a:noFill/>
+        </p:spPr>
+      </p:pic>
+      <p:pic>
+        <p:nvPicPr>
+          <p:cNvPr id="199" name="Picture 2" descr="C:\Users\WOODY\Desktop\Image\123GoTV-transmitter-icon.jpg"/>
+          <p:cNvPicPr>
+            <a:picLocks noChangeAspect="1" noChangeArrowheads="1"/>
+          </p:cNvPicPr>
+          <p:nvPr/>
+        </p:nvPicPr>
+        <p:blipFill>
+          <a:blip r:embed="rId42" cstate="print"/>
+          <a:srcRect/>
+          <a:stretch>
+            <a:fillRect/>
+          </a:stretch>
+        </p:blipFill>
+        <p:spPr bwMode="auto">
+          <a:xfrm rot="9850114">
+            <a:off x="20955001" y="17983200"/>
+            <a:ext cx="1443976" cy="1086121"/>
+          </a:xfrm>
+          <a:prstGeom prst="rect">
+            <a:avLst/>
+          </a:prstGeom>
+          <a:noFill/>
+        </p:spPr>
+      </p:pic>
+      <p:pic>
+        <p:nvPicPr>
+          <p:cNvPr id="159" name="Picture 2" descr="C:\Users\WOODY\Desktop\Image\123GoTV-transmitter-icon.jpg"/>
+          <p:cNvPicPr>
+            <a:picLocks noChangeAspect="1" noChangeArrowheads="1"/>
+          </p:cNvPicPr>
+          <p:nvPr/>
+        </p:nvPicPr>
+        <p:blipFill>
+          <a:blip r:embed="rId42" cstate="print"/>
+          <a:srcRect/>
+          <a:stretch>
+            <a:fillRect/>
+          </a:stretch>
+        </p:blipFill>
+        <p:spPr bwMode="auto">
+          <a:xfrm rot="4247125">
+            <a:off x="22771763" y="19329209"/>
+            <a:ext cx="1443976" cy="1086121"/>
+          </a:xfrm>
+          <a:prstGeom prst="rect">
+            <a:avLst/>
+          </a:prstGeom>
+          <a:noFill/>
+        </p:spPr>
+      </p:pic>
+      <p:grpSp>
+        <p:nvGrpSpPr>
+          <p:cNvPr id="197" name="Group 196"/>
+          <p:cNvGrpSpPr/>
+          <p:nvPr/>
+        </p:nvGrpSpPr>
+        <p:grpSpPr>
+          <a:xfrm>
+            <a:off x="10287000" y="14352589"/>
+            <a:ext cx="3568247" cy="2958648"/>
+            <a:chOff x="10287000" y="13563600"/>
+            <a:chExt cx="3568247" cy="2958648"/>
+          </a:xfrm>
+        </p:grpSpPr>
+        <p:sp>
+          <p:nvSpPr>
+            <p:cNvPr id="183" name="TextBox 182"/>
+            <p:cNvSpPr txBox="1"/>
+            <p:nvPr/>
+          </p:nvSpPr>
+          <p:spPr>
+            <a:xfrm>
+              <a:off x="12420600" y="13716000"/>
+              <a:ext cx="1377300" cy="584775"/>
+            </a:xfrm>
+            <a:prstGeom prst="rect">
+              <a:avLst/>
+            </a:prstGeom>
+            <a:noFill/>
+          </p:spPr>
+          <p:txBody>
+            <a:bodyPr wrap="none" rtlCol="0">
+              <a:spAutoFit/>
+            </a:bodyPr>
+            <a:lstStyle/>
+            <a:p>
+              <a:r>
+                <a:rPr lang="en-US" sz="3200" dirty="0" smtClean="0">
+                  <a:solidFill>
+                    <a:schemeClr val="accent2"/>
+                  </a:solidFill>
+                  <a:latin typeface="Ebrima" pitchFamily="2" charset="0"/>
+                  <a:ea typeface="Ebrima" pitchFamily="2" charset="0"/>
+                  <a:cs typeface="Ebrima" pitchFamily="2" charset="0"/>
+                </a:rPr>
+                <a:t>Admin</a:t>
+              </a:r>
+              <a:endParaRPr lang="en-US" sz="3200" dirty="0">
+                <a:solidFill>
+                  <a:schemeClr val="accent2"/>
+                </a:solidFill>
+                <a:latin typeface="Ebrima" pitchFamily="2" charset="0"/>
+                <a:ea typeface="Ebrima" pitchFamily="2" charset="0"/>
+                <a:cs typeface="Ebrima" pitchFamily="2" charset="0"/>
+              </a:endParaRPr>
+            </a:p>
+          </p:txBody>
+        </p:sp>
         <p:pic>
           <p:nvPicPr>
-            <p:cNvPr id="148" name="Picture 147" descr="200712811334187778024.png"/>
+            <p:cNvPr id="2051" name="Picture 3" descr="C:\Users\WOODY\Desktop\Image\user.png"/>
+            <p:cNvPicPr>
+              <a:picLocks noChangeAspect="1" noChangeArrowheads="1"/>
+            </p:cNvPicPr>
+            <p:nvPr/>
+          </p:nvPicPr>
+          <p:blipFill>
+            <a:blip r:embed="rId45" cstate="print"/>
+            <a:srcRect/>
+            <a:stretch>
+              <a:fillRect/>
+            </a:stretch>
+          </p:blipFill>
+          <p:spPr bwMode="auto">
+            <a:xfrm>
+              <a:off x="10287000" y="13563600"/>
+              <a:ext cx="2711450" cy="2711450"/>
+            </a:xfrm>
+            <a:prstGeom prst="rect">
+              <a:avLst/>
+            </a:prstGeom>
+            <a:noFill/>
+          </p:spPr>
+        </p:pic>
+        <p:pic>
+          <p:nvPicPr>
+            <p:cNvPr id="138" name="Picture 137" descr="200712811334187778024.png"/>
             <p:cNvPicPr>
               <a:picLocks noChangeAspect="1"/>
             </p:cNvPicPr>
@@ -14384,9 +15002,9 @@
             </a:stretch>
           </p:blipFill>
           <p:spPr>
-            <a:xfrm rot="10646144">
-              <a:off x="12955411" y="16994010"/>
-              <a:ext cx="1066800" cy="1066800"/>
+            <a:xfrm rot="14944043">
+              <a:off x="12736001" y="15403002"/>
+              <a:ext cx="1119246" cy="1119246"/>
             </a:xfrm>
             <a:prstGeom prst="rect">
               <a:avLst/>
@@ -14394,1410 +15012,6 @@
             <a:noFill/>
           </p:spPr>
         </p:pic>
-        <p:grpSp>
-          <p:nvGrpSpPr>
-            <p:cNvPr id="204" name="Group 203"/>
-            <p:cNvGrpSpPr/>
-            <p:nvPr/>
-          </p:nvGrpSpPr>
-          <p:grpSpPr>
-            <a:xfrm>
-              <a:off x="15468600" y="17754600"/>
-              <a:ext cx="2464777" cy="4114800"/>
-              <a:chOff x="15468600" y="17754600"/>
-              <a:chExt cx="2464777" cy="4114800"/>
-            </a:xfrm>
-          </p:grpSpPr>
-          <p:pic>
-            <p:nvPicPr>
-              <p:cNvPr id="143" name="Picture 142" descr="wifi_router.png"/>
-              <p:cNvPicPr>
-                <a:picLocks noChangeAspect="1"/>
-              </p:cNvPicPr>
-              <p:nvPr/>
-            </p:nvPicPr>
-            <p:blipFill>
-              <a:blip r:embed="rId39" cstate="print">
-                <a:duotone>
-                  <a:prstClr val="black"/>
-                  <a:schemeClr val="accent1">
-                    <a:tint val="45000"/>
-                    <a:satMod val="400000"/>
-                  </a:schemeClr>
-                </a:duotone>
-                <a:lum bright="10000" contrast="-10000"/>
-              </a:blip>
-              <a:stretch>
-                <a:fillRect/>
-              </a:stretch>
-            </p:blipFill>
-            <p:spPr>
-              <a:xfrm>
-                <a:off x="15773400" y="17754600"/>
-                <a:ext cx="1811548" cy="1600200"/>
-              </a:xfrm>
-              <a:prstGeom prst="rect">
-                <a:avLst/>
-              </a:prstGeom>
-            </p:spPr>
-          </p:pic>
-          <p:sp>
-            <p:nvSpPr>
-              <p:cNvPr id="147" name="TextBox 146"/>
-              <p:cNvSpPr txBox="1"/>
-              <p:nvPr/>
-            </p:nvSpPr>
-            <p:spPr>
-              <a:xfrm>
-                <a:off x="16078200" y="19227225"/>
-                <a:ext cx="1295400" cy="584775"/>
-              </a:xfrm>
-              <a:prstGeom prst="rect">
-                <a:avLst/>
-              </a:prstGeom>
-              <a:noFill/>
-            </p:spPr>
-            <p:txBody>
-              <a:bodyPr wrap="square" rtlCol="0">
-                <a:spAutoFit/>
-              </a:bodyPr>
-              <a:lstStyle/>
-              <a:p>
-                <a:r>
-                  <a:rPr lang="en-US" sz="3200" dirty="0" smtClean="0">
-                    <a:solidFill>
-                      <a:schemeClr val="accent2"/>
-                    </a:solidFill>
-                    <a:latin typeface="Ebrima" pitchFamily="2" charset="0"/>
-                    <a:ea typeface="Ebrima" pitchFamily="2" charset="0"/>
-                    <a:cs typeface="Ebrima" pitchFamily="2" charset="0"/>
-                  </a:rPr>
-                  <a:t>Proxy</a:t>
-                </a:r>
-              </a:p>
-            </p:txBody>
-          </p:sp>
-          <p:pic>
-            <p:nvPicPr>
-              <p:cNvPr id="126" name="Picture 125" descr="12091911.png"/>
-              <p:cNvPicPr>
-                <a:picLocks noChangeAspect="1"/>
-              </p:cNvPicPr>
-              <p:nvPr/>
-            </p:nvPicPr>
-            <p:blipFill>
-              <a:blip r:embed="rId38"/>
-              <a:stretch>
-                <a:fillRect/>
-              </a:stretch>
-            </p:blipFill>
-            <p:spPr>
-              <a:xfrm>
-                <a:off x="15468600" y="19659600"/>
-                <a:ext cx="2464777" cy="2209800"/>
-              </a:xfrm>
-              <a:prstGeom prst="rect">
-                <a:avLst/>
-              </a:prstGeom>
-            </p:spPr>
-          </p:pic>
-          <p:sp>
-            <p:nvSpPr>
-              <p:cNvPr id="149" name="TextBox 148"/>
-              <p:cNvSpPr txBox="1"/>
-              <p:nvPr/>
-            </p:nvSpPr>
-            <p:spPr>
-              <a:xfrm>
-                <a:off x="15849600" y="20040600"/>
-                <a:ext cx="1752600" cy="1323439"/>
-              </a:xfrm>
-              <a:prstGeom prst="rect">
-                <a:avLst/>
-              </a:prstGeom>
-              <a:noFill/>
-            </p:spPr>
-            <p:txBody>
-              <a:bodyPr wrap="square" rtlCol="0">
-                <a:spAutoFit/>
-              </a:bodyPr>
-              <a:lstStyle/>
-              <a:p>
-                <a:r>
-                  <a:rPr lang="en-US" sz="2000" dirty="0" smtClean="0">
-                    <a:solidFill>
-                      <a:schemeClr val="tx2">
-                        <a:lumMod val="60000"/>
-                        <a:lumOff val="40000"/>
-                      </a:schemeClr>
-                    </a:solidFill>
-                    <a:latin typeface="Ebrima" pitchFamily="2" charset="0"/>
-                    <a:ea typeface="Ebrima" pitchFamily="2" charset="0"/>
-                    <a:cs typeface="Ebrima" pitchFamily="2" charset="0"/>
-                  </a:rPr>
-                  <a:t>Relay all data packets and interface to controller</a:t>
-                </a:r>
-                <a:endParaRPr lang="en-US" sz="2000" dirty="0">
-                  <a:solidFill>
-                    <a:schemeClr val="tx2">
-                      <a:lumMod val="60000"/>
-                      <a:lumOff val="40000"/>
-                    </a:schemeClr>
-                  </a:solidFill>
-                  <a:latin typeface="Ebrima" pitchFamily="2" charset="0"/>
-                  <a:ea typeface="Ebrima" pitchFamily="2" charset="0"/>
-                  <a:cs typeface="Ebrima" pitchFamily="2" charset="0"/>
-                </a:endParaRPr>
-              </a:p>
-            </p:txBody>
-          </p:sp>
-        </p:grpSp>
-        <p:grpSp>
-          <p:nvGrpSpPr>
-            <p:cNvPr id="201" name="Group 200"/>
-            <p:cNvGrpSpPr/>
-            <p:nvPr/>
-          </p:nvGrpSpPr>
-          <p:grpSpPr>
-            <a:xfrm>
-              <a:off x="10363200" y="16154400"/>
-              <a:ext cx="3048000" cy="5627255"/>
-              <a:chOff x="10363200" y="16154400"/>
-              <a:chExt cx="3048000" cy="5627255"/>
-            </a:xfrm>
-          </p:grpSpPr>
-          <p:grpSp>
-            <p:nvGrpSpPr>
-              <p:cNvPr id="7" name="Group 125"/>
-              <p:cNvGrpSpPr/>
-              <p:nvPr/>
-            </p:nvGrpSpPr>
-            <p:grpSpPr>
-              <a:xfrm>
-                <a:off x="10363200" y="17297400"/>
-                <a:ext cx="2514600" cy="2927925"/>
-                <a:chOff x="10439400" y="16383000"/>
-                <a:chExt cx="2514600" cy="2927925"/>
-              </a:xfrm>
-            </p:grpSpPr>
-            <p:pic>
-              <p:nvPicPr>
-                <p:cNvPr id="180" name="Picture 179" descr="1914499.png"/>
-                <p:cNvPicPr>
-                  <a:picLocks noChangeAspect="1"/>
-                </p:cNvPicPr>
-                <p:nvPr/>
-              </p:nvPicPr>
-              <p:blipFill>
-                <a:blip r:embed="rId40" cstate="print"/>
-                <a:stretch>
-                  <a:fillRect/>
-                </a:stretch>
-              </p:blipFill>
-              <p:spPr>
-                <a:xfrm>
-                  <a:off x="10439400" y="16383000"/>
-                  <a:ext cx="2514600" cy="2514600"/>
-                </a:xfrm>
-                <a:prstGeom prst="rect">
-                  <a:avLst/>
-                </a:prstGeom>
-              </p:spPr>
-            </p:pic>
-            <p:sp>
-              <p:nvSpPr>
-                <p:cNvPr id="181" name="TextBox 180"/>
-                <p:cNvSpPr txBox="1"/>
-                <p:nvPr/>
-              </p:nvSpPr>
-              <p:spPr>
-                <a:xfrm>
-                  <a:off x="10591800" y="18726150"/>
-                  <a:ext cx="1991251" cy="584775"/>
-                </a:xfrm>
-                <a:prstGeom prst="rect">
-                  <a:avLst/>
-                </a:prstGeom>
-                <a:noFill/>
-              </p:spPr>
-              <p:txBody>
-                <a:bodyPr wrap="none" rtlCol="0">
-                  <a:spAutoFit/>
-                </a:bodyPr>
-                <a:lstStyle/>
-                <a:p>
-                  <a:r>
-                    <a:rPr lang="en-US" sz="3200" dirty="0" smtClean="0">
-                      <a:solidFill>
-                        <a:schemeClr val="accent2"/>
-                      </a:solidFill>
-                      <a:latin typeface="Ebrima" pitchFamily="2" charset="0"/>
-                      <a:ea typeface="Ebrima" pitchFamily="2" charset="0"/>
-                      <a:cs typeface="Ebrima" pitchFamily="2" charset="0"/>
-                    </a:rPr>
-                    <a:t>Controller</a:t>
-                  </a:r>
-                  <a:endParaRPr lang="en-US" sz="3200" dirty="0">
-                    <a:solidFill>
-                      <a:schemeClr val="accent2"/>
-                    </a:solidFill>
-                    <a:latin typeface="Ebrima" pitchFamily="2" charset="0"/>
-                    <a:ea typeface="Ebrima" pitchFamily="2" charset="0"/>
-                    <a:cs typeface="Ebrima" pitchFamily="2" charset="0"/>
-                  </a:endParaRPr>
-                </a:p>
-              </p:txBody>
-            </p:sp>
-          </p:grpSp>
-          <p:pic>
-            <p:nvPicPr>
-              <p:cNvPr id="150" name="Picture 149" descr="12091911.png"/>
-              <p:cNvPicPr>
-                <a:picLocks noChangeAspect="1"/>
-              </p:cNvPicPr>
-              <p:nvPr/>
-            </p:nvPicPr>
-            <p:blipFill>
-              <a:blip r:embed="rId38"/>
-              <a:stretch>
-                <a:fillRect/>
-              </a:stretch>
-            </p:blipFill>
-            <p:spPr>
-              <a:xfrm>
-                <a:off x="10363200" y="20040600"/>
-                <a:ext cx="2209800" cy="1741055"/>
-              </a:xfrm>
-              <a:prstGeom prst="rect">
-                <a:avLst/>
-              </a:prstGeom>
-            </p:spPr>
-          </p:pic>
-          <p:sp>
-            <p:nvSpPr>
-              <p:cNvPr id="135" name="TextBox 134"/>
-              <p:cNvSpPr txBox="1"/>
-              <p:nvPr/>
-            </p:nvSpPr>
-            <p:spPr>
-              <a:xfrm>
-                <a:off x="10591800" y="20320337"/>
-                <a:ext cx="1981200" cy="1015663"/>
-              </a:xfrm>
-              <a:prstGeom prst="rect">
-                <a:avLst/>
-              </a:prstGeom>
-              <a:noFill/>
-            </p:spPr>
-            <p:txBody>
-              <a:bodyPr wrap="square" rtlCol="0">
-                <a:spAutoFit/>
-              </a:bodyPr>
-              <a:lstStyle/>
-              <a:p>
-                <a:r>
-                  <a:rPr lang="en-US" sz="2000" dirty="0" smtClean="0">
-                    <a:solidFill>
-                      <a:schemeClr val="tx2">
-                        <a:lumMod val="60000"/>
-                        <a:lumOff val="40000"/>
-                      </a:schemeClr>
-                    </a:solidFill>
-                    <a:latin typeface="Ebrima" pitchFamily="2" charset="0"/>
-                    <a:ea typeface="Ebrima" pitchFamily="2" charset="0"/>
-                    <a:cs typeface="Ebrima" pitchFamily="2" charset="0"/>
-                  </a:rPr>
-                  <a:t>Process data, </a:t>
-                </a:r>
-              </a:p>
-              <a:p>
-                <a:r>
-                  <a:rPr lang="en-US" sz="2000" dirty="0" smtClean="0">
-                    <a:solidFill>
-                      <a:schemeClr val="tx2">
-                        <a:lumMod val="60000"/>
-                        <a:lumOff val="40000"/>
-                      </a:schemeClr>
-                    </a:solidFill>
-                    <a:latin typeface="Ebrima" pitchFamily="2" charset="0"/>
-                    <a:ea typeface="Ebrima" pitchFamily="2" charset="0"/>
-                    <a:cs typeface="Ebrima" pitchFamily="2" charset="0"/>
-                  </a:rPr>
-                  <a:t>calculate asset tag’s location</a:t>
-                </a:r>
-                <a:endParaRPr lang="en-US" sz="2000" dirty="0">
-                  <a:solidFill>
-                    <a:schemeClr val="tx2">
-                      <a:lumMod val="60000"/>
-                      <a:lumOff val="40000"/>
-                    </a:schemeClr>
-                  </a:solidFill>
-                  <a:latin typeface="Ebrima" pitchFamily="2" charset="0"/>
-                  <a:ea typeface="Ebrima" pitchFamily="2" charset="0"/>
-                  <a:cs typeface="Ebrima" pitchFamily="2" charset="0"/>
-                </a:endParaRPr>
-              </a:p>
-            </p:txBody>
-          </p:sp>
-          <p:pic>
-            <p:nvPicPr>
-              <p:cNvPr id="151" name="Picture 150" descr="12091911.png"/>
-              <p:cNvPicPr>
-                <a:picLocks noChangeAspect="1"/>
-              </p:cNvPicPr>
-              <p:nvPr/>
-            </p:nvPicPr>
-            <p:blipFill>
-              <a:blip r:embed="rId38"/>
-              <a:stretch>
-                <a:fillRect/>
-              </a:stretch>
-            </p:blipFill>
-            <p:spPr>
-              <a:xfrm>
-                <a:off x="11391900" y="16154400"/>
-                <a:ext cx="2019300" cy="1599046"/>
-              </a:xfrm>
-              <a:prstGeom prst="rect">
-                <a:avLst/>
-              </a:prstGeom>
-            </p:spPr>
-          </p:pic>
-          <p:sp>
-            <p:nvSpPr>
-              <p:cNvPr id="130" name="TextBox 129"/>
-              <p:cNvSpPr txBox="1"/>
-              <p:nvPr/>
-            </p:nvSpPr>
-            <p:spPr>
-              <a:xfrm>
-                <a:off x="11582400" y="16383000"/>
-                <a:ext cx="1676400" cy="1015663"/>
-              </a:xfrm>
-              <a:prstGeom prst="rect">
-                <a:avLst/>
-              </a:prstGeom>
-              <a:noFill/>
-            </p:spPr>
-            <p:txBody>
-              <a:bodyPr wrap="square" rtlCol="0">
-                <a:spAutoFit/>
-              </a:bodyPr>
-              <a:lstStyle/>
-              <a:p>
-                <a:r>
-                  <a:rPr lang="en-US" sz="2000" dirty="0" smtClean="0">
-                    <a:solidFill>
-                      <a:schemeClr val="tx2">
-                        <a:lumMod val="60000"/>
-                        <a:lumOff val="40000"/>
-                      </a:schemeClr>
-                    </a:solidFill>
-                    <a:latin typeface="Ebrima" pitchFamily="2" charset="0"/>
-                    <a:ea typeface="Ebrima" pitchFamily="2" charset="0"/>
-                    <a:cs typeface="Ebrima" pitchFamily="2" charset="0"/>
-                  </a:rPr>
-                  <a:t>Web Server (PHP, HTML5, Java script)</a:t>
-                </a:r>
-                <a:endParaRPr lang="en-US" sz="2000" dirty="0">
-                  <a:solidFill>
-                    <a:schemeClr val="tx2">
-                      <a:lumMod val="60000"/>
-                      <a:lumOff val="40000"/>
-                    </a:schemeClr>
-                  </a:solidFill>
-                  <a:latin typeface="Ebrima" pitchFamily="2" charset="0"/>
-                  <a:ea typeface="Ebrima" pitchFamily="2" charset="0"/>
-                  <a:cs typeface="Ebrima" pitchFamily="2" charset="0"/>
-                </a:endParaRPr>
-              </a:p>
-            </p:txBody>
-          </p:sp>
-        </p:grpSp>
-        <p:grpSp>
-          <p:nvGrpSpPr>
-            <p:cNvPr id="187" name="Group 186"/>
-            <p:cNvGrpSpPr/>
-            <p:nvPr/>
-          </p:nvGrpSpPr>
-          <p:grpSpPr>
-            <a:xfrm>
-              <a:off x="15658145" y="14020800"/>
-              <a:ext cx="4268155" cy="3200400"/>
-              <a:chOff x="15658145" y="14020800"/>
-              <a:chExt cx="4268155" cy="3200400"/>
-            </a:xfrm>
-          </p:grpSpPr>
-          <p:grpSp>
-            <p:nvGrpSpPr>
-              <p:cNvPr id="11" name="Group 132"/>
-              <p:cNvGrpSpPr/>
-              <p:nvPr/>
-            </p:nvGrpSpPr>
-            <p:grpSpPr>
-              <a:xfrm>
-                <a:off x="16154400" y="14020800"/>
-                <a:ext cx="3414147" cy="2209800"/>
-                <a:chOff x="18683853" y="13639800"/>
-                <a:chExt cx="3414147" cy="2209800"/>
-              </a:xfrm>
-            </p:grpSpPr>
-            <p:grpSp>
-              <p:nvGrpSpPr>
-                <p:cNvPr id="12" name="Group 103"/>
-                <p:cNvGrpSpPr/>
-                <p:nvPr/>
-              </p:nvGrpSpPr>
-              <p:grpSpPr>
-                <a:xfrm>
-                  <a:off x="19507200" y="13639800"/>
-                  <a:ext cx="2590800" cy="2209800"/>
-                  <a:chOff x="21336000" y="13868400"/>
-                  <a:chExt cx="2590800" cy="2209800"/>
-                </a:xfrm>
-              </p:grpSpPr>
-              <p:pic>
-                <p:nvPicPr>
-                  <p:cNvPr id="157" name="Picture 156" descr="1914496.png"/>
-                  <p:cNvPicPr>
-                    <a:picLocks noChangeAspect="1"/>
-                  </p:cNvPicPr>
-                  <p:nvPr/>
-                </p:nvPicPr>
-                <p:blipFill>
-                  <a:blip r:embed="rId41" cstate="print"/>
-                  <a:stretch>
-                    <a:fillRect/>
-                  </a:stretch>
-                </p:blipFill>
-                <p:spPr>
-                  <a:xfrm>
-                    <a:off x="21717000" y="13868400"/>
-                    <a:ext cx="2209800" cy="2209800"/>
-                  </a:xfrm>
-                  <a:prstGeom prst="rect">
-                    <a:avLst/>
-                  </a:prstGeom>
-                </p:spPr>
-              </p:pic>
-              <p:pic>
-                <p:nvPicPr>
-                  <p:cNvPr id="158" name="Picture 157" descr="20071261846318777805.png"/>
-                  <p:cNvPicPr>
-                    <a:picLocks noChangeAspect="1"/>
-                  </p:cNvPicPr>
-                  <p:nvPr/>
-                </p:nvPicPr>
-                <p:blipFill>
-                  <a:blip r:embed="rId42" cstate="print"/>
-                  <a:stretch>
-                    <a:fillRect/>
-                  </a:stretch>
-                </p:blipFill>
-                <p:spPr>
-                  <a:xfrm>
-                    <a:off x="21336000" y="14325600"/>
-                    <a:ext cx="1295400" cy="1295400"/>
-                  </a:xfrm>
-                  <a:prstGeom prst="rect">
-                    <a:avLst/>
-                  </a:prstGeom>
-                </p:spPr>
-              </p:pic>
-            </p:grpSp>
-            <p:sp>
-              <p:nvSpPr>
-                <p:cNvPr id="156" name="TextBox 155"/>
-                <p:cNvSpPr txBox="1"/>
-                <p:nvPr/>
-              </p:nvSpPr>
-              <p:spPr>
-                <a:xfrm>
-                  <a:off x="18683853" y="14020800"/>
-                  <a:ext cx="1173719" cy="584775"/>
-                </a:xfrm>
-                <a:prstGeom prst="rect">
-                  <a:avLst/>
-                </a:prstGeom>
-                <a:noFill/>
-              </p:spPr>
-              <p:txBody>
-                <a:bodyPr wrap="none" rtlCol="0">
-                  <a:spAutoFit/>
-                </a:bodyPr>
-                <a:lstStyle/>
-                <a:p>
-                  <a:r>
-                    <a:rPr lang="en-US" sz="3200" dirty="0" smtClean="0">
-                      <a:solidFill>
-                        <a:schemeClr val="accent2"/>
-                      </a:solidFill>
-                      <a:latin typeface="Ebrima" pitchFamily="2" charset="0"/>
-                      <a:ea typeface="Ebrima" pitchFamily="2" charset="0"/>
-                      <a:cs typeface="Ebrima" pitchFamily="2" charset="0"/>
-                    </a:rPr>
-                    <a:t>Users</a:t>
-                  </a:r>
-                  <a:endParaRPr lang="en-US" sz="3200" dirty="0">
-                    <a:solidFill>
-                      <a:schemeClr val="accent2"/>
-                    </a:solidFill>
-                    <a:latin typeface="Ebrima" pitchFamily="2" charset="0"/>
-                    <a:ea typeface="Ebrima" pitchFamily="2" charset="0"/>
-                    <a:cs typeface="Ebrima" pitchFamily="2" charset="0"/>
-                  </a:endParaRPr>
-                </a:p>
-              </p:txBody>
-            </p:sp>
-          </p:grpSp>
-          <p:pic>
-            <p:nvPicPr>
-              <p:cNvPr id="146" name="Picture 145" descr="200712811334187778024.png"/>
-              <p:cNvPicPr>
-                <a:picLocks noChangeAspect="1"/>
-              </p:cNvPicPr>
-              <p:nvPr/>
-            </p:nvPicPr>
-            <p:blipFill>
-              <a:blip r:embed="rId34" cstate="print">
-                <a:duotone>
-                  <a:schemeClr val="accent6">
-                    <a:shade val="45000"/>
-                    <a:satMod val="135000"/>
-                  </a:schemeClr>
-                  <a:prstClr val="white"/>
-                </a:duotone>
-                <a:lum bright="-11000" contrast="33000"/>
-              </a:blip>
-              <a:stretch>
-                <a:fillRect/>
-              </a:stretch>
-            </p:blipFill>
-            <p:spPr>
-              <a:xfrm rot="11048592">
-                <a:off x="15658145" y="15277144"/>
-                <a:ext cx="1066800" cy="1066800"/>
-              </a:xfrm>
-              <a:prstGeom prst="rect">
-                <a:avLst/>
-              </a:prstGeom>
-              <a:noFill/>
-            </p:spPr>
-          </p:pic>
-          <p:pic>
-            <p:nvPicPr>
-              <p:cNvPr id="152" name="Picture 151" descr="12091911.png"/>
-              <p:cNvPicPr>
-                <a:picLocks noChangeAspect="1"/>
-              </p:cNvPicPr>
-              <p:nvPr/>
-            </p:nvPicPr>
-            <p:blipFill>
-              <a:blip r:embed="rId38"/>
-              <a:stretch>
-                <a:fillRect/>
-              </a:stretch>
-            </p:blipFill>
-            <p:spPr>
-              <a:xfrm>
-                <a:off x="17348200" y="16002000"/>
-                <a:ext cx="2514600" cy="1219200"/>
-              </a:xfrm>
-              <a:prstGeom prst="rect">
-                <a:avLst/>
-              </a:prstGeom>
-            </p:spPr>
-          </p:pic>
-          <p:sp>
-            <p:nvSpPr>
-              <p:cNvPr id="131" name="TextBox 130"/>
-              <p:cNvSpPr txBox="1"/>
-              <p:nvPr/>
-            </p:nvSpPr>
-            <p:spPr>
-              <a:xfrm>
-                <a:off x="17564100" y="16132314"/>
-                <a:ext cx="2362200" cy="707886"/>
-              </a:xfrm>
-              <a:prstGeom prst="rect">
-                <a:avLst/>
-              </a:prstGeom>
-              <a:noFill/>
-            </p:spPr>
-            <p:txBody>
-              <a:bodyPr wrap="square" rtlCol="0">
-                <a:spAutoFit/>
-              </a:bodyPr>
-              <a:lstStyle/>
-              <a:p>
-                <a:r>
-                  <a:rPr lang="en-US" sz="2000" dirty="0" smtClean="0">
-                    <a:solidFill>
-                      <a:schemeClr val="tx2">
-                        <a:lumMod val="60000"/>
-                        <a:lumOff val="40000"/>
-                      </a:schemeClr>
-                    </a:solidFill>
-                    <a:latin typeface="Ebrima" pitchFamily="2" charset="0"/>
-                    <a:ea typeface="Ebrima" pitchFamily="2" charset="0"/>
-                    <a:cs typeface="Ebrima" pitchFamily="2" charset="0"/>
-                  </a:rPr>
-                  <a:t>Access tracking info via Web app</a:t>
-                </a:r>
-                <a:endParaRPr lang="en-US" sz="2000" dirty="0">
-                  <a:solidFill>
-                    <a:schemeClr val="tx2">
-                      <a:lumMod val="60000"/>
-                      <a:lumOff val="40000"/>
-                    </a:schemeClr>
-                  </a:solidFill>
-                  <a:latin typeface="Ebrima" pitchFamily="2" charset="0"/>
-                  <a:ea typeface="Ebrima" pitchFamily="2" charset="0"/>
-                  <a:cs typeface="Ebrima" pitchFamily="2" charset="0"/>
-                </a:endParaRPr>
-              </a:p>
-            </p:txBody>
-          </p:sp>
-        </p:grpSp>
-        <p:pic>
-          <p:nvPicPr>
-            <p:cNvPr id="154" name="Picture 153" descr="15342238.png"/>
-            <p:cNvPicPr>
-              <a:picLocks noChangeAspect="1"/>
-            </p:cNvPicPr>
-            <p:nvPr/>
-          </p:nvPicPr>
-          <p:blipFill>
-            <a:blip r:embed="rId36" cstate="print"/>
-            <a:stretch>
-              <a:fillRect/>
-            </a:stretch>
-          </p:blipFill>
-          <p:spPr>
-            <a:xfrm rot="11014167">
-              <a:off x="23886814" y="14299491"/>
-              <a:ext cx="1148352" cy="1148352"/>
-            </a:xfrm>
-            <a:prstGeom prst="rect">
-              <a:avLst/>
-            </a:prstGeom>
-          </p:spPr>
-        </p:pic>
-        <p:grpSp>
-          <p:nvGrpSpPr>
-            <p:cNvPr id="205" name="Group 204"/>
-            <p:cNvGrpSpPr/>
-            <p:nvPr/>
-          </p:nvGrpSpPr>
-          <p:grpSpPr>
-            <a:xfrm>
-              <a:off x="17611245" y="17449798"/>
-              <a:ext cx="3877155" cy="3200402"/>
-              <a:chOff x="17611245" y="17449798"/>
-              <a:chExt cx="3877155" cy="3200402"/>
-            </a:xfrm>
-          </p:grpSpPr>
-          <p:grpSp>
-            <p:nvGrpSpPr>
-              <p:cNvPr id="23" name="Group 128"/>
-              <p:cNvGrpSpPr/>
-              <p:nvPr/>
-            </p:nvGrpSpPr>
-            <p:grpSpPr>
-              <a:xfrm>
-                <a:off x="18973800" y="17449798"/>
-                <a:ext cx="1290398" cy="1484663"/>
-                <a:chOff x="19581994" y="20003736"/>
-                <a:chExt cx="1754006" cy="2018064"/>
-              </a:xfrm>
-            </p:grpSpPr>
-            <p:pic>
-              <p:nvPicPr>
-                <p:cNvPr id="192" name="Picture 191" descr="1209193.png"/>
-                <p:cNvPicPr>
-                  <a:picLocks noChangeAspect="1"/>
-                </p:cNvPicPr>
-                <p:nvPr/>
-              </p:nvPicPr>
-              <p:blipFill>
-                <a:blip r:embed="rId35" cstate="print">
-                  <a:duotone>
-                    <a:prstClr val="black"/>
-                    <a:schemeClr val="accent1">
-                      <a:tint val="45000"/>
-                      <a:satMod val="400000"/>
-                    </a:schemeClr>
-                  </a:duotone>
-                  <a:lum bright="40000" contrast="40000"/>
-                </a:blip>
-                <a:stretch>
-                  <a:fillRect/>
-                </a:stretch>
-              </p:blipFill>
-              <p:spPr>
-                <a:xfrm>
-                  <a:off x="19659600" y="20116800"/>
-                  <a:ext cx="1524000" cy="1524000"/>
-                </a:xfrm>
-                <a:prstGeom prst="rect">
-                  <a:avLst/>
-                </a:prstGeom>
-              </p:spPr>
-            </p:pic>
-            <p:pic>
-              <p:nvPicPr>
-                <p:cNvPr id="193" name="Picture 192" descr="15342238.png"/>
-                <p:cNvPicPr>
-                  <a:picLocks noChangeAspect="1"/>
-                </p:cNvPicPr>
-                <p:nvPr/>
-              </p:nvPicPr>
-              <p:blipFill>
-                <a:blip r:embed="rId36" cstate="print"/>
-                <a:stretch>
-                  <a:fillRect/>
-                </a:stretch>
-              </p:blipFill>
-              <p:spPr>
-                <a:xfrm rot="12482044">
-                  <a:off x="19655574" y="20003736"/>
-                  <a:ext cx="1560926" cy="1560925"/>
-                </a:xfrm>
-                <a:prstGeom prst="rect">
-                  <a:avLst/>
-                </a:prstGeom>
-              </p:spPr>
-            </p:pic>
-            <p:sp>
-              <p:nvSpPr>
-                <p:cNvPr id="194" name="TextBox 193"/>
-                <p:cNvSpPr txBox="1"/>
-                <p:nvPr/>
-              </p:nvSpPr>
-              <p:spPr>
-                <a:xfrm>
-                  <a:off x="19581994" y="21437025"/>
-                  <a:ext cx="1754006" cy="584775"/>
-                </a:xfrm>
-                <a:prstGeom prst="rect">
-                  <a:avLst/>
-                </a:prstGeom>
-                <a:noFill/>
-              </p:spPr>
-              <p:txBody>
-                <a:bodyPr wrap="none" rtlCol="0">
-                  <a:spAutoFit/>
-                </a:bodyPr>
-                <a:lstStyle/>
-                <a:p>
-                  <a:r>
-                    <a:rPr lang="en-US" sz="3200" dirty="0" smtClean="0">
-                      <a:solidFill>
-                        <a:schemeClr val="accent2"/>
-                      </a:solidFill>
-                      <a:latin typeface="Ebrima" pitchFamily="2" charset="0"/>
-                      <a:ea typeface="Ebrima" pitchFamily="2" charset="0"/>
-                      <a:cs typeface="Ebrima" pitchFamily="2" charset="0"/>
-                    </a:rPr>
-                    <a:t>Detector</a:t>
-                  </a:r>
-                  <a:endParaRPr lang="en-US" sz="3200" dirty="0">
-                    <a:solidFill>
-                      <a:schemeClr val="accent2"/>
-                    </a:solidFill>
-                    <a:latin typeface="Ebrima" pitchFamily="2" charset="0"/>
-                    <a:ea typeface="Ebrima" pitchFamily="2" charset="0"/>
-                    <a:cs typeface="Ebrima" pitchFamily="2" charset="0"/>
-                  </a:endParaRPr>
-                </a:p>
-              </p:txBody>
-            </p:sp>
-          </p:grpSp>
-          <p:pic>
-            <p:nvPicPr>
-              <p:cNvPr id="200" name="Picture 2" descr="C:\Users\WOODY\Desktop\Image\123GoTV-transmitter-icon.jpg"/>
-              <p:cNvPicPr>
-                <a:picLocks noChangeAspect="1" noChangeArrowheads="1"/>
-              </p:cNvPicPr>
-              <p:nvPr/>
-            </p:nvPicPr>
-            <p:blipFill>
-              <a:blip r:embed="rId43" cstate="print"/>
-              <a:srcRect/>
-              <a:stretch>
-                <a:fillRect/>
-              </a:stretch>
-            </p:blipFill>
-            <p:spPr bwMode="auto">
-              <a:xfrm rot="10183872">
-                <a:off x="17611245" y="18103208"/>
-                <a:ext cx="1443976" cy="1086121"/>
-              </a:xfrm>
-              <a:prstGeom prst="rect">
-                <a:avLst/>
-              </a:prstGeom>
-              <a:noFill/>
-            </p:spPr>
-          </p:pic>
-          <p:pic>
-            <p:nvPicPr>
-              <p:cNvPr id="155" name="Picture 154" descr="12091911.png"/>
-              <p:cNvPicPr>
-                <a:picLocks noChangeAspect="1"/>
-              </p:cNvPicPr>
-              <p:nvPr/>
-            </p:nvPicPr>
-            <p:blipFill>
-              <a:blip r:embed="rId38"/>
-              <a:stretch>
-                <a:fillRect/>
-              </a:stretch>
-            </p:blipFill>
-            <p:spPr>
-              <a:xfrm>
-                <a:off x="18211800" y="18973800"/>
-                <a:ext cx="3276600" cy="1676400"/>
-              </a:xfrm>
-              <a:prstGeom prst="rect">
-                <a:avLst/>
-              </a:prstGeom>
-            </p:spPr>
-          </p:pic>
-          <p:sp>
-            <p:nvSpPr>
-              <p:cNvPr id="124" name="TextBox 123"/>
-              <p:cNvSpPr txBox="1"/>
-              <p:nvPr/>
-            </p:nvSpPr>
-            <p:spPr>
-              <a:xfrm>
-                <a:off x="18440400" y="19220879"/>
-                <a:ext cx="2819400" cy="1015663"/>
-              </a:xfrm>
-              <a:prstGeom prst="rect">
-                <a:avLst/>
-              </a:prstGeom>
-              <a:noFill/>
-            </p:spPr>
-            <p:txBody>
-              <a:bodyPr wrap="square" rtlCol="0">
-                <a:spAutoFit/>
-              </a:bodyPr>
-              <a:lstStyle/>
-              <a:p>
-                <a:pPr algn="ctr"/>
-                <a:r>
-                  <a:rPr lang="en-US" sz="2000" dirty="0" smtClean="0">
-                    <a:solidFill>
-                      <a:schemeClr val="tx2">
-                        <a:lumMod val="60000"/>
-                        <a:lumOff val="40000"/>
-                      </a:schemeClr>
-                    </a:solidFill>
-                    <a:latin typeface="Ebrima" pitchFamily="2" charset="0"/>
-                    <a:ea typeface="Ebrima" pitchFamily="2" charset="0"/>
-                    <a:cs typeface="Ebrima" pitchFamily="2" charset="0"/>
-                  </a:rPr>
-                  <a:t>Data packets are relayed through mesh network of detectors</a:t>
-                </a:r>
-                <a:endParaRPr lang="en-US" sz="2000" dirty="0">
-                  <a:solidFill>
-                    <a:schemeClr val="tx2">
-                      <a:lumMod val="60000"/>
-                      <a:lumOff val="40000"/>
-                    </a:schemeClr>
-                  </a:solidFill>
-                  <a:latin typeface="Ebrima" pitchFamily="2" charset="0"/>
-                  <a:ea typeface="Ebrima" pitchFamily="2" charset="0"/>
-                  <a:cs typeface="Ebrima" pitchFamily="2" charset="0"/>
-                </a:endParaRPr>
-              </a:p>
-            </p:txBody>
-          </p:sp>
-        </p:grpSp>
-        <p:grpSp>
-          <p:nvGrpSpPr>
-            <p:cNvPr id="207" name="Group 206"/>
-            <p:cNvGrpSpPr/>
-            <p:nvPr/>
-          </p:nvGrpSpPr>
-          <p:grpSpPr>
-            <a:xfrm>
-              <a:off x="20955001" y="15947611"/>
-              <a:ext cx="4463560" cy="4000985"/>
-              <a:chOff x="20955001" y="15947611"/>
-              <a:chExt cx="4463560" cy="4000985"/>
-            </a:xfrm>
-          </p:grpSpPr>
-          <p:grpSp>
-            <p:nvGrpSpPr>
-              <p:cNvPr id="9" name="Group 130"/>
-              <p:cNvGrpSpPr/>
-              <p:nvPr/>
-            </p:nvGrpSpPr>
-            <p:grpSpPr>
-              <a:xfrm>
-                <a:off x="22174200" y="16916400"/>
-                <a:ext cx="2185988" cy="2057399"/>
-                <a:chOff x="22860005" y="16611601"/>
-                <a:chExt cx="2590800" cy="2438399"/>
-              </a:xfrm>
-            </p:grpSpPr>
-            <p:grpSp>
-              <p:nvGrpSpPr>
-                <p:cNvPr id="10" name="Group 113"/>
-                <p:cNvGrpSpPr/>
-                <p:nvPr/>
-              </p:nvGrpSpPr>
-              <p:grpSpPr>
-                <a:xfrm>
-                  <a:off x="22860005" y="16611601"/>
-                  <a:ext cx="2590800" cy="2438399"/>
-                  <a:chOff x="22860005" y="16611601"/>
-                  <a:chExt cx="2590800" cy="2438399"/>
-                </a:xfrm>
-              </p:grpSpPr>
-              <p:pic>
-                <p:nvPicPr>
-                  <p:cNvPr id="169" name="Picture 168" descr="15342246.png"/>
-                  <p:cNvPicPr>
-                    <a:picLocks noChangeAspect="1"/>
-                  </p:cNvPicPr>
-                  <p:nvPr/>
-                </p:nvPicPr>
-                <p:blipFill>
-                  <a:blip r:embed="rId44" cstate="print"/>
-                  <a:stretch>
-                    <a:fillRect/>
-                  </a:stretch>
-                </p:blipFill>
-                <p:spPr>
-                  <a:xfrm>
-                    <a:off x="23622005" y="17221200"/>
-                    <a:ext cx="1828800" cy="1828800"/>
-                  </a:xfrm>
-                  <a:prstGeom prst="rect">
-                    <a:avLst/>
-                  </a:prstGeom>
-                </p:spPr>
-              </p:pic>
-              <p:pic>
-                <p:nvPicPr>
-                  <p:cNvPr id="170" name="Picture 169" descr="15342234.png"/>
-                  <p:cNvPicPr>
-                    <a:picLocks noChangeAspect="1"/>
-                  </p:cNvPicPr>
-                  <p:nvPr/>
-                </p:nvPicPr>
-                <p:blipFill>
-                  <a:blip r:embed="rId45" cstate="print"/>
-                  <a:stretch>
-                    <a:fillRect/>
-                  </a:stretch>
-                </p:blipFill>
-                <p:spPr>
-                  <a:xfrm>
-                    <a:off x="22860005" y="16611601"/>
-                    <a:ext cx="1828800" cy="1828800"/>
-                  </a:xfrm>
-                  <a:prstGeom prst="rect">
-                    <a:avLst/>
-                  </a:prstGeom>
-                </p:spPr>
-              </p:pic>
-            </p:grpSp>
-            <p:sp>
-              <p:nvSpPr>
-                <p:cNvPr id="168" name="TextBox 167"/>
-                <p:cNvSpPr txBox="1"/>
-                <p:nvPr/>
-              </p:nvSpPr>
-              <p:spPr>
-                <a:xfrm>
-                  <a:off x="23943738" y="17695334"/>
-                  <a:ext cx="849913" cy="584775"/>
-                </a:xfrm>
-                <a:prstGeom prst="rect">
-                  <a:avLst/>
-                </a:prstGeom>
-                <a:noFill/>
-              </p:spPr>
-              <p:txBody>
-                <a:bodyPr wrap="none" rtlCol="0">
-                  <a:spAutoFit/>
-                </a:bodyPr>
-                <a:lstStyle/>
-                <a:p>
-                  <a:r>
-                    <a:rPr lang="en-US" sz="3200" dirty="0" smtClean="0">
-                      <a:solidFill>
-                        <a:schemeClr val="accent2"/>
-                      </a:solidFill>
-                      <a:latin typeface="Ebrima" pitchFamily="2" charset="0"/>
-                      <a:ea typeface="Ebrima" pitchFamily="2" charset="0"/>
-                      <a:cs typeface="Ebrima" pitchFamily="2" charset="0"/>
-                    </a:rPr>
-                    <a:t>Tag</a:t>
-                  </a:r>
-                  <a:endParaRPr lang="en-US" sz="3200" dirty="0">
-                    <a:solidFill>
-                      <a:schemeClr val="accent2"/>
-                    </a:solidFill>
-                    <a:latin typeface="Ebrima" pitchFamily="2" charset="0"/>
-                    <a:ea typeface="Ebrima" pitchFamily="2" charset="0"/>
-                    <a:cs typeface="Ebrima" pitchFamily="2" charset="0"/>
-                  </a:endParaRPr>
-                </a:p>
-              </p:txBody>
-            </p:sp>
-          </p:grpSp>
-          <p:pic>
-            <p:nvPicPr>
-              <p:cNvPr id="1026" name="Picture 2" descr="C:\Users\WOODY\Desktop\Image\123GoTV-transmitter-icon.jpg"/>
-              <p:cNvPicPr>
-                <a:picLocks noChangeAspect="1" noChangeArrowheads="1"/>
-              </p:cNvPicPr>
-              <p:nvPr/>
-            </p:nvPicPr>
-            <p:blipFill>
-              <a:blip r:embed="rId43" cstate="print"/>
-              <a:srcRect/>
-              <a:stretch>
-                <a:fillRect/>
-              </a:stretch>
-            </p:blipFill>
-            <p:spPr bwMode="auto">
-              <a:xfrm rot="17981772">
-                <a:off x="23137401" y="16126538"/>
-                <a:ext cx="1443976" cy="1086121"/>
-              </a:xfrm>
-              <a:prstGeom prst="rect">
-                <a:avLst/>
-              </a:prstGeom>
-              <a:noFill/>
-            </p:spPr>
-          </p:pic>
-          <p:pic>
-            <p:nvPicPr>
-              <p:cNvPr id="199" name="Picture 2" descr="C:\Users\WOODY\Desktop\Image\123GoTV-transmitter-icon.jpg"/>
-              <p:cNvPicPr>
-                <a:picLocks noChangeAspect="1" noChangeArrowheads="1"/>
-              </p:cNvPicPr>
-              <p:nvPr/>
-            </p:nvPicPr>
-            <p:blipFill>
-              <a:blip r:embed="rId43" cstate="print"/>
-              <a:srcRect/>
-              <a:stretch>
-                <a:fillRect/>
-              </a:stretch>
-            </p:blipFill>
-            <p:spPr bwMode="auto">
-              <a:xfrm rot="10800000">
-                <a:off x="20955001" y="17373600"/>
-                <a:ext cx="1443976" cy="1086121"/>
-              </a:xfrm>
-              <a:prstGeom prst="rect">
-                <a:avLst/>
-              </a:prstGeom>
-              <a:noFill/>
-            </p:spPr>
-          </p:pic>
-          <p:pic>
-            <p:nvPicPr>
-              <p:cNvPr id="153" name="Picture 152" descr="12091911.png"/>
-              <p:cNvPicPr>
-                <a:picLocks noChangeAspect="1"/>
-              </p:cNvPicPr>
-              <p:nvPr/>
-            </p:nvPicPr>
-            <p:blipFill>
-              <a:blip r:embed="rId46" cstate="print"/>
-              <a:stretch>
-                <a:fillRect/>
-              </a:stretch>
-            </p:blipFill>
-            <p:spPr>
-              <a:xfrm>
-                <a:off x="23774400" y="18364200"/>
-                <a:ext cx="1644161" cy="1295400"/>
-              </a:xfrm>
-              <a:prstGeom prst="rect">
-                <a:avLst/>
-              </a:prstGeom>
-            </p:spPr>
-          </p:pic>
-          <p:sp>
-            <p:nvSpPr>
-              <p:cNvPr id="133" name="TextBox 132"/>
-              <p:cNvSpPr txBox="1"/>
-              <p:nvPr/>
-            </p:nvSpPr>
-            <p:spPr>
-              <a:xfrm>
-                <a:off x="23774400" y="18592800"/>
-                <a:ext cx="1600200" cy="707886"/>
-              </a:xfrm>
-              <a:prstGeom prst="rect">
-                <a:avLst/>
-              </a:prstGeom>
-              <a:noFill/>
-            </p:spPr>
-            <p:txBody>
-              <a:bodyPr wrap="square" rtlCol="0">
-                <a:spAutoFit/>
-              </a:bodyPr>
-              <a:lstStyle/>
-              <a:p>
-                <a:pPr algn="ctr"/>
-                <a:r>
-                  <a:rPr lang="en-US" sz="2000" dirty="0" smtClean="0">
-                    <a:solidFill>
-                      <a:schemeClr val="tx2">
-                        <a:lumMod val="60000"/>
-                        <a:lumOff val="40000"/>
-                      </a:schemeClr>
-                    </a:solidFill>
-                    <a:latin typeface="Ebrima" pitchFamily="2" charset="0"/>
-                    <a:ea typeface="Ebrima" pitchFamily="2" charset="0"/>
-                    <a:cs typeface="Ebrima" pitchFamily="2" charset="0"/>
-                  </a:rPr>
-                  <a:t>Broadcast RF signal</a:t>
-                </a:r>
-                <a:endParaRPr lang="en-US" sz="2000" dirty="0">
-                  <a:solidFill>
-                    <a:schemeClr val="tx2">
-                      <a:lumMod val="60000"/>
-                      <a:lumOff val="40000"/>
-                    </a:schemeClr>
-                  </a:solidFill>
-                  <a:latin typeface="Ebrima" pitchFamily="2" charset="0"/>
-                  <a:ea typeface="Ebrima" pitchFamily="2" charset="0"/>
-                  <a:cs typeface="Ebrima" pitchFamily="2" charset="0"/>
-                </a:endParaRPr>
-              </a:p>
-            </p:txBody>
-          </p:sp>
-          <p:pic>
-            <p:nvPicPr>
-              <p:cNvPr id="159" name="Picture 2" descr="C:\Users\WOODY\Desktop\Image\123GoTV-transmitter-icon.jpg"/>
-              <p:cNvPicPr>
-                <a:picLocks noChangeAspect="1" noChangeArrowheads="1"/>
-              </p:cNvPicPr>
-              <p:nvPr/>
-            </p:nvPicPr>
-            <p:blipFill>
-              <a:blip r:embed="rId43" cstate="print"/>
-              <a:srcRect/>
-              <a:stretch>
-                <a:fillRect/>
-              </a:stretch>
-            </p:blipFill>
-            <p:spPr bwMode="auto">
-              <a:xfrm rot="6577057">
-                <a:off x="22053752" y="18683547"/>
-                <a:ext cx="1443976" cy="1086121"/>
-              </a:xfrm>
-              <a:prstGeom prst="rect">
-                <a:avLst/>
-              </a:prstGeom>
-              <a:noFill/>
-            </p:spPr>
-          </p:pic>
-        </p:grpSp>
-        <p:grpSp>
-          <p:nvGrpSpPr>
-            <p:cNvPr id="197" name="Group 196"/>
-            <p:cNvGrpSpPr/>
-            <p:nvPr/>
-          </p:nvGrpSpPr>
-          <p:grpSpPr>
-            <a:xfrm>
-              <a:off x="10287000" y="13563600"/>
-              <a:ext cx="4419600" cy="2958648"/>
-              <a:chOff x="10287000" y="13563600"/>
-              <a:chExt cx="4419600" cy="2958648"/>
-            </a:xfrm>
-          </p:grpSpPr>
-          <p:sp>
-            <p:nvSpPr>
-              <p:cNvPr id="183" name="TextBox 182"/>
-              <p:cNvSpPr txBox="1"/>
-              <p:nvPr/>
-            </p:nvSpPr>
-            <p:spPr>
-              <a:xfrm>
-                <a:off x="12420600" y="13716000"/>
-                <a:ext cx="1377300" cy="584775"/>
-              </a:xfrm>
-              <a:prstGeom prst="rect">
-                <a:avLst/>
-              </a:prstGeom>
-              <a:noFill/>
-            </p:spPr>
-            <p:txBody>
-              <a:bodyPr wrap="none" rtlCol="0">
-                <a:spAutoFit/>
-              </a:bodyPr>
-              <a:lstStyle/>
-              <a:p>
-                <a:r>
-                  <a:rPr lang="en-US" sz="3200" dirty="0" smtClean="0">
-                    <a:solidFill>
-                      <a:schemeClr val="accent2"/>
-                    </a:solidFill>
-                    <a:latin typeface="Ebrima" pitchFamily="2" charset="0"/>
-                    <a:ea typeface="Ebrima" pitchFamily="2" charset="0"/>
-                    <a:cs typeface="Ebrima" pitchFamily="2" charset="0"/>
-                  </a:rPr>
-                  <a:t>Admin</a:t>
-                </a:r>
-                <a:endParaRPr lang="en-US" sz="3200" dirty="0">
-                  <a:solidFill>
-                    <a:schemeClr val="accent2"/>
-                  </a:solidFill>
-                  <a:latin typeface="Ebrima" pitchFamily="2" charset="0"/>
-                  <a:ea typeface="Ebrima" pitchFamily="2" charset="0"/>
-                  <a:cs typeface="Ebrima" pitchFamily="2" charset="0"/>
-                </a:endParaRPr>
-              </a:p>
-            </p:txBody>
-          </p:sp>
-          <p:pic>
-            <p:nvPicPr>
-              <p:cNvPr id="2051" name="Picture 3" descr="C:\Users\WOODY\Desktop\Image\user.png"/>
-              <p:cNvPicPr>
-                <a:picLocks noChangeAspect="1" noChangeArrowheads="1"/>
-              </p:cNvPicPr>
-              <p:nvPr/>
-            </p:nvPicPr>
-            <p:blipFill>
-              <a:blip r:embed="rId47" cstate="print"/>
-              <a:srcRect/>
-              <a:stretch>
-                <a:fillRect/>
-              </a:stretch>
-            </p:blipFill>
-            <p:spPr bwMode="auto">
-              <a:xfrm>
-                <a:off x="10287000" y="13563600"/>
-                <a:ext cx="2711450" cy="2711450"/>
-              </a:xfrm>
-              <a:prstGeom prst="rect">
-                <a:avLst/>
-              </a:prstGeom>
-              <a:noFill/>
-            </p:spPr>
-          </p:pic>
-          <p:pic>
-            <p:nvPicPr>
-              <p:cNvPr id="138" name="Picture 137" descr="200712811334187778024.png"/>
-              <p:cNvPicPr>
-                <a:picLocks noChangeAspect="1"/>
-              </p:cNvPicPr>
-              <p:nvPr/>
-            </p:nvPicPr>
-            <p:blipFill>
-              <a:blip r:embed="rId34" cstate="print">
-                <a:duotone>
-                  <a:schemeClr val="accent6">
-                    <a:shade val="45000"/>
-                    <a:satMod val="135000"/>
-                  </a:schemeClr>
-                  <a:prstClr val="white"/>
-                </a:duotone>
-                <a:lum bright="-11000" contrast="33000"/>
-              </a:blip>
-              <a:stretch>
-                <a:fillRect/>
-              </a:stretch>
-            </p:blipFill>
-            <p:spPr>
-              <a:xfrm rot="14944043">
-                <a:off x="12736001" y="15403002"/>
-                <a:ext cx="1119246" cy="1119246"/>
-              </a:xfrm>
-              <a:prstGeom prst="rect">
-                <a:avLst/>
-              </a:prstGeom>
-              <a:noFill/>
-            </p:spPr>
-          </p:pic>
-          <p:pic>
-            <p:nvPicPr>
-              <p:cNvPr id="162" name="Picture 161" descr="12091911.png"/>
-              <p:cNvPicPr>
-                <a:picLocks noChangeAspect="1"/>
-              </p:cNvPicPr>
-              <p:nvPr/>
-            </p:nvPicPr>
-            <p:blipFill>
-              <a:blip r:embed="rId38"/>
-              <a:stretch>
-                <a:fillRect/>
-              </a:stretch>
-            </p:blipFill>
-            <p:spPr>
-              <a:xfrm>
-                <a:off x="12344400" y="14144172"/>
-                <a:ext cx="2362200" cy="1600200"/>
-              </a:xfrm>
-              <a:prstGeom prst="rect">
-                <a:avLst/>
-              </a:prstGeom>
-            </p:spPr>
-          </p:pic>
-          <p:sp>
-            <p:nvSpPr>
-              <p:cNvPr id="132" name="TextBox 131"/>
-              <p:cNvSpPr txBox="1"/>
-              <p:nvPr/>
-            </p:nvSpPr>
-            <p:spPr>
-              <a:xfrm>
-                <a:off x="12649200" y="14376737"/>
-                <a:ext cx="1828800" cy="1015663"/>
-              </a:xfrm>
-              <a:prstGeom prst="rect">
-                <a:avLst/>
-              </a:prstGeom>
-              <a:noFill/>
-            </p:spPr>
-            <p:txBody>
-              <a:bodyPr wrap="square" rtlCol="0">
-                <a:spAutoFit/>
-              </a:bodyPr>
-              <a:lstStyle/>
-              <a:p>
-                <a:r>
-                  <a:rPr lang="en-US" sz="2000" dirty="0" smtClean="0">
-                    <a:solidFill>
-                      <a:schemeClr val="tx2">
-                        <a:lumMod val="60000"/>
-                        <a:lumOff val="40000"/>
-                      </a:schemeClr>
-                    </a:solidFill>
-                    <a:latin typeface="Ebrima" pitchFamily="2" charset="0"/>
-                    <a:ea typeface="Ebrima" pitchFamily="2" charset="0"/>
-                    <a:cs typeface="Ebrima" pitchFamily="2" charset="0"/>
-                  </a:rPr>
-                  <a:t>Maintain and update system via Web app</a:t>
-                </a:r>
-                <a:endParaRPr lang="en-US" sz="2000" dirty="0">
-                  <a:solidFill>
-                    <a:schemeClr val="tx2">
-                      <a:lumMod val="60000"/>
-                      <a:lumOff val="40000"/>
-                    </a:schemeClr>
-                  </a:solidFill>
-                  <a:latin typeface="Ebrima" pitchFamily="2" charset="0"/>
-                  <a:ea typeface="Ebrima" pitchFamily="2" charset="0"/>
-                  <a:cs typeface="Ebrima" pitchFamily="2" charset="0"/>
-                </a:endParaRPr>
-              </a:p>
-            </p:txBody>
-          </p:sp>
-        </p:grpSp>
       </p:grpSp>
       <p:sp>
         <p:nvSpPr>
@@ -15807,8 +15021,8 @@
         </p:nvSpPr>
         <p:spPr>
           <a:xfrm>
-            <a:off x="35737800" y="10744200"/>
-            <a:ext cx="5562600" cy="2923877"/>
+            <a:off x="35433000" y="11117520"/>
+            <a:ext cx="5943600" cy="2369880"/>
           </a:xfrm>
           <a:prstGeom prst="rect">
             <a:avLst/>
@@ -15839,116 +15053,72 @@
               <a:buChar char="•"/>
             </a:pPr>
             <a:r>
-              <a:rPr lang="en-US" sz="3200" dirty="0" smtClean="0">
-                <a:solidFill>
-                  <a:schemeClr val="tx2">
-                    <a:lumMod val="60000"/>
-                    <a:lumOff val="40000"/>
-                  </a:schemeClr>
-                </a:solidFill>
+              <a:rPr lang="en-US" sz="2400" dirty="0" smtClean="0">
+                <a:latin typeface="Ebrima" pitchFamily="2" charset="0"/>
+                <a:ea typeface="Ebrima" pitchFamily="2" charset="0"/>
+                <a:cs typeface="Ebrima" pitchFamily="2" charset="0"/>
+              </a:rPr>
+              <a:t> RSSI-distance </a:t>
+            </a:r>
+            <a:r>
+              <a:rPr lang="en-US" sz="2400" dirty="0" smtClean="0">
+                <a:latin typeface="Ebrima" pitchFamily="2" charset="0"/>
+                <a:ea typeface="Ebrima" pitchFamily="2" charset="0"/>
+                <a:cs typeface="Ebrima" pitchFamily="2" charset="0"/>
+              </a:rPr>
+              <a:t>model or RF fingerprinting</a:t>
+            </a:r>
+          </a:p>
+          <a:p>
+            <a:pPr>
+              <a:buFont typeface="Arial" pitchFamily="34" charset="0"/>
+              <a:buChar char="•"/>
+            </a:pPr>
+            <a:r>
+              <a:rPr lang="en-US" sz="2400" dirty="0" smtClean="0">
+                <a:latin typeface="Ebrima" pitchFamily="2" charset="0"/>
+                <a:ea typeface="Ebrima" pitchFamily="2" charset="0"/>
+                <a:cs typeface="Ebrima" pitchFamily="2" charset="0"/>
+              </a:rPr>
+              <a:t> Location update interval</a:t>
+            </a:r>
+          </a:p>
+          <a:p>
+            <a:pPr>
+              <a:buFont typeface="Arial" pitchFamily="34" charset="0"/>
+              <a:buChar char="•"/>
+            </a:pPr>
+            <a:r>
+              <a:rPr lang="en-US" sz="2400" dirty="0" smtClean="0">
+                <a:latin typeface="Ebrima" pitchFamily="2" charset="0"/>
+                <a:ea typeface="Ebrima" pitchFamily="2" charset="0"/>
+                <a:cs typeface="Ebrima" pitchFamily="2" charset="0"/>
+              </a:rPr>
+              <a:t> Geometry of the tracking area</a:t>
+            </a:r>
+          </a:p>
+          <a:p>
+            <a:pPr>
+              <a:buFont typeface="Arial" pitchFamily="34" charset="0"/>
+              <a:buChar char="•"/>
+            </a:pPr>
+            <a:r>
+              <a:rPr lang="en-US" sz="2400" dirty="0" smtClean="0">
+                <a:latin typeface="Ebrima" pitchFamily="2" charset="0"/>
+                <a:ea typeface="Ebrima" pitchFamily="2" charset="0"/>
+                <a:cs typeface="Ebrima" pitchFamily="2" charset="0"/>
+              </a:rPr>
+              <a:t> Identifications, locations, and battery              levels of the TIUs</a:t>
+            </a:r>
+            <a:r>
+              <a:rPr lang="en-US" sz="2400" dirty="0" smtClean="0">
                 <a:latin typeface="Ebrima" pitchFamily="2" charset="0"/>
                 <a:ea typeface="Ebrima" pitchFamily="2" charset="0"/>
                 <a:cs typeface="Ebrima" pitchFamily="2" charset="0"/>
               </a:rPr>
               <a:t> </a:t>
             </a:r>
-            <a:r>
-              <a:rPr lang="en-US" sz="2400" dirty="0" smtClean="0">
-                <a:solidFill>
-                  <a:schemeClr val="tx2">
-                    <a:lumMod val="60000"/>
-                    <a:lumOff val="40000"/>
-                  </a:schemeClr>
-                </a:solidFill>
-                <a:latin typeface="Ebrima" pitchFamily="2" charset="0"/>
-                <a:ea typeface="Ebrima" pitchFamily="2" charset="0"/>
-                <a:cs typeface="Ebrima" pitchFamily="2" charset="0"/>
-              </a:rPr>
-              <a:t>RSSI-distance model or RF </a:t>
-            </a:r>
-          </a:p>
-          <a:p>
-            <a:r>
-              <a:rPr lang="en-US" sz="2400" dirty="0" smtClean="0">
-                <a:solidFill>
-                  <a:schemeClr val="tx2">
-                    <a:lumMod val="60000"/>
-                    <a:lumOff val="40000"/>
-                  </a:schemeClr>
-                </a:solidFill>
-                <a:latin typeface="Ebrima" pitchFamily="2" charset="0"/>
-                <a:ea typeface="Ebrima" pitchFamily="2" charset="0"/>
-                <a:cs typeface="Ebrima" pitchFamily="2" charset="0"/>
-              </a:rPr>
-              <a:t>   fingerprinting</a:t>
-            </a:r>
-          </a:p>
-          <a:p>
-            <a:pPr>
-              <a:buFont typeface="Arial" pitchFamily="34" charset="0"/>
-              <a:buChar char="•"/>
-            </a:pPr>
-            <a:r>
-              <a:rPr lang="en-US" sz="2400" dirty="0" smtClean="0">
-                <a:solidFill>
-                  <a:schemeClr val="tx2">
-                    <a:lumMod val="60000"/>
-                    <a:lumOff val="40000"/>
-                  </a:schemeClr>
-                </a:solidFill>
-                <a:latin typeface="Ebrima" pitchFamily="2" charset="0"/>
-                <a:ea typeface="Ebrima" pitchFamily="2" charset="0"/>
-                <a:cs typeface="Ebrima" pitchFamily="2" charset="0"/>
-              </a:rPr>
-              <a:t> Location update interval</a:t>
-            </a:r>
-          </a:p>
-          <a:p>
-            <a:pPr>
-              <a:buFont typeface="Arial" pitchFamily="34" charset="0"/>
-              <a:buChar char="•"/>
-            </a:pPr>
-            <a:r>
-              <a:rPr lang="en-US" sz="2400" dirty="0" smtClean="0">
-                <a:solidFill>
-                  <a:schemeClr val="tx2">
-                    <a:lumMod val="60000"/>
-                    <a:lumOff val="40000"/>
-                  </a:schemeClr>
-                </a:solidFill>
-                <a:latin typeface="Ebrima" pitchFamily="2" charset="0"/>
-                <a:ea typeface="Ebrima" pitchFamily="2" charset="0"/>
-                <a:cs typeface="Ebrima" pitchFamily="2" charset="0"/>
-              </a:rPr>
-              <a:t> Geometry of the tracking area</a:t>
-            </a:r>
-          </a:p>
-          <a:p>
-            <a:pPr>
-              <a:buFont typeface="Arial" pitchFamily="34" charset="0"/>
-              <a:buChar char="•"/>
-            </a:pPr>
-            <a:r>
-              <a:rPr lang="en-US" sz="2400" dirty="0" smtClean="0">
-                <a:solidFill>
-                  <a:schemeClr val="tx2">
-                    <a:lumMod val="60000"/>
-                    <a:lumOff val="40000"/>
-                  </a:schemeClr>
-                </a:solidFill>
-                <a:latin typeface="Ebrima" pitchFamily="2" charset="0"/>
-                <a:ea typeface="Ebrima" pitchFamily="2" charset="0"/>
-                <a:cs typeface="Ebrima" pitchFamily="2" charset="0"/>
-              </a:rPr>
-              <a:t> Identifications, locations, and battery levels of the TIUs </a:t>
-            </a:r>
             <a:endParaRPr lang="en-US" sz="2400" dirty="0">
-              <a:solidFill>
-                <a:schemeClr val="tx2">
-                  <a:lumMod val="60000"/>
-                  <a:lumOff val="40000"/>
-                </a:schemeClr>
-              </a:solidFill>
               <a:latin typeface="Ebrima" pitchFamily="2" charset="0"/>
               <a:ea typeface="Ebrima" pitchFamily="2" charset="0"/>
               <a:cs typeface="Ebrima" pitchFamily="2" charset="0"/>
@@ -15964,8 +15134,8 @@
         </p:nvSpPr>
         <p:spPr>
           <a:xfrm>
-            <a:off x="37338000" y="8298120"/>
-            <a:ext cx="5562600" cy="2369880"/>
+            <a:off x="37338000" y="8382000"/>
+            <a:ext cx="5562600" cy="2739211"/>
           </a:xfrm>
           <a:prstGeom prst="rect">
             <a:avLst/>
@@ -15997,17 +15167,19 @@
             </a:pPr>
             <a:r>
               <a:rPr lang="en-US" sz="2400" dirty="0" smtClean="0">
-                <a:solidFill>
-                  <a:schemeClr val="tx2">
-                    <a:lumMod val="60000"/>
-                    <a:lumOff val="40000"/>
-                  </a:schemeClr>
-                </a:solidFill>
                 <a:latin typeface="Ebrima" pitchFamily="2" charset="0"/>
                 <a:ea typeface="Ebrima" pitchFamily="2" charset="0"/>
                 <a:cs typeface="Ebrima" pitchFamily="2" charset="0"/>
               </a:rPr>
-              <a:t> User and Admin interface</a:t>
+              <a:t> </a:t>
+            </a:r>
+            <a:r>
+              <a:rPr lang="en-US" sz="2400" dirty="0" smtClean="0">
+                <a:latin typeface="Ebrima" pitchFamily="2" charset="0"/>
+                <a:ea typeface="Ebrima" pitchFamily="2" charset="0"/>
+                <a:cs typeface="Ebrima" pitchFamily="2" charset="0"/>
+              </a:rPr>
+              <a:t>User and Admin interface</a:t>
             </a:r>
           </a:p>
           <a:p>
@@ -16017,17 +15189,11 @@
             </a:pPr>
             <a:r>
               <a:rPr lang="en-US" sz="2400" dirty="0" smtClean="0">
-                <a:solidFill>
-                  <a:schemeClr val="tx2">
-                    <a:lumMod val="60000"/>
-                    <a:lumOff val="40000"/>
-                  </a:schemeClr>
-                </a:solidFill>
                 <a:latin typeface="Ebrima" pitchFamily="2" charset="0"/>
                 <a:ea typeface="Ebrima" pitchFamily="2" charset="0"/>
                 <a:cs typeface="Ebrima" pitchFamily="2" charset="0"/>
               </a:rPr>
-              <a:t> 2D map display</a:t>
+              <a:t> Interactive 2D map</a:t>
             </a:r>
           </a:p>
           <a:p>
@@ -16037,17 +15203,11 @@
             </a:pPr>
             <a:r>
               <a:rPr lang="en-US" sz="2400" dirty="0" smtClean="0">
-                <a:solidFill>
-                  <a:schemeClr val="tx2">
-                    <a:lumMod val="60000"/>
-                    <a:lumOff val="40000"/>
-                  </a:schemeClr>
-                </a:solidFill>
                 <a:latin typeface="Ebrima" pitchFamily="2" charset="0"/>
                 <a:ea typeface="Ebrima" pitchFamily="2" charset="0"/>
                 <a:cs typeface="Ebrima" pitchFamily="2" charset="0"/>
               </a:rPr>
-              <a:t> Search TIU via ID</a:t>
+              <a:t> Search TIU and detector via ID</a:t>
             </a:r>
           </a:p>
           <a:p>
@@ -16057,17 +15217,11 @@
             </a:pPr>
             <a:r>
               <a:rPr lang="en-US" sz="2400" dirty="0" smtClean="0">
-                <a:solidFill>
-                  <a:schemeClr val="tx2">
-                    <a:lumMod val="60000"/>
-                    <a:lumOff val="40000"/>
-                  </a:schemeClr>
-                </a:solidFill>
                 <a:latin typeface="Ebrima" pitchFamily="2" charset="0"/>
                 <a:ea typeface="Ebrima" pitchFamily="2" charset="0"/>
                 <a:cs typeface="Ebrima" pitchFamily="2" charset="0"/>
               </a:rPr>
-              <a:t> View location history of TIUs</a:t>
+              <a:t> Show battery level</a:t>
             </a:r>
           </a:p>
           <a:p>
@@ -16077,25 +15231,35 @@
             </a:pPr>
             <a:r>
               <a:rPr lang="en-US" sz="2400" dirty="0" smtClean="0">
-                <a:solidFill>
-                  <a:schemeClr val="tx2">
-                    <a:lumMod val="60000"/>
-                    <a:lumOff val="40000"/>
-                  </a:schemeClr>
-                </a:solidFill>
                 <a:latin typeface="Ebrima" pitchFamily="2" charset="0"/>
                 <a:ea typeface="Ebrima" pitchFamily="2" charset="0"/>
                 <a:cs typeface="Ebrima" pitchFamily="2" charset="0"/>
               </a:rPr>
-              <a:t> Show battery level   </a:t>
+              <a:t> Add and remove tag/detector</a:t>
+            </a:r>
+          </a:p>
+          <a:p>
+            <a:pPr>
+              <a:buFont typeface="Arial" pitchFamily="34" charset="0"/>
+              <a:buChar char="•"/>
+            </a:pPr>
+            <a:r>
+              <a:rPr lang="en-US" sz="2400" dirty="0" smtClean="0">
+                <a:latin typeface="Ebrima" pitchFamily="2" charset="0"/>
+                <a:ea typeface="Ebrima" pitchFamily="2" charset="0"/>
+                <a:cs typeface="Ebrima" pitchFamily="2" charset="0"/>
+              </a:rPr>
+              <a:t> Change  geometry of tracking area</a:t>
+            </a:r>
+            <a:r>
+              <a:rPr lang="en-US" sz="2400" dirty="0" smtClean="0">
+                <a:latin typeface="Ebrima" pitchFamily="2" charset="0"/>
+                <a:ea typeface="Ebrima" pitchFamily="2" charset="0"/>
+                <a:cs typeface="Ebrima" pitchFamily="2" charset="0"/>
+              </a:rPr>
+              <a:t>   </a:t>
             </a:r>
             <a:endParaRPr lang="en-US" sz="2400" dirty="0">
-              <a:solidFill>
-                <a:schemeClr val="tx2">
-                  <a:lumMod val="60000"/>
-                  <a:lumOff val="40000"/>
-                </a:schemeClr>
-              </a:solidFill>
               <a:latin typeface="Ebrima" pitchFamily="2" charset="0"/>
               <a:ea typeface="Ebrima" pitchFamily="2" charset="0"/>
               <a:cs typeface="Ebrima" pitchFamily="2" charset="0"/>
@@ -16134,14 +15298,187 @@
                 <a:ea typeface="Ebrima" pitchFamily="2" charset="0"/>
                 <a:cs typeface="Ebrima" pitchFamily="2" charset="0"/>
               </a:rPr>
-              <a:t>Java script</a:t>
+              <a:t>Controller</a:t>
             </a:r>
+            <a:endParaRPr lang="en-US" sz="2800" dirty="0" smtClean="0">
+              <a:solidFill>
+                <a:schemeClr val="accent2"/>
+              </a:solidFill>
+              <a:latin typeface="Ebrima" pitchFamily="2" charset="0"/>
+              <a:ea typeface="Ebrima" pitchFamily="2" charset="0"/>
+              <a:cs typeface="Ebrima" pitchFamily="2" charset="0"/>
+            </a:endParaRPr>
           </a:p>
           <a:p>
             <a:pPr>
               <a:buFont typeface="Arial" pitchFamily="34" charset="0"/>
               <a:buChar char="•"/>
             </a:pPr>
+            <a:r>
+              <a:rPr lang="en-US" sz="2400" dirty="0" smtClean="0">
+                <a:latin typeface="Ebrima" pitchFamily="2" charset="0"/>
+                <a:ea typeface="Ebrima" pitchFamily="2" charset="0"/>
+                <a:cs typeface="Ebrima" pitchFamily="2" charset="0"/>
+              </a:rPr>
+              <a:t> Daniel part</a:t>
+            </a:r>
+          </a:p>
+          <a:p>
+            <a:pPr>
+              <a:buFont typeface="Arial" pitchFamily="34" charset="0"/>
+              <a:buChar char="•"/>
+            </a:pPr>
+            <a:r>
+              <a:rPr lang="en-US" sz="2400" dirty="0" smtClean="0">
+                <a:latin typeface="Ebrima" pitchFamily="2" charset="0"/>
+                <a:ea typeface="Ebrima" pitchFamily="2" charset="0"/>
+                <a:cs typeface="Ebrima" pitchFamily="2" charset="0"/>
+              </a:rPr>
+              <a:t> …………………..  </a:t>
+            </a:r>
+            <a:endParaRPr lang="en-US" sz="2400" dirty="0">
+              <a:latin typeface="Ebrima" pitchFamily="2" charset="0"/>
+              <a:ea typeface="Ebrima" pitchFamily="2" charset="0"/>
+              <a:cs typeface="Ebrima" pitchFamily="2" charset="0"/>
+            </a:endParaRPr>
+          </a:p>
+        </p:txBody>
+      </p:sp>
+      <p:sp>
+        <p:nvSpPr>
+          <p:cNvPr id="167" name="TextBox 166"/>
+          <p:cNvSpPr txBox="1"/>
+          <p:nvPr/>
+        </p:nvSpPr>
+        <p:spPr>
+          <a:xfrm>
+            <a:off x="26974800" y="6172200"/>
+            <a:ext cx="5562600" cy="2369880"/>
+          </a:xfrm>
+          <a:prstGeom prst="rect">
+            <a:avLst/>
+          </a:prstGeom>
+          <a:noFill/>
+        </p:spPr>
+        <p:txBody>
+          <a:bodyPr wrap="square" rtlCol="0">
+            <a:spAutoFit/>
+          </a:bodyPr>
+          <a:lstStyle/>
+          <a:p>
+            <a:r>
+              <a:rPr lang="en-US" sz="2800" dirty="0" smtClean="0">
+                <a:solidFill>
+                  <a:schemeClr val="accent2"/>
+                </a:solidFill>
+                <a:latin typeface="Ebrima" pitchFamily="2" charset="0"/>
+                <a:ea typeface="Ebrima" pitchFamily="2" charset="0"/>
+                <a:cs typeface="Ebrima" pitchFamily="2" charset="0"/>
+              </a:rPr>
+              <a:t>Asset Tag</a:t>
+            </a:r>
+          </a:p>
+          <a:p>
+            <a:pPr>
+              <a:buFont typeface="Arial" pitchFamily="34" charset="0"/>
+              <a:buChar char="•"/>
+            </a:pPr>
+            <a:r>
+              <a:rPr lang="en-US" sz="2400" dirty="0" smtClean="0">
+                <a:latin typeface="Ebrima" pitchFamily="2" charset="0"/>
+                <a:ea typeface="Ebrima" pitchFamily="2" charset="0"/>
+                <a:cs typeface="Ebrima" pitchFamily="2" charset="0"/>
+              </a:rPr>
+              <a:t> </a:t>
+            </a:r>
+            <a:r>
+              <a:rPr lang="en-US" sz="2400" dirty="0" smtClean="0">
+                <a:latin typeface="Ebrima" pitchFamily="2" charset="0"/>
+                <a:ea typeface="Ebrima" pitchFamily="2" charset="0"/>
+                <a:cs typeface="Ebrima" pitchFamily="2" charset="0"/>
+              </a:rPr>
+              <a:t>Size</a:t>
+            </a:r>
+            <a:r>
+              <a:rPr lang="en-US" sz="2400" dirty="0" smtClean="0">
+                <a:latin typeface="Ebrima" pitchFamily="2" charset="0"/>
+                <a:ea typeface="Ebrima" pitchFamily="2" charset="0"/>
+                <a:cs typeface="Ebrima" pitchFamily="2" charset="0"/>
+              </a:rPr>
+              <a:t>: 1”x1”x1”</a:t>
+            </a:r>
+          </a:p>
+          <a:p>
+            <a:pPr>
+              <a:buFont typeface="Arial" pitchFamily="34" charset="0"/>
+              <a:buChar char="•"/>
+            </a:pPr>
+            <a:r>
+              <a:rPr lang="en-US" sz="2400" dirty="0" smtClean="0">
+                <a:latin typeface="Ebrima" pitchFamily="2" charset="0"/>
+                <a:ea typeface="Ebrima" pitchFamily="2" charset="0"/>
+                <a:cs typeface="Ebrima" pitchFamily="2" charset="0"/>
+              </a:rPr>
+              <a:t> </a:t>
+            </a:r>
+            <a:r>
+              <a:rPr lang="en-US" sz="2400" dirty="0" smtClean="0">
+                <a:latin typeface="Ebrima" pitchFamily="2" charset="0"/>
+                <a:ea typeface="Ebrima" pitchFamily="2" charset="0"/>
+                <a:cs typeface="Ebrima" pitchFamily="2" charset="0"/>
+              </a:rPr>
+              <a:t>Use </a:t>
+            </a:r>
+            <a:r>
+              <a:rPr lang="en-US" sz="2400" dirty="0" smtClean="0">
+                <a:latin typeface="Ebrima" pitchFamily="2" charset="0"/>
+                <a:ea typeface="Ebrima" pitchFamily="2" charset="0"/>
+                <a:cs typeface="Ebrima" pitchFamily="2" charset="0"/>
+              </a:rPr>
+              <a:t>RF12B transceiver with 434MHz</a:t>
+            </a:r>
+          </a:p>
+          <a:p>
+            <a:pPr>
+              <a:buFont typeface="Arial" pitchFamily="34" charset="0"/>
+              <a:buChar char="•"/>
+            </a:pPr>
+            <a:r>
+              <a:rPr lang="en-US" sz="2400" dirty="0" smtClean="0">
+                <a:latin typeface="Ebrima" pitchFamily="2" charset="0"/>
+                <a:ea typeface="Ebrima" pitchFamily="2" charset="0"/>
+                <a:cs typeface="Ebrima" pitchFamily="2" charset="0"/>
+              </a:rPr>
+              <a:t> Use MCU ATMega328p</a:t>
+            </a:r>
+          </a:p>
+          <a:p>
+            <a:pPr>
+              <a:buFont typeface="Arial" pitchFamily="34" charset="0"/>
+              <a:buChar char="•"/>
+            </a:pPr>
+            <a:r>
+              <a:rPr lang="en-US" sz="2400" dirty="0" smtClean="0">
+                <a:latin typeface="Ebrima" pitchFamily="2" charset="0"/>
+                <a:ea typeface="Ebrima" pitchFamily="2" charset="0"/>
+                <a:cs typeface="Ebrima" pitchFamily="2" charset="0"/>
+              </a:rPr>
+              <a:t> Use coin cell 20mm battery</a:t>
+            </a:r>
+          </a:p>
+          <a:p>
+            <a:pPr>
+              <a:buFont typeface="Arial" pitchFamily="34" charset="0"/>
+              <a:buChar char="•"/>
+            </a:pPr>
+            <a:r>
+              <a:rPr lang="en-US" sz="2400" dirty="0" smtClean="0">
+                <a:latin typeface="Ebrima" pitchFamily="2" charset="0"/>
+                <a:ea typeface="Ebrima" pitchFamily="2" charset="0"/>
+                <a:cs typeface="Ebrima" pitchFamily="2" charset="0"/>
+              </a:rPr>
+              <a:t> Battery life: more than 1 month</a:t>
+            </a:r>
             <a:r>
               <a:rPr lang="en-US" sz="2400" dirty="0" smtClean="0">
                 <a:solidFill>
@@ -16154,194 +15491,7 @@
                 <a:ea typeface="Ebrima" pitchFamily="2" charset="0"/>
                 <a:cs typeface="Ebrima" pitchFamily="2" charset="0"/>
               </a:rPr>
-              <a:t> Add and remove tag/detector</a:t>
-            </a:r>
-          </a:p>
-          <a:p>
-            <a:pPr>
-              <a:buFont typeface="Arial" pitchFamily="34" charset="0"/>
-              <a:buChar char="•"/>
-            </a:pPr>
-            <a:r>
-              <a:rPr lang="en-US" sz="2400" dirty="0" smtClean="0">
-                <a:solidFill>
-                  <a:schemeClr val="tx2">
-                    <a:lumMod val="60000"/>
-                    <a:lumOff val="40000"/>
-                  </a:schemeClr>
-                </a:solidFill>
-                <a:latin typeface="Ebrima" pitchFamily="2" charset="0"/>
-                <a:ea typeface="Ebrima" pitchFamily="2" charset="0"/>
-                <a:cs typeface="Ebrima" pitchFamily="2" charset="0"/>
-              </a:rPr>
-              <a:t> Change  geometry of tracking area   </a:t>
-            </a:r>
-            <a:endParaRPr lang="en-US" sz="2400" dirty="0">
-              <a:solidFill>
-                <a:schemeClr val="tx2">
-                  <a:lumMod val="60000"/>
-                  <a:lumOff val="40000"/>
-                </a:schemeClr>
-              </a:solidFill>
-              <a:latin typeface="Ebrima" pitchFamily="2" charset="0"/>
-              <a:ea typeface="Ebrima" pitchFamily="2" charset="0"/>
-              <a:cs typeface="Ebrima" pitchFamily="2" charset="0"/>
-            </a:endParaRPr>
-          </a:p>
-        </p:txBody>
-      </p:sp>
-      <p:sp>
-        <p:nvSpPr>
-          <p:cNvPr id="167" name="TextBox 166"/>
-          <p:cNvSpPr txBox="1"/>
-          <p:nvPr/>
-        </p:nvSpPr>
-        <p:spPr>
-          <a:xfrm>
-            <a:off x="26974800" y="6172200"/>
-            <a:ext cx="5562600" cy="2739211"/>
-          </a:xfrm>
-          <a:prstGeom prst="rect">
-            <a:avLst/>
-          </a:prstGeom>
-          <a:noFill/>
-        </p:spPr>
-        <p:txBody>
-          <a:bodyPr wrap="square" rtlCol="0">
-            <a:spAutoFit/>
-          </a:bodyPr>
-          <a:lstStyle/>
-          <a:p>
-            <a:r>
-              <a:rPr lang="en-US" sz="2800" dirty="0" smtClean="0">
-                <a:solidFill>
-                  <a:schemeClr val="accent2"/>
-                </a:solidFill>
-                <a:latin typeface="Ebrima" pitchFamily="2" charset="0"/>
-                <a:ea typeface="Ebrima" pitchFamily="2" charset="0"/>
-                <a:cs typeface="Ebrima" pitchFamily="2" charset="0"/>
-              </a:rPr>
-              <a:t>Asset Tag</a:t>
-            </a:r>
-          </a:p>
-          <a:p>
-            <a:pPr>
-              <a:buFont typeface="Arial" pitchFamily="34" charset="0"/>
-              <a:buChar char="•"/>
-            </a:pPr>
-            <a:r>
-              <a:rPr lang="en-US" sz="2400" dirty="0" smtClean="0">
-                <a:solidFill>
-                  <a:schemeClr val="tx2">
-                    <a:lumMod val="60000"/>
-                    <a:lumOff val="40000"/>
-                  </a:schemeClr>
-                </a:solidFill>
-                <a:latin typeface="Ebrima" pitchFamily="2" charset="0"/>
-                <a:ea typeface="Ebrima" pitchFamily="2" charset="0"/>
-                <a:cs typeface="Ebrima" pitchFamily="2" charset="0"/>
-              </a:rPr>
-              <a:t> Size: 1”x1”x1”</a:t>
-            </a:r>
-          </a:p>
-          <a:p>
-            <a:pPr>
-              <a:buFont typeface="Arial" pitchFamily="34" charset="0"/>
-              <a:buChar char="•"/>
-            </a:pPr>
-            <a:r>
-              <a:rPr lang="en-US" sz="2400" dirty="0" smtClean="0">
-                <a:solidFill>
-                  <a:schemeClr val="tx2">
-                    <a:lumMod val="60000"/>
-                    <a:lumOff val="40000"/>
-                  </a:schemeClr>
-                </a:solidFill>
-                <a:latin typeface="Ebrima" pitchFamily="2" charset="0"/>
-                <a:ea typeface="Ebrima" pitchFamily="2" charset="0"/>
-                <a:cs typeface="Ebrima" pitchFamily="2" charset="0"/>
-              </a:rPr>
-              <a:t> Main board and RF12 breakout board</a:t>
-            </a:r>
-          </a:p>
-          <a:p>
-            <a:pPr>
-              <a:buFont typeface="Arial" pitchFamily="34" charset="0"/>
-              <a:buChar char="•"/>
-            </a:pPr>
-            <a:r>
-              <a:rPr lang="en-US" sz="2400" dirty="0" smtClean="0">
-                <a:solidFill>
-                  <a:schemeClr val="tx2">
-                    <a:lumMod val="60000"/>
-                    <a:lumOff val="40000"/>
-                  </a:schemeClr>
-                </a:solidFill>
-                <a:latin typeface="Ebrima" pitchFamily="2" charset="0"/>
-                <a:ea typeface="Ebrima" pitchFamily="2" charset="0"/>
-                <a:cs typeface="Ebrima" pitchFamily="2" charset="0"/>
-              </a:rPr>
-              <a:t> Use RF12B transceiver with 434MHz</a:t>
-            </a:r>
-          </a:p>
-          <a:p>
-            <a:pPr>
-              <a:buFont typeface="Arial" pitchFamily="34" charset="0"/>
-              <a:buChar char="•"/>
-            </a:pPr>
-            <a:r>
-              <a:rPr lang="en-US" sz="2400" dirty="0" smtClean="0">
-                <a:solidFill>
-                  <a:schemeClr val="tx2">
-                    <a:lumMod val="60000"/>
-                    <a:lumOff val="40000"/>
-                  </a:schemeClr>
-                </a:solidFill>
-                <a:latin typeface="Ebrima" pitchFamily="2" charset="0"/>
-                <a:ea typeface="Ebrima" pitchFamily="2" charset="0"/>
-                <a:cs typeface="Ebrima" pitchFamily="2" charset="0"/>
-              </a:rPr>
-              <a:t> Use MCU ATMega328p</a:t>
-            </a:r>
-          </a:p>
-          <a:p>
-            <a:pPr>
-              <a:buFont typeface="Arial" pitchFamily="34" charset="0"/>
-              <a:buChar char="•"/>
-            </a:pPr>
-            <a:r>
-              <a:rPr lang="en-US" sz="2400" dirty="0" smtClean="0">
-                <a:solidFill>
-                  <a:schemeClr val="tx2">
-                    <a:lumMod val="60000"/>
-                    <a:lumOff val="40000"/>
-                  </a:schemeClr>
-                </a:solidFill>
-                <a:latin typeface="Ebrima" pitchFamily="2" charset="0"/>
-                <a:ea typeface="Ebrima" pitchFamily="2" charset="0"/>
-                <a:cs typeface="Ebrima" pitchFamily="2" charset="0"/>
-              </a:rPr>
-              <a:t> Use coin cell 20mm battery</a:t>
-            </a:r>
-          </a:p>
-          <a:p>
-            <a:pPr>
-              <a:buFont typeface="Arial" pitchFamily="34" charset="0"/>
-              <a:buChar char="•"/>
-            </a:pPr>
-            <a:r>
-              <a:rPr lang="en-US" sz="2400" dirty="0" smtClean="0">
-                <a:solidFill>
-                  <a:schemeClr val="tx2">
-                    <a:lumMod val="60000"/>
-                    <a:lumOff val="40000"/>
-                  </a:schemeClr>
-                </a:solidFill>
-                <a:latin typeface="Ebrima" pitchFamily="2" charset="0"/>
-                <a:ea typeface="Ebrima" pitchFamily="2" charset="0"/>
-                <a:cs typeface="Ebrima" pitchFamily="2" charset="0"/>
-              </a:rPr>
-              <a:t> Battery life: more than 1 month   </a:t>
+              <a:t>   </a:t>
             </a:r>
             <a:endParaRPr lang="en-US" sz="2400" dirty="0">
               <a:solidFill>
@@ -16398,12 +15548,6 @@
             </a:pPr>
             <a:r>
               <a:rPr lang="en-US" sz="2400" dirty="0" smtClean="0">
-                <a:solidFill>
-                  <a:schemeClr val="tx2">
-                    <a:lumMod val="60000"/>
-                    <a:lumOff val="40000"/>
-                  </a:schemeClr>
-                </a:solidFill>
                 <a:latin typeface="Ebrima" pitchFamily="2" charset="0"/>
                 <a:ea typeface="Ebrima" pitchFamily="2" charset="0"/>
                 <a:cs typeface="Ebrima" pitchFamily="2" charset="0"/>
@@ -16418,12 +15562,6 @@
             </a:pPr>
             <a:r>
               <a:rPr lang="en-US" sz="2400" dirty="0" smtClean="0">
-                <a:solidFill>
-                  <a:schemeClr val="tx2">
-                    <a:lumMod val="60000"/>
-                    <a:lumOff val="40000"/>
-                  </a:schemeClr>
-                </a:solidFill>
                 <a:latin typeface="Ebrima" pitchFamily="2" charset="0"/>
                 <a:ea typeface="Ebrima" pitchFamily="2" charset="0"/>
                 <a:cs typeface="Ebrima" pitchFamily="2" charset="0"/>
@@ -16434,12 +15572,6 @@
           <a:p>
             <a:r>
               <a:rPr lang="en-US" sz="2400" dirty="0" smtClean="0">
-                <a:solidFill>
-                  <a:schemeClr val="tx2">
-                    <a:lumMod val="60000"/>
-                    <a:lumOff val="40000"/>
-                  </a:schemeClr>
-                </a:solidFill>
                 <a:latin typeface="Ebrima" pitchFamily="2" charset="0"/>
                 <a:ea typeface="Ebrima" pitchFamily="2" charset="0"/>
                 <a:cs typeface="Ebrima" pitchFamily="2" charset="0"/>
@@ -16454,12 +15586,6 @@
             </a:pPr>
             <a:r>
               <a:rPr lang="en-US" sz="2400" dirty="0" smtClean="0">
-                <a:solidFill>
-                  <a:schemeClr val="tx2">
-                    <a:lumMod val="60000"/>
-                    <a:lumOff val="40000"/>
-                  </a:schemeClr>
-                </a:solidFill>
                 <a:latin typeface="Ebrima" pitchFamily="2" charset="0"/>
                 <a:ea typeface="Ebrima" pitchFamily="2" charset="0"/>
                 <a:cs typeface="Ebrima" pitchFamily="2" charset="0"/>
@@ -16474,12 +15600,6 @@
             </a:pPr>
             <a:r>
               <a:rPr lang="en-US" sz="2400" dirty="0" smtClean="0">
-                <a:solidFill>
-                  <a:schemeClr val="tx2">
-                    <a:lumMod val="60000"/>
-                    <a:lumOff val="40000"/>
-                  </a:schemeClr>
-                </a:solidFill>
                 <a:latin typeface="Ebrima" pitchFamily="2" charset="0"/>
                 <a:ea typeface="Ebrima" pitchFamily="2" charset="0"/>
                 <a:cs typeface="Ebrima" pitchFamily="2" charset="0"/>
@@ -16487,12 +15607,6 @@
               <a:t> Use 9V battery/adapter</a:t>
             </a:r>
             <a:endParaRPr lang="en-US" sz="2400" dirty="0">
-              <a:solidFill>
-                <a:schemeClr val="tx2">
-                  <a:lumMod val="60000"/>
-                  <a:lumOff val="40000"/>
-                </a:schemeClr>
-              </a:solidFill>
               <a:latin typeface="Ebrima" pitchFamily="2" charset="0"/>
               <a:ea typeface="Ebrima" pitchFamily="2" charset="0"/>
               <a:cs typeface="Ebrima" pitchFamily="2" charset="0"/>
@@ -16541,12 +15655,6 @@
             </a:pPr>
             <a:r>
               <a:rPr lang="en-US" sz="2400" dirty="0" smtClean="0">
-                <a:solidFill>
-                  <a:schemeClr val="tx2">
-                    <a:lumMod val="60000"/>
-                    <a:lumOff val="40000"/>
-                  </a:schemeClr>
-                </a:solidFill>
                 <a:latin typeface="Ebrima" pitchFamily="2" charset="0"/>
                 <a:ea typeface="Ebrima" pitchFamily="2" charset="0"/>
                 <a:cs typeface="Ebrima" pitchFamily="2" charset="0"/>
@@ -16555,12 +15663,6 @@
             </a:r>
             <a:r>
               <a:rPr lang="en-US" sz="2400" dirty="0" err="1" smtClean="0">
-                <a:solidFill>
-                  <a:schemeClr val="tx2">
-                    <a:lumMod val="60000"/>
-                    <a:lumOff val="40000"/>
-                  </a:schemeClr>
-                </a:solidFill>
                 <a:latin typeface="Ebrima" pitchFamily="2" charset="0"/>
                 <a:ea typeface="Ebrima" pitchFamily="2" charset="0"/>
                 <a:cs typeface="Ebrima" pitchFamily="2" charset="0"/>
@@ -16569,12 +15671,6 @@
             </a:r>
             <a:r>
               <a:rPr lang="en-US" sz="2400" dirty="0" smtClean="0">
-                <a:solidFill>
-                  <a:schemeClr val="tx2">
-                    <a:lumMod val="60000"/>
-                    <a:lumOff val="40000"/>
-                  </a:schemeClr>
-                </a:solidFill>
                 <a:latin typeface="Ebrima" pitchFamily="2" charset="0"/>
                 <a:ea typeface="Ebrima" pitchFamily="2" charset="0"/>
                 <a:cs typeface="Ebrima" pitchFamily="2" charset="0"/>
@@ -16589,12 +15685,6 @@
             </a:pPr>
             <a:r>
               <a:rPr lang="en-US" sz="2400" dirty="0" smtClean="0">
-                <a:solidFill>
-                  <a:schemeClr val="tx2">
-                    <a:lumMod val="60000"/>
-                    <a:lumOff val="40000"/>
-                  </a:schemeClr>
-                </a:solidFill>
                 <a:latin typeface="Ebrima" pitchFamily="2" charset="0"/>
                 <a:ea typeface="Ebrima" pitchFamily="2" charset="0"/>
                 <a:cs typeface="Ebrima" pitchFamily="2" charset="0"/>
@@ -16609,12 +15699,6 @@
             </a:pPr>
             <a:r>
               <a:rPr lang="en-US" sz="2400" dirty="0" smtClean="0">
-                <a:solidFill>
-                  <a:schemeClr val="tx2">
-                    <a:lumMod val="60000"/>
-                    <a:lumOff val="40000"/>
-                  </a:schemeClr>
-                </a:solidFill>
                 <a:latin typeface="Ebrima" pitchFamily="2" charset="0"/>
                 <a:ea typeface="Ebrima" pitchFamily="2" charset="0"/>
                 <a:cs typeface="Ebrima" pitchFamily="2" charset="0"/>
@@ -16629,12 +15713,6 @@
             </a:pPr>
             <a:r>
               <a:rPr lang="en-US" sz="2400" dirty="0" smtClean="0">
-                <a:solidFill>
-                  <a:schemeClr val="tx2">
-                    <a:lumMod val="60000"/>
-                    <a:lumOff val="40000"/>
-                  </a:schemeClr>
-                </a:solidFill>
                 <a:latin typeface="Ebrima" pitchFamily="2" charset="0"/>
                 <a:ea typeface="Ebrima" pitchFamily="2" charset="0"/>
                 <a:cs typeface="Ebrima" pitchFamily="2" charset="0"/>
@@ -16642,12 +15720,6 @@
               <a:t> Use 9V battery/adaptor   </a:t>
             </a:r>
             <a:endParaRPr lang="en-US" sz="2400" dirty="0">
-              <a:solidFill>
-                <a:schemeClr val="tx2">
-                  <a:lumMod val="60000"/>
-                  <a:lumOff val="40000"/>
-                </a:schemeClr>
-              </a:solidFill>
               <a:latin typeface="Ebrima" pitchFamily="2" charset="0"/>
               <a:ea typeface="Ebrima" pitchFamily="2" charset="0"/>
               <a:cs typeface="Ebrima" pitchFamily="2" charset="0"/>
@@ -16663,7 +15735,7 @@
         </p:nvSpPr>
         <p:spPr>
           <a:xfrm>
-            <a:off x="26593800" y="20650200"/>
+            <a:off x="26593800" y="21412200"/>
             <a:ext cx="8153400" cy="3581400"/>
           </a:xfrm>
           <a:prstGeom prst="roundRect">
@@ -16712,7 +15784,7 @@
         </p:nvSpPr>
         <p:spPr>
           <a:xfrm>
-            <a:off x="28879800" y="19888200"/>
+            <a:off x="28879800" y="20650200"/>
             <a:ext cx="3223959" cy="830997"/>
           </a:xfrm>
           <a:prstGeom prst="rect">
@@ -16757,14 +15829,14 @@
           <p:nvPr/>
         </p:nvPicPr>
         <p:blipFill>
-          <a:blip r:embed="rId48" cstate="print"/>
+          <a:blip r:embed="rId46" cstate="print"/>
           <a:stretch>
             <a:fillRect/>
           </a:stretch>
         </p:blipFill>
         <p:spPr>
           <a:xfrm>
-            <a:off x="26822400" y="19888200"/>
+            <a:off x="26822400" y="20650200"/>
             <a:ext cx="2286000" cy="1524000"/>
           </a:xfrm>
           <a:prstGeom prst="rect">
@@ -16780,7 +15852,7 @@
         </p:nvSpPr>
         <p:spPr>
           <a:xfrm>
-            <a:off x="26898600" y="21183600"/>
+            <a:off x="26898600" y="21945600"/>
             <a:ext cx="7696200" cy="1815882"/>
           </a:xfrm>
           <a:prstGeom prst="rect">
@@ -16859,12 +15931,12 @@
           <p:nvPr/>
         </p:nvGraphicFramePr>
         <p:xfrm>
-          <a:off x="26946367" y="22980650"/>
+          <a:off x="26946367" y="23742650"/>
           <a:ext cx="7462373" cy="1174750"/>
         </p:xfrm>
         <a:graphic>
           <a:graphicData uri="http://schemas.openxmlformats.org/presentationml/2006/ole">
-            <p:oleObj spid="_x0000_s2053" name="Equation" r:id="rId49" imgW="3708360" imgH="583920" progId="Equation.3">
+            <p:oleObj spid="_x0000_s2053" name="Equation" r:id="rId47" imgW="3708360" imgH="583920" progId="Equation.3">
               <p:embed/>
             </p:oleObj>
           </a:graphicData>
@@ -16878,7 +15950,7 @@
         </p:nvSpPr>
         <p:spPr>
           <a:xfrm>
-            <a:off x="34975800" y="20650200"/>
+            <a:off x="34975800" y="21412200"/>
             <a:ext cx="7968342" cy="3581400"/>
           </a:xfrm>
           <a:prstGeom prst="roundRect">
@@ -16927,7 +15999,7 @@
         </p:nvSpPr>
         <p:spPr>
           <a:xfrm>
-            <a:off x="36788596" y="19888200"/>
+            <a:off x="36788596" y="20650200"/>
             <a:ext cx="2606804" cy="830997"/>
           </a:xfrm>
           <a:prstGeom prst="rect">
@@ -16971,7 +16043,7 @@
         </p:nvSpPr>
         <p:spPr>
           <a:xfrm>
-            <a:off x="35168893" y="21183600"/>
+            <a:off x="35168893" y="21945600"/>
             <a:ext cx="7624273" cy="523220"/>
           </a:xfrm>
           <a:prstGeom prst="rect">
@@ -17008,14 +16080,14 @@
           <p:nvPr/>
         </p:nvPicPr>
         <p:blipFill>
-          <a:blip r:embed="rId50"/>
+          <a:blip r:embed="rId48"/>
           <a:stretch>
             <a:fillRect/>
           </a:stretch>
         </p:blipFill>
         <p:spPr>
           <a:xfrm>
-            <a:off x="35585400" y="20011572"/>
+            <a:off x="35585400" y="20773572"/>
             <a:ext cx="1219200" cy="1219200"/>
           </a:xfrm>
           <a:prstGeom prst="rect">
@@ -17023,6 +16095,118 @@
           </a:prstGeom>
         </p:spPr>
       </p:pic>
+      <p:sp>
+        <p:nvSpPr>
+          <p:cNvPr id="185" name="TextBox 184"/>
+          <p:cNvSpPr txBox="1"/>
+          <p:nvPr/>
+        </p:nvSpPr>
+        <p:spPr>
+          <a:xfrm>
+            <a:off x="14020800" y="13868400"/>
+            <a:ext cx="2743200" cy="646331"/>
+          </a:xfrm>
+          <a:prstGeom prst="rect">
+            <a:avLst/>
+          </a:prstGeom>
+          <a:noFill/>
+        </p:spPr>
+        <p:txBody>
+          <a:bodyPr wrap="square" rtlCol="0">
+            <a:spAutoFit/>
+          </a:bodyPr>
+          <a:lstStyle/>
+          <a:p>
+            <a:pPr algn="ctr"/>
+            <a:r>
+              <a:rPr lang="en-US" sz="3600" dirty="0" smtClean="0">
+                <a:solidFill>
+                  <a:schemeClr val="tx2">
+                    <a:lumMod val="60000"/>
+                    <a:lumOff val="40000"/>
+                  </a:schemeClr>
+                </a:solidFill>
+                <a:latin typeface="Ebrima" pitchFamily="2" charset="0"/>
+                <a:ea typeface="Ebrima" pitchFamily="2" charset="0"/>
+                <a:cs typeface="Ebrima" pitchFamily="2" charset="0"/>
+              </a:rPr>
+              <a:t>Back-end</a:t>
+            </a:r>
+            <a:endParaRPr lang="en-US" sz="3600" dirty="0">
+              <a:solidFill>
+                <a:schemeClr val="tx2">
+                  <a:lumMod val="60000"/>
+                  <a:lumOff val="40000"/>
+                </a:schemeClr>
+              </a:solidFill>
+              <a:latin typeface="Ebrima" pitchFamily="2" charset="0"/>
+              <a:ea typeface="Ebrima" pitchFamily="2" charset="0"/>
+              <a:cs typeface="Ebrima" pitchFamily="2" charset="0"/>
+            </a:endParaRPr>
+          </a:p>
+        </p:txBody>
+      </p:sp>
+      <p:sp>
+        <p:nvSpPr>
+          <p:cNvPr id="209" name="TextBox 208"/>
+          <p:cNvSpPr txBox="1"/>
+          <p:nvPr/>
+        </p:nvSpPr>
+        <p:spPr>
+          <a:xfrm>
+            <a:off x="26746200" y="2133600"/>
+            <a:ext cx="6553200" cy="1323439"/>
+          </a:xfrm>
+          <a:prstGeom prst="rect">
+            <a:avLst/>
+          </a:prstGeom>
+          <a:noFill/>
+          <a:effectLst>
+            <a:outerShdw blurRad="127000" dist="127000" dir="2700000" algn="ctr" rotWithShape="0">
+              <a:schemeClr val="tx1">
+                <a:lumMod val="50000"/>
+                <a:lumOff val="50000"/>
+                <a:alpha val="72000"/>
+              </a:schemeClr>
+            </a:outerShdw>
+          </a:effectLst>
+        </p:spPr>
+        <p:txBody>
+          <a:bodyPr wrap="square" rtlCol="0">
+            <a:spAutoFit/>
+          </a:bodyPr>
+          <a:lstStyle/>
+          <a:p>
+            <a:r>
+              <a:rPr lang="en-US" sz="8000" dirty="0" smtClean="0">
+                <a:solidFill>
+                  <a:srgbClr val="5A9817"/>
+                </a:solidFill>
+                <a:effectLst>
+                  <a:outerShdw blurRad="38100" dist="38100" dir="2700000" algn="tl">
+                    <a:srgbClr val="000000">
+                      <a:alpha val="43137"/>
+                    </a:srgbClr>
+                  </a:outerShdw>
+                </a:effectLst>
+              </a:rPr>
+              <a:t>Capstone 2011</a:t>
+            </a:r>
+            <a:endParaRPr lang="en-US" sz="8000" dirty="0">
+              <a:solidFill>
+                <a:srgbClr val="5A9817"/>
+              </a:solidFill>
+              <a:effectLst>
+                <a:outerShdw blurRad="38100" dist="38100" dir="2700000" algn="tl">
+                  <a:srgbClr val="000000">
+                    <a:alpha val="43137"/>
+                  </a:srgbClr>
+                </a:outerShdw>
+              </a:effectLst>
+            </a:endParaRPr>
+          </a:p>
+        </p:txBody>
+      </p:sp>
     </p:spTree>
   </p:cSld>
   <p:clrMapOvr>
